--- a/CoreGuideLinesStudy_3.pptx
+++ b/CoreGuideLinesStudy_3.pptx
@@ -5,7 +5,7 @@
     <p:sldMasterId id="2147483648" r:id="rId1"/>
   </p:sldMasterIdLst>
   <p:notesMasterIdLst>
-    <p:notesMasterId r:id="rId8"/>
+    <p:notesMasterId r:id="rId12"/>
   </p:notesMasterIdLst>
   <p:sldIdLst>
     <p:sldId id="304" r:id="rId2"/>
@@ -13,47 +13,51 @@
     <p:sldId id="319" r:id="rId4"/>
     <p:sldId id="320" r:id="rId5"/>
     <p:sldId id="321" r:id="rId6"/>
-    <p:sldId id="318" r:id="rId7"/>
+    <p:sldId id="322" r:id="rId7"/>
+    <p:sldId id="323" r:id="rId8"/>
+    <p:sldId id="324" r:id="rId9"/>
+    <p:sldId id="325" r:id="rId10"/>
+    <p:sldId id="318" r:id="rId11"/>
   </p:sldIdLst>
   <p:sldSz cx="9144000" cy="6858000" type="screen4x3"/>
   <p:notesSz cx="6858000" cy="9144000"/>
   <p:embeddedFontLst>
     <p:embeddedFont>
-      <p:font typeface="HY강B" charset="-127"/>
-      <p:regular r:id="rId9"/>
-    </p:embeddedFont>
-    <p:embeddedFont>
-      <p:font typeface="HY헤드라인M" pitchFamily="18" charset="-127"/>
-      <p:regular r:id="rId10"/>
-    </p:embeddedFont>
-    <p:embeddedFont>
-      <p:font typeface="HY중고딕" pitchFamily="18" charset="-127"/>
-      <p:regular r:id="rId11"/>
-    </p:embeddedFont>
-    <p:embeddedFont>
-      <p:font typeface="HY견고딕" pitchFamily="18" charset="-127"/>
-      <p:regular r:id="rId12"/>
-    </p:embeddedFont>
-    <p:embeddedFont>
-      <p:font typeface="HY신명조" pitchFamily="18" charset="-127"/>
+      <p:font typeface="HY헤드라인M" panose="02030600000101010101" pitchFamily="18" charset="-127"/>
       <p:regular r:id="rId13"/>
     </p:embeddedFont>
     <p:embeddedFont>
-      <p:font typeface="맑은 고딕" pitchFamily="50" charset="-127"/>
+      <p:font typeface="HY강B" panose="020B0600000101010101" charset="-127"/>
       <p:regular r:id="rId14"/>
-      <p:bold r:id="rId15"/>
     </p:embeddedFont>
     <p:embeddedFont>
-      <p:font typeface="Segoe UI Black" pitchFamily="34" charset="0"/>
+      <p:font typeface="맑은 고딕" panose="020B0503020000020004" pitchFamily="50" charset="-127"/>
+      <p:regular r:id="rId15"/>
       <p:bold r:id="rId16"/>
-      <p:boldItalic r:id="rId17"/>
     </p:embeddedFont>
     <p:embeddedFont>
-      <p:font typeface="Consolas" pitchFamily="49" charset="0"/>
+      <p:font typeface="HY중고딕" panose="02030600000101010101" pitchFamily="18" charset="-127"/>
+      <p:regular r:id="rId17"/>
+    </p:embeddedFont>
+    <p:embeddedFont>
+      <p:font typeface="HY견고딕" panose="02030600000101010101" pitchFamily="18" charset="-127"/>
       <p:regular r:id="rId18"/>
-      <p:bold r:id="rId19"/>
-      <p:italic r:id="rId20"/>
-      <p:boldItalic r:id="rId21"/>
+    </p:embeddedFont>
+    <p:embeddedFont>
+      <p:font typeface="Consolas" panose="020B0609020204030204" pitchFamily="49" charset="0"/>
+      <p:regular r:id="rId19"/>
+      <p:bold r:id="rId20"/>
+      <p:italic r:id="rId21"/>
+      <p:boldItalic r:id="rId22"/>
+    </p:embeddedFont>
+    <p:embeddedFont>
+      <p:font typeface="Segoe UI Black" panose="020B0A02040204020203" pitchFamily="34" charset="0"/>
+      <p:bold r:id="rId23"/>
+      <p:boldItalic r:id="rId24"/>
+    </p:embeddedFont>
+    <p:embeddedFont>
+      <p:font typeface="HY신명조" panose="02030600000101010101" pitchFamily="18" charset="-127"/>
+      <p:regular r:id="rId25"/>
     </p:embeddedFont>
   </p:embeddedFontLst>
   <p:defaultTextStyle>
@@ -237,7 +241,7 @@
             <a:fld id="{E2E81C77-485D-47AA-9839-DA75671EEAD7}" type="datetimeFigureOut">
               <a:rPr lang="ko-KR" altLang="en-US" smtClean="0"/>
               <a:pPr/>
-              <a:t>2024-10-18</a:t>
+              <a:t>2024-11-05</a:t>
             </a:fld>
             <a:endParaRPr lang="ko-KR" altLang="en-US"/>
           </a:p>
@@ -690,7 +694,7 @@
             <a:fld id="{3A302466-FE76-40E8-BE5D-598A609EDD2B}" type="datetimeFigureOut">
               <a:rPr lang="ko-KR" altLang="en-US" smtClean="0"/>
               <a:pPr/>
-              <a:t>2024-10-18</a:t>
+              <a:t>2024-11-05</a:t>
             </a:fld>
             <a:endParaRPr lang="ko-KR" altLang="en-US"/>
           </a:p>
@@ -862,7 +866,7 @@
             <a:fld id="{3A302466-FE76-40E8-BE5D-598A609EDD2B}" type="datetimeFigureOut">
               <a:rPr lang="ko-KR" altLang="en-US" smtClean="0"/>
               <a:pPr/>
-              <a:t>2024-10-18</a:t>
+              <a:t>2024-11-05</a:t>
             </a:fld>
             <a:endParaRPr lang="ko-KR" altLang="en-US"/>
           </a:p>
@@ -1044,7 +1048,7 @@
             <a:fld id="{3A302466-FE76-40E8-BE5D-598A609EDD2B}" type="datetimeFigureOut">
               <a:rPr lang="ko-KR" altLang="en-US" smtClean="0"/>
               <a:pPr/>
-              <a:t>2024-10-18</a:t>
+              <a:t>2024-11-05</a:t>
             </a:fld>
             <a:endParaRPr lang="ko-KR" altLang="en-US"/>
           </a:p>
@@ -1216,7 +1220,7 @@
             <a:fld id="{3A302466-FE76-40E8-BE5D-598A609EDD2B}" type="datetimeFigureOut">
               <a:rPr lang="ko-KR" altLang="en-US" smtClean="0"/>
               <a:pPr/>
-              <a:t>2024-10-18</a:t>
+              <a:t>2024-11-05</a:t>
             </a:fld>
             <a:endParaRPr lang="ko-KR" altLang="en-US"/>
           </a:p>
@@ -1464,7 +1468,7 @@
             <a:fld id="{3A302466-FE76-40E8-BE5D-598A609EDD2B}" type="datetimeFigureOut">
               <a:rPr lang="ko-KR" altLang="en-US" smtClean="0"/>
               <a:pPr/>
-              <a:t>2024-10-18</a:t>
+              <a:t>2024-11-05</a:t>
             </a:fld>
             <a:endParaRPr lang="ko-KR" altLang="en-US"/>
           </a:p>
@@ -1754,7 +1758,7 @@
             <a:fld id="{3A302466-FE76-40E8-BE5D-598A609EDD2B}" type="datetimeFigureOut">
               <a:rPr lang="ko-KR" altLang="en-US" smtClean="0"/>
               <a:pPr/>
-              <a:t>2024-10-18</a:t>
+              <a:t>2024-11-05</a:t>
             </a:fld>
             <a:endParaRPr lang="ko-KR" altLang="en-US"/>
           </a:p>
@@ -2178,7 +2182,7 @@
             <a:fld id="{3A302466-FE76-40E8-BE5D-598A609EDD2B}" type="datetimeFigureOut">
               <a:rPr lang="ko-KR" altLang="en-US" smtClean="0"/>
               <a:pPr/>
-              <a:t>2024-10-18</a:t>
+              <a:t>2024-11-05</a:t>
             </a:fld>
             <a:endParaRPr lang="ko-KR" altLang="en-US"/>
           </a:p>
@@ -2298,7 +2302,7 @@
             <a:fld id="{3A302466-FE76-40E8-BE5D-598A609EDD2B}" type="datetimeFigureOut">
               <a:rPr lang="ko-KR" altLang="en-US" smtClean="0"/>
               <a:pPr/>
-              <a:t>2024-10-18</a:t>
+              <a:t>2024-11-05</a:t>
             </a:fld>
             <a:endParaRPr lang="ko-KR" altLang="en-US"/>
           </a:p>
@@ -2395,7 +2399,7 @@
             <a:fld id="{3A302466-FE76-40E8-BE5D-598A609EDD2B}" type="datetimeFigureOut">
               <a:rPr lang="ko-KR" altLang="en-US" smtClean="0"/>
               <a:pPr/>
-              <a:t>2024-10-18</a:t>
+              <a:t>2024-11-05</a:t>
             </a:fld>
             <a:endParaRPr lang="ko-KR" altLang="en-US"/>
           </a:p>
@@ -2674,7 +2678,7 @@
             <a:fld id="{3A302466-FE76-40E8-BE5D-598A609EDD2B}" type="datetimeFigureOut">
               <a:rPr lang="ko-KR" altLang="en-US" smtClean="0"/>
               <a:pPr/>
-              <a:t>2024-10-18</a:t>
+              <a:t>2024-11-05</a:t>
             </a:fld>
             <a:endParaRPr lang="ko-KR" altLang="en-US"/>
           </a:p>
@@ -2929,7 +2933,7 @@
             <a:fld id="{3A302466-FE76-40E8-BE5D-598A609EDD2B}" type="datetimeFigureOut">
               <a:rPr lang="ko-KR" altLang="en-US" smtClean="0"/>
               <a:pPr/>
-              <a:t>2024-10-18</a:t>
+              <a:t>2024-11-05</a:t>
             </a:fld>
             <a:endParaRPr lang="ko-KR" altLang="en-US"/>
           </a:p>
@@ -3144,7 +3148,7 @@
             <a:fld id="{3A302466-FE76-40E8-BE5D-598A609EDD2B}" type="datetimeFigureOut">
               <a:rPr lang="ko-KR" altLang="en-US" smtClean="0"/>
               <a:pPr/>
-              <a:t>2024-10-18</a:t>
+              <a:t>2024-11-05</a:t>
             </a:fld>
             <a:endParaRPr lang="ko-KR" altLang="en-US"/>
           </a:p>
@@ -3795,6 +3799,174 @@
 </p:sld>
 </file>
 
+<file path=ppt/slides/slide10.xml><?xml version="1.0" encoding="utf-8"?>
+<p:sld xmlns:a="http://schemas.openxmlformats.org/drawingml/2006/main" xmlns:r="http://schemas.openxmlformats.org/officeDocument/2006/relationships" xmlns:p="http://schemas.openxmlformats.org/presentationml/2006/main">
+  <p:cSld>
+    <p:bg>
+      <p:bgPr>
+        <a:solidFill>
+          <a:srgbClr val="272123"/>
+        </a:solidFill>
+        <a:effectLst/>
+      </p:bgPr>
+    </p:bg>
+    <p:spTree>
+      <p:nvGrpSpPr>
+        <p:cNvPr id="1" name=""/>
+        <p:cNvGrpSpPr/>
+        <p:nvPr/>
+      </p:nvGrpSpPr>
+      <p:grpSpPr>
+        <a:xfrm>
+          <a:off x="0" y="0"/>
+          <a:ext cx="0" cy="0"/>
+          <a:chOff x="0" y="0"/>
+          <a:chExt cx="0" cy="0"/>
+        </a:xfrm>
+      </p:grpSpPr>
+      <p:sp>
+        <p:nvSpPr>
+          <p:cNvPr id="4" name="TextBox 3"/>
+          <p:cNvSpPr txBox="1"/>
+          <p:nvPr/>
+        </p:nvSpPr>
+        <p:spPr>
+          <a:xfrm>
+            <a:off x="2500298" y="3143248"/>
+            <a:ext cx="4214842" cy="584775"/>
+          </a:xfrm>
+          <a:prstGeom prst="rect">
+            <a:avLst/>
+          </a:prstGeom>
+          <a:noFill/>
+        </p:spPr>
+        <p:txBody>
+          <a:bodyPr wrap="square" rtlCol="0">
+            <a:spAutoFit/>
+          </a:bodyPr>
+          <a:lstStyle/>
+          <a:p>
+            <a:pPr algn="ctr"/>
+            <a:r>
+              <a:rPr lang="en-US" altLang="ko-KR" sz="3200" b="1" dirty="0" smtClean="0">
+                <a:ln>
+                  <a:solidFill>
+                    <a:schemeClr val="bg1">
+                      <a:lumMod val="85000"/>
+                      <a:alpha val="30000"/>
+                    </a:schemeClr>
+                  </a:solidFill>
+                </a:ln>
+                <a:solidFill>
+                  <a:schemeClr val="bg1">
+                    <a:lumMod val="95000"/>
+                  </a:schemeClr>
+                </a:solidFill>
+                <a:latin typeface="HY헤드라인M" pitchFamily="18" charset="-127"/>
+                <a:ea typeface="HY헤드라인M" pitchFamily="18" charset="-127"/>
+              </a:rPr>
+              <a:t>Thank you</a:t>
+            </a:r>
+          </a:p>
+        </p:txBody>
+      </p:sp>
+      <p:sp>
+        <p:nvSpPr>
+          <p:cNvPr id="5" name="TextBox 4"/>
+          <p:cNvSpPr txBox="1"/>
+          <p:nvPr/>
+        </p:nvSpPr>
+        <p:spPr>
+          <a:xfrm>
+            <a:off x="7020801" y="5591055"/>
+            <a:ext cx="1440160" cy="307777"/>
+          </a:xfrm>
+          <a:prstGeom prst="rect">
+            <a:avLst/>
+          </a:prstGeom>
+          <a:noFill/>
+        </p:spPr>
+        <p:txBody>
+          <a:bodyPr wrap="square" rtlCol="0">
+            <a:spAutoFit/>
+          </a:bodyPr>
+          <a:lstStyle/>
+          <a:p>
+            <a:pPr algn="ctr"/>
+            <a:r>
+              <a:rPr lang="ko-KR" altLang="en-US" sz="1400" dirty="0" smtClean="0">
+                <a:ln>
+                  <a:solidFill>
+                    <a:schemeClr val="bg1">
+                      <a:lumMod val="85000"/>
+                      <a:alpha val="30000"/>
+                    </a:schemeClr>
+                  </a:solidFill>
+                </a:ln>
+                <a:solidFill>
+                  <a:schemeClr val="bg1">
+                    <a:lumMod val="85000"/>
+                  </a:schemeClr>
+                </a:solidFill>
+                <a:latin typeface="HY헤드라인M" pitchFamily="18" charset="-127"/>
+                <a:ea typeface="HY헤드라인M" pitchFamily="18" charset="-127"/>
+                <a:cs typeface="Segoe UI Black" pitchFamily="34" charset="0"/>
+              </a:rPr>
+              <a:t>최정호</a:t>
+            </a:r>
+            <a:endParaRPr lang="en-US" altLang="ko-KR" sz="1400" dirty="0" smtClean="0">
+              <a:ln>
+                <a:solidFill>
+                  <a:schemeClr val="bg1">
+                    <a:lumMod val="85000"/>
+                    <a:alpha val="30000"/>
+                  </a:schemeClr>
+                </a:solidFill>
+              </a:ln>
+              <a:solidFill>
+                <a:schemeClr val="bg1">
+                  <a:lumMod val="85000"/>
+                </a:schemeClr>
+              </a:solidFill>
+              <a:latin typeface="HY헤드라인M" pitchFamily="18" charset="-127"/>
+              <a:ea typeface="HY헤드라인M" pitchFamily="18" charset="-127"/>
+              <a:cs typeface="Segoe UI Black" pitchFamily="34" charset="0"/>
+            </a:endParaRPr>
+          </a:p>
+        </p:txBody>
+      </p:sp>
+    </p:spTree>
+    <p:extLst>
+      <p:ext uri="{BB962C8B-B14F-4D97-AF65-F5344CB8AC3E}">
+        <p14:creationId xmlns:p14="http://schemas.microsoft.com/office/powerpoint/2010/main" val="3836861919"/>
+      </p:ext>
+    </p:extLst>
+  </p:cSld>
+  <p:clrMapOvr>
+    <a:masterClrMapping/>
+  </p:clrMapOvr>
+  <mc:AlternateContent xmlns:mc="http://schemas.openxmlformats.org/markup-compatibility/2006" xmlns:p14="http://schemas.microsoft.com/office/powerpoint/2010/main">
+    <mc:Choice Requires="p14">
+      <p:transition spd="med" p14:dur="700">
+        <p:fade/>
+      </p:transition>
+    </mc:Choice>
+    <mc:Fallback xmlns="">
+      <p:transition spd="med">
+        <p:fade/>
+      </p:transition>
+    </mc:Fallback>
+  </mc:AlternateContent>
+  <p:timing>
+    <p:tnLst>
+      <p:par>
+        <p:cTn id="1" dur="indefinite" restart="never" nodeType="tmRoot"/>
+      </p:par>
+    </p:tnLst>
+  </p:timing>
+</p:sld>
+</file>
+
 <file path=ppt/slides/slide2.xml><?xml version="1.0" encoding="utf-8"?>
 <p:sld xmlns:a="http://schemas.openxmlformats.org/drawingml/2006/main" xmlns:r="http://schemas.openxmlformats.org/officeDocument/2006/relationships" xmlns:p="http://schemas.openxmlformats.org/presentationml/2006/main">
   <p:cSld>
@@ -7676,8 +7848,8 @@
         </p:nvSpPr>
         <p:spPr>
           <a:xfrm>
-            <a:off x="2500298" y="3143248"/>
-            <a:ext cx="4214842" cy="584775"/>
+            <a:off x="2213281" y="2692077"/>
+            <a:ext cx="4951007" cy="1384995"/>
           </a:xfrm>
           <a:prstGeom prst="rect">
             <a:avLst/>
@@ -7692,7 +7864,7 @@
           <a:p>
             <a:pPr algn="ctr"/>
             <a:r>
-              <a:rPr lang="en-US" altLang="ko-KR" sz="3200" b="1" dirty="0" smtClean="0">
+              <a:rPr lang="en-US" altLang="ko-KR" sz="4000" b="1" dirty="0" smtClean="0">
                 <a:ln>
                   <a:solidFill>
                     <a:schemeClr val="bg1">
@@ -7708,15 +7880,139 @@
                 </a:solidFill>
                 <a:latin typeface="HY헤드라인M" pitchFamily="18" charset="-127"/>
                 <a:ea typeface="HY헤드라인M" pitchFamily="18" charset="-127"/>
-              </a:rPr>
-              <a:t>Thank you</a:t>
-            </a:r>
+                <a:cs typeface="Segoe UI Black" pitchFamily="34" charset="0"/>
+              </a:rPr>
+              <a:t>Core </a:t>
+            </a:r>
+            <a:r>
+              <a:rPr lang="en-US" altLang="ko-KR" sz="4000" b="1" dirty="0" err="1" smtClean="0">
+                <a:ln>
+                  <a:solidFill>
+                    <a:schemeClr val="bg1">
+                      <a:lumMod val="85000"/>
+                      <a:alpha val="30000"/>
+                    </a:schemeClr>
+                  </a:solidFill>
+                </a:ln>
+                <a:solidFill>
+                  <a:schemeClr val="bg1">
+                    <a:lumMod val="95000"/>
+                  </a:schemeClr>
+                </a:solidFill>
+                <a:latin typeface="HY헤드라인M" pitchFamily="18" charset="-127"/>
+                <a:ea typeface="HY헤드라인M" pitchFamily="18" charset="-127"/>
+                <a:cs typeface="Segoe UI Black" pitchFamily="34" charset="0"/>
+              </a:rPr>
+              <a:t>GuideLines</a:t>
+            </a:r>
+            <a:endParaRPr lang="en-US" altLang="ko-KR" sz="4000" b="1" dirty="0" smtClean="0">
+              <a:ln>
+                <a:solidFill>
+                  <a:schemeClr val="bg1">
+                    <a:lumMod val="85000"/>
+                    <a:alpha val="30000"/>
+                  </a:schemeClr>
+                </a:solidFill>
+              </a:ln>
+              <a:solidFill>
+                <a:schemeClr val="bg1">
+                  <a:lumMod val="95000"/>
+                </a:schemeClr>
+              </a:solidFill>
+              <a:latin typeface="HY헤드라인M" pitchFamily="18" charset="-127"/>
+              <a:ea typeface="HY헤드라인M" pitchFamily="18" charset="-127"/>
+              <a:cs typeface="Segoe UI Black" pitchFamily="34" charset="0"/>
+            </a:endParaRPr>
+          </a:p>
+          <a:p>
+            <a:pPr algn="ctr"/>
+            <a:endParaRPr lang="en-US" altLang="ko-KR" sz="1050" b="1" dirty="0" smtClean="0">
+              <a:ln>
+                <a:solidFill>
+                  <a:schemeClr val="bg1">
+                    <a:lumMod val="85000"/>
+                    <a:alpha val="30000"/>
+                  </a:schemeClr>
+                </a:solidFill>
+              </a:ln>
+              <a:solidFill>
+                <a:schemeClr val="bg1">
+                  <a:lumMod val="95000"/>
+                </a:schemeClr>
+              </a:solidFill>
+              <a:latin typeface="HY헤드라인M" pitchFamily="18" charset="-127"/>
+              <a:ea typeface="HY헤드라인M" pitchFamily="18" charset="-127"/>
+              <a:cs typeface="Segoe UI Black" pitchFamily="34" charset="0"/>
+            </a:endParaRPr>
+          </a:p>
+          <a:p>
+            <a:pPr algn="ctr"/>
+            <a:r>
+              <a:rPr lang="en-US" altLang="ko-KR" sz="3200" b="1" dirty="0" smtClean="0">
+                <a:ln>
+                  <a:solidFill>
+                    <a:schemeClr val="bg1">
+                      <a:lumMod val="85000"/>
+                      <a:alpha val="30000"/>
+                    </a:schemeClr>
+                  </a:solidFill>
+                </a:ln>
+                <a:solidFill>
+                  <a:schemeClr val="bg1">
+                    <a:lumMod val="95000"/>
+                  </a:schemeClr>
+                </a:solidFill>
+                <a:latin typeface="HY헤드라인M" pitchFamily="18" charset="-127"/>
+                <a:ea typeface="HY헤드라인M" pitchFamily="18" charset="-127"/>
+                <a:cs typeface="Segoe UI Black" pitchFamily="34" charset="0"/>
+              </a:rPr>
+              <a:t>Chapter </a:t>
+            </a:r>
+            <a:r>
+              <a:rPr lang="en-US" altLang="ko-KR" sz="3200" b="1" dirty="0">
+                <a:ln>
+                  <a:solidFill>
+                    <a:schemeClr val="bg1">
+                      <a:lumMod val="85000"/>
+                      <a:alpha val="30000"/>
+                    </a:schemeClr>
+                  </a:solidFill>
+                </a:ln>
+                <a:solidFill>
+                  <a:schemeClr val="bg1">
+                    <a:lumMod val="95000"/>
+                  </a:schemeClr>
+                </a:solidFill>
+                <a:latin typeface="HY헤드라인M" pitchFamily="18" charset="-127"/>
+                <a:ea typeface="HY헤드라인M" pitchFamily="18" charset="-127"/>
+                <a:cs typeface="Segoe UI Black" pitchFamily="34" charset="0"/>
+              </a:rPr>
+              <a:t>8</a:t>
+            </a:r>
+            <a:endParaRPr lang="en-US" altLang="ko-KR" sz="3200" b="1" dirty="0" smtClean="0">
+              <a:ln>
+                <a:solidFill>
+                  <a:schemeClr val="bg1">
+                    <a:lumMod val="85000"/>
+                    <a:alpha val="30000"/>
+                  </a:schemeClr>
+                </a:solidFill>
+              </a:ln>
+              <a:solidFill>
+                <a:schemeClr val="bg1">
+                  <a:lumMod val="95000"/>
+                </a:schemeClr>
+              </a:solidFill>
+              <a:latin typeface="HY헤드라인M" pitchFamily="18" charset="-127"/>
+              <a:ea typeface="HY헤드라인M" pitchFamily="18" charset="-127"/>
+              <a:cs typeface="Segoe UI Black" pitchFamily="34" charset="0"/>
+            </a:endParaRPr>
           </a:p>
         </p:txBody>
       </p:sp>
       <p:sp>
         <p:nvSpPr>
-          <p:cNvPr id="5" name="TextBox 4"/>
+          <p:cNvPr id="7" name="TextBox 6"/>
           <p:cNvSpPr txBox="1"/>
           <p:nvPr/>
         </p:nvSpPr>
@@ -7782,7 +8078,3469 @@
     </p:spTree>
     <p:extLst>
       <p:ext uri="{BB962C8B-B14F-4D97-AF65-F5344CB8AC3E}">
-        <p14:creationId xmlns:p14="http://schemas.microsoft.com/office/powerpoint/2010/main" val="3836861919"/>
+        <p14:creationId xmlns:p14="http://schemas.microsoft.com/office/powerpoint/2010/main" val="3045306195"/>
+      </p:ext>
+    </p:extLst>
+  </p:cSld>
+  <p:clrMapOvr>
+    <a:masterClrMapping/>
+  </p:clrMapOvr>
+  <mc:AlternateContent xmlns:mc="http://schemas.openxmlformats.org/markup-compatibility/2006" xmlns:p14="http://schemas.microsoft.com/office/powerpoint/2010/main">
+    <mc:Choice Requires="p14">
+      <p:transition spd="med" p14:dur="700" advTm="111">
+        <p:fade/>
+      </p:transition>
+    </mc:Choice>
+    <mc:Fallback xmlns="">
+      <p:transition spd="med" advTm="111">
+        <p:fade/>
+      </p:transition>
+    </mc:Fallback>
+  </mc:AlternateContent>
+  <p:timing>
+    <p:tnLst>
+      <p:par>
+        <p:cTn id="1" dur="indefinite" restart="never" nodeType="tmRoot"/>
+      </p:par>
+    </p:tnLst>
+  </p:timing>
+</p:sld>
+</file>
+
+<file path=ppt/slides/slide7.xml><?xml version="1.0" encoding="utf-8"?>
+<p:sld xmlns:a="http://schemas.openxmlformats.org/drawingml/2006/main" xmlns:r="http://schemas.openxmlformats.org/officeDocument/2006/relationships" xmlns:p="http://schemas.openxmlformats.org/presentationml/2006/main">
+  <p:cSld>
+    <p:spTree>
+      <p:nvGrpSpPr>
+        <p:cNvPr id="1" name=""/>
+        <p:cNvGrpSpPr/>
+        <p:nvPr/>
+      </p:nvGrpSpPr>
+      <p:grpSpPr>
+        <a:xfrm>
+          <a:off x="0" y="0"/>
+          <a:ext cx="0" cy="0"/>
+          <a:chOff x="0" y="0"/>
+          <a:chExt cx="0" cy="0"/>
+        </a:xfrm>
+      </p:grpSpPr>
+      <p:cxnSp>
+        <p:nvCxnSpPr>
+          <p:cNvPr id="5" name="직선 연결선 4"/>
+          <p:cNvCxnSpPr/>
+          <p:nvPr/>
+        </p:nvCxnSpPr>
+        <p:spPr>
+          <a:xfrm flipH="1">
+            <a:off x="-252536" y="548680"/>
+            <a:ext cx="10240872" cy="0"/>
+          </a:xfrm>
+          <a:prstGeom prst="line">
+            <a:avLst/>
+          </a:prstGeom>
+          <a:ln>
+            <a:solidFill>
+              <a:schemeClr val="bg1">
+                <a:lumMod val="65000"/>
+                <a:alpha val="50000"/>
+              </a:schemeClr>
+            </a:solidFill>
+          </a:ln>
+        </p:spPr>
+        <p:style>
+          <a:lnRef idx="1">
+            <a:schemeClr val="accent1"/>
+          </a:lnRef>
+          <a:fillRef idx="0">
+            <a:schemeClr val="accent1"/>
+          </a:fillRef>
+          <a:effectRef idx="0">
+            <a:schemeClr val="accent1"/>
+          </a:effectRef>
+          <a:fontRef idx="minor">
+            <a:schemeClr val="tx1"/>
+          </a:fontRef>
+        </p:style>
+      </p:cxnSp>
+      <p:sp>
+        <p:nvSpPr>
+          <p:cNvPr id="21" name="TextBox 20"/>
+          <p:cNvSpPr txBox="1"/>
+          <p:nvPr/>
+        </p:nvSpPr>
+        <p:spPr>
+          <a:xfrm>
+            <a:off x="236725" y="56518"/>
+            <a:ext cx="1959011" cy="400110"/>
+          </a:xfrm>
+          <a:prstGeom prst="rect">
+            <a:avLst/>
+          </a:prstGeom>
+          <a:noFill/>
+        </p:spPr>
+        <p:txBody>
+          <a:bodyPr wrap="square" rtlCol="0">
+            <a:spAutoFit/>
+          </a:bodyPr>
+          <a:lstStyle/>
+          <a:p>
+            <a:pPr algn="ctr"/>
+            <a:r>
+              <a:rPr lang="ko-KR" altLang="en-US" sz="2000" b="1" dirty="0" err="1" smtClean="0">
+                <a:ln>
+                  <a:solidFill>
+                    <a:schemeClr val="tx1">
+                      <a:alpha val="30000"/>
+                    </a:schemeClr>
+                  </a:solidFill>
+                </a:ln>
+                <a:solidFill>
+                  <a:srgbClr val="272123"/>
+                </a:solidFill>
+                <a:latin typeface="HY강B" pitchFamily="18" charset="-127"/>
+                <a:ea typeface="HY강B" pitchFamily="18" charset="-127"/>
+              </a:rPr>
+              <a:t>표현식과</a:t>
+            </a:r>
+            <a:r>
+              <a:rPr lang="ko-KR" altLang="en-US" sz="2000" b="1" dirty="0" smtClean="0">
+                <a:ln>
+                  <a:solidFill>
+                    <a:schemeClr val="tx1">
+                      <a:alpha val="30000"/>
+                    </a:schemeClr>
+                  </a:solidFill>
+                </a:ln>
+                <a:solidFill>
+                  <a:srgbClr val="272123"/>
+                </a:solidFill>
+                <a:latin typeface="HY강B" pitchFamily="18" charset="-127"/>
+                <a:ea typeface="HY강B" pitchFamily="18" charset="-127"/>
+              </a:rPr>
+              <a:t> 문장</a:t>
+            </a:r>
+            <a:endParaRPr lang="en-US" altLang="ko-KR" sz="2000" b="1" dirty="0" smtClean="0">
+              <a:ln>
+                <a:solidFill>
+                  <a:schemeClr val="tx1">
+                    <a:alpha val="30000"/>
+                  </a:schemeClr>
+                </a:solidFill>
+              </a:ln>
+              <a:solidFill>
+                <a:srgbClr val="272123"/>
+              </a:solidFill>
+              <a:latin typeface="HY강B" pitchFamily="18" charset="-127"/>
+              <a:ea typeface="HY강B" pitchFamily="18" charset="-127"/>
+            </a:endParaRPr>
+          </a:p>
+        </p:txBody>
+      </p:sp>
+      <p:cxnSp>
+        <p:nvCxnSpPr>
+          <p:cNvPr id="4" name="직선 연결선 3"/>
+          <p:cNvCxnSpPr/>
+          <p:nvPr/>
+        </p:nvCxnSpPr>
+        <p:spPr>
+          <a:xfrm flipH="1">
+            <a:off x="-252536" y="548680"/>
+            <a:ext cx="10240872" cy="0"/>
+          </a:xfrm>
+          <a:prstGeom prst="line">
+            <a:avLst/>
+          </a:prstGeom>
+          <a:ln>
+            <a:solidFill>
+              <a:schemeClr val="bg1">
+                <a:lumMod val="65000"/>
+                <a:alpha val="50000"/>
+              </a:schemeClr>
+            </a:solidFill>
+          </a:ln>
+        </p:spPr>
+        <p:style>
+          <a:lnRef idx="1">
+            <a:schemeClr val="accent1"/>
+          </a:lnRef>
+          <a:fillRef idx="0">
+            <a:schemeClr val="accent1"/>
+          </a:fillRef>
+          <a:effectRef idx="0">
+            <a:schemeClr val="accent1"/>
+          </a:effectRef>
+          <a:fontRef idx="minor">
+            <a:schemeClr val="tx1"/>
+          </a:fontRef>
+        </p:style>
+      </p:cxnSp>
+      <p:sp>
+        <p:nvSpPr>
+          <p:cNvPr id="6" name="TextBox 5"/>
+          <p:cNvSpPr txBox="1"/>
+          <p:nvPr/>
+        </p:nvSpPr>
+        <p:spPr>
+          <a:xfrm>
+            <a:off x="395536" y="654948"/>
+            <a:ext cx="8676456" cy="400110"/>
+          </a:xfrm>
+          <a:prstGeom prst="rect">
+            <a:avLst/>
+          </a:prstGeom>
+          <a:noFill/>
+        </p:spPr>
+        <p:txBody>
+          <a:bodyPr wrap="square" rtlCol="0">
+            <a:spAutoFit/>
+          </a:bodyPr>
+          <a:lstStyle/>
+          <a:p>
+            <a:pPr marL="285750" indent="-285750">
+              <a:buFont typeface="Arial" pitchFamily="34" charset="0"/>
+              <a:buChar char="•"/>
+            </a:pPr>
+            <a:r>
+              <a:rPr lang="en-US" altLang="ko-KR" sz="2000" dirty="0" smtClean="0">
+                <a:ln>
+                  <a:solidFill>
+                    <a:schemeClr val="tx1">
+                      <a:alpha val="30000"/>
+                    </a:schemeClr>
+                  </a:solidFill>
+                </a:ln>
+                <a:latin typeface="HY견고딕" pitchFamily="18" charset="-127"/>
+                <a:ea typeface="HY견고딕" pitchFamily="18" charset="-127"/>
+              </a:rPr>
+              <a:t>ES.23</a:t>
+            </a:r>
+            <a:r>
+              <a:rPr lang="ko-KR" altLang="en-US" sz="2000" dirty="0">
+                <a:ln>
+                  <a:solidFill>
+                    <a:schemeClr val="tx1">
+                      <a:alpha val="30000"/>
+                    </a:schemeClr>
+                  </a:solidFill>
+                </a:ln>
+                <a:latin typeface="HY견고딕" pitchFamily="18" charset="-127"/>
+                <a:ea typeface="HY견고딕" pitchFamily="18" charset="-127"/>
+              </a:rPr>
+              <a:t> </a:t>
+            </a:r>
+            <a:r>
+              <a:rPr lang="en-US" altLang="ko-KR" sz="2000" dirty="0" smtClean="0">
+                <a:ln>
+                  <a:solidFill>
+                    <a:schemeClr val="tx1">
+                      <a:alpha val="30000"/>
+                    </a:schemeClr>
+                  </a:solidFill>
+                </a:ln>
+                <a:latin typeface="HY견고딕" pitchFamily="18" charset="-127"/>
+                <a:ea typeface="HY견고딕" pitchFamily="18" charset="-127"/>
+              </a:rPr>
+              <a:t>{} </a:t>
+            </a:r>
+            <a:r>
+              <a:rPr lang="ko-KR" altLang="en-US" sz="2000" dirty="0" smtClean="0">
+                <a:ln>
+                  <a:solidFill>
+                    <a:schemeClr val="tx1">
+                      <a:alpha val="30000"/>
+                    </a:schemeClr>
+                  </a:solidFill>
+                </a:ln>
+                <a:latin typeface="HY견고딕" pitchFamily="18" charset="-127"/>
+                <a:ea typeface="HY견고딕" pitchFamily="18" charset="-127"/>
+              </a:rPr>
+              <a:t>초기화 구문을 선호하라</a:t>
+            </a:r>
+            <a:endParaRPr lang="en-US" altLang="ko-KR" sz="2000" dirty="0" smtClean="0">
+              <a:ln>
+                <a:solidFill>
+                  <a:schemeClr val="tx1">
+                    <a:alpha val="30000"/>
+                  </a:schemeClr>
+                </a:solidFill>
+              </a:ln>
+              <a:latin typeface="HY견고딕" pitchFamily="18" charset="-127"/>
+              <a:ea typeface="HY견고딕" pitchFamily="18" charset="-127"/>
+            </a:endParaRPr>
+          </a:p>
+        </p:txBody>
+      </p:sp>
+      <p:sp>
+        <p:nvSpPr>
+          <p:cNvPr id="7" name="TextBox 6"/>
+          <p:cNvSpPr txBox="1"/>
+          <p:nvPr/>
+        </p:nvSpPr>
+        <p:spPr>
+          <a:xfrm>
+            <a:off x="529672" y="1196752"/>
+            <a:ext cx="8676456" cy="1646605"/>
+          </a:xfrm>
+          <a:prstGeom prst="rect">
+            <a:avLst/>
+          </a:prstGeom>
+          <a:noFill/>
+        </p:spPr>
+        <p:txBody>
+          <a:bodyPr wrap="square" rtlCol="0">
+            <a:spAutoFit/>
+          </a:bodyPr>
+          <a:lstStyle/>
+          <a:p>
+            <a:pPr marL="457200" indent="-457200">
+              <a:buFontTx/>
+              <a:buChar char="-"/>
+            </a:pPr>
+            <a:r>
+              <a:rPr lang="ko-KR" altLang="en-US" sz="1400" dirty="0" smtClean="0">
+                <a:ln>
+                  <a:solidFill>
+                    <a:schemeClr val="tx1">
+                      <a:alpha val="30000"/>
+                    </a:schemeClr>
+                  </a:solidFill>
+                </a:ln>
+                <a:latin typeface="HY견고딕" pitchFamily="18" charset="-127"/>
+                <a:ea typeface="HY견고딕" pitchFamily="18" charset="-127"/>
+              </a:rPr>
+              <a:t>항상 적용할 수 있다</a:t>
+            </a:r>
+            <a:endParaRPr lang="en-US" altLang="ko-KR" sz="1400" dirty="0">
+              <a:ln>
+                <a:solidFill>
+                  <a:schemeClr val="tx1">
+                    <a:alpha val="30000"/>
+                  </a:schemeClr>
+                </a:solidFill>
+              </a:ln>
+              <a:latin typeface="HY견고딕" pitchFamily="18" charset="-127"/>
+              <a:ea typeface="HY견고딕" pitchFamily="18" charset="-127"/>
+            </a:endParaRPr>
+          </a:p>
+          <a:p>
+            <a:pPr marL="914400" lvl="1" indent="-457200">
+              <a:buFontTx/>
+              <a:buChar char="-"/>
+            </a:pPr>
+            <a:r>
+              <a:rPr lang="en-US" altLang="ko-KR" sz="1100" b="1" dirty="0">
+                <a:ln>
+                  <a:solidFill>
+                    <a:schemeClr val="tx1">
+                      <a:alpha val="30000"/>
+                    </a:schemeClr>
+                  </a:solidFill>
+                </a:ln>
+                <a:latin typeface="HY신명조" pitchFamily="18" charset="-127"/>
+                <a:ea typeface="HY신명조" pitchFamily="18" charset="-127"/>
+              </a:rPr>
+              <a:t>a</a:t>
+            </a:r>
+            <a:r>
+              <a:rPr lang="en-US" altLang="ko-KR" sz="1100" b="1" dirty="0" smtClean="0">
+                <a:ln>
+                  <a:solidFill>
+                    <a:schemeClr val="tx1">
+                      <a:alpha val="30000"/>
+                    </a:schemeClr>
+                  </a:solidFill>
+                </a:ln>
+                <a:latin typeface="HY신명조" pitchFamily="18" charset="-127"/>
+                <a:ea typeface="HY신명조" pitchFamily="18" charset="-127"/>
+              </a:rPr>
+              <a:t>uto </a:t>
+            </a:r>
+            <a:r>
+              <a:rPr lang="ko-KR" altLang="en-US" sz="1100" b="1" dirty="0" smtClean="0">
+                <a:ln>
+                  <a:solidFill>
+                    <a:schemeClr val="tx1">
+                      <a:alpha val="30000"/>
+                    </a:schemeClr>
+                  </a:solidFill>
+                </a:ln>
+                <a:latin typeface="HY신명조" pitchFamily="18" charset="-127"/>
+                <a:ea typeface="HY신명조" pitchFamily="18" charset="-127"/>
+              </a:rPr>
+              <a:t>키워드를 사용시 예측이 불가능한 경우를 제외하고 항상 적용할 수 있다</a:t>
+            </a:r>
+            <a:r>
+              <a:rPr lang="en-US" altLang="ko-KR" sz="1100" b="1" dirty="0" smtClean="0">
+                <a:ln>
+                  <a:solidFill>
+                    <a:schemeClr val="tx1">
+                      <a:alpha val="30000"/>
+                    </a:schemeClr>
+                  </a:solidFill>
+                </a:ln>
+                <a:latin typeface="HY신명조" pitchFamily="18" charset="-127"/>
+                <a:ea typeface="HY신명조" pitchFamily="18" charset="-127"/>
+              </a:rPr>
+              <a:t>.</a:t>
+            </a:r>
+            <a:endParaRPr lang="ko-KR" altLang="en-US" sz="1100" b="1" dirty="0">
+              <a:ln>
+                <a:solidFill>
+                  <a:schemeClr val="tx1">
+                    <a:alpha val="30000"/>
+                  </a:schemeClr>
+                </a:solidFill>
+              </a:ln>
+              <a:latin typeface="HY신명조" pitchFamily="18" charset="-127"/>
+              <a:ea typeface="HY신명조" pitchFamily="18" charset="-127"/>
+            </a:endParaRPr>
+          </a:p>
+          <a:p>
+            <a:pPr marL="457200" indent="-457200">
+              <a:buFontTx/>
+              <a:buChar char="-"/>
+            </a:pPr>
+            <a:endParaRPr lang="en-US" altLang="ko-KR" sz="1400" dirty="0" smtClean="0">
+              <a:ln>
+                <a:solidFill>
+                  <a:schemeClr val="tx1">
+                    <a:alpha val="30000"/>
+                  </a:schemeClr>
+                </a:solidFill>
+              </a:ln>
+              <a:latin typeface="HY견고딕" pitchFamily="18" charset="-127"/>
+              <a:ea typeface="HY견고딕" pitchFamily="18" charset="-127"/>
+            </a:endParaRPr>
+          </a:p>
+          <a:p>
+            <a:pPr marL="457200" indent="-457200">
+              <a:buFontTx/>
+              <a:buChar char="-"/>
+            </a:pPr>
+            <a:r>
+              <a:rPr lang="ko-KR" altLang="en-US" sz="1400" dirty="0" smtClean="0">
+                <a:ln>
+                  <a:solidFill>
+                    <a:schemeClr val="tx1">
+                      <a:alpha val="30000"/>
+                    </a:schemeClr>
+                  </a:solidFill>
+                </a:ln>
+                <a:latin typeface="HY견고딕" pitchFamily="18" charset="-127"/>
+                <a:ea typeface="HY견고딕" pitchFamily="18" charset="-127"/>
+              </a:rPr>
+              <a:t>가장 당황스러운 구문 해석의 문제가 없다</a:t>
+            </a:r>
+            <a:r>
+              <a:rPr lang="en-US" altLang="ko-KR" sz="1400" dirty="0">
+                <a:ln>
+                  <a:solidFill>
+                    <a:schemeClr val="tx1">
+                      <a:alpha val="30000"/>
+                    </a:schemeClr>
+                  </a:solidFill>
+                </a:ln>
+                <a:latin typeface="HY견고딕" pitchFamily="18" charset="-127"/>
+                <a:ea typeface="HY견고딕" pitchFamily="18" charset="-127"/>
+              </a:rPr>
+              <a:t>.</a:t>
+            </a:r>
+          </a:p>
+          <a:p>
+            <a:pPr marL="914400" lvl="1" indent="-457200">
+              <a:buFontTx/>
+              <a:buChar char="-"/>
+            </a:pPr>
+            <a:r>
+              <a:rPr lang="ko-KR" altLang="en-US" sz="1100" dirty="0" smtClean="0">
+                <a:ln>
+                  <a:solidFill>
+                    <a:schemeClr val="tx1">
+                      <a:alpha val="30000"/>
+                    </a:schemeClr>
+                  </a:solidFill>
+                </a:ln>
+                <a:latin typeface="HY신명조" panose="02030600000101010101" pitchFamily="18" charset="-127"/>
+                <a:ea typeface="HY신명조" panose="02030600000101010101" pitchFamily="18" charset="-127"/>
+              </a:rPr>
+              <a:t>아래 코드의 </a:t>
+            </a:r>
+            <a:r>
+              <a:rPr lang="en-US" altLang="ko-KR" sz="1100" dirty="0" smtClean="0">
+                <a:ln>
+                  <a:solidFill>
+                    <a:schemeClr val="tx1">
+                      <a:alpha val="30000"/>
+                    </a:schemeClr>
+                  </a:solidFill>
+                </a:ln>
+                <a:latin typeface="HY신명조" panose="02030600000101010101" pitchFamily="18" charset="-127"/>
+                <a:ea typeface="HY신명조" panose="02030600000101010101" pitchFamily="18" charset="-127"/>
+              </a:rPr>
+              <a:t>Test b();</a:t>
+            </a:r>
+            <a:r>
+              <a:rPr lang="ko-KR" altLang="en-US" sz="1100" dirty="0" smtClean="0">
+                <a:ln>
+                  <a:solidFill>
+                    <a:schemeClr val="tx1">
+                      <a:alpha val="30000"/>
+                    </a:schemeClr>
+                  </a:solidFill>
+                </a:ln>
+                <a:latin typeface="HY신명조" panose="02030600000101010101" pitchFamily="18" charset="-127"/>
+                <a:ea typeface="HY신명조" panose="02030600000101010101" pitchFamily="18" charset="-127"/>
+              </a:rPr>
+              <a:t>는 변수 선언이 아니라 함수호출로 인식해 </a:t>
+            </a:r>
+            <a:r>
+              <a:rPr lang="en-US" altLang="ko-KR" sz="1100" dirty="0" smtClean="0">
+                <a:ln>
+                  <a:solidFill>
+                    <a:schemeClr val="tx1">
+                      <a:alpha val="30000"/>
+                    </a:schemeClr>
+                  </a:solidFill>
+                </a:ln>
+                <a:latin typeface="HY신명조" panose="02030600000101010101" pitchFamily="18" charset="-127"/>
+                <a:ea typeface="HY신명조" panose="02030600000101010101" pitchFamily="18" charset="-127"/>
+              </a:rPr>
+              <a:t>b</a:t>
+            </a:r>
+            <a:r>
+              <a:rPr lang="ko-KR" altLang="en-US" sz="1100" dirty="0" smtClean="0">
+                <a:ln>
+                  <a:solidFill>
+                    <a:schemeClr val="tx1">
+                      <a:alpha val="30000"/>
+                    </a:schemeClr>
+                  </a:solidFill>
+                </a:ln>
+                <a:latin typeface="HY신명조" panose="02030600000101010101" pitchFamily="18" charset="-127"/>
+                <a:ea typeface="HY신명조" panose="02030600000101010101" pitchFamily="18" charset="-127"/>
+              </a:rPr>
+              <a:t>객체를 사용할 수 없다</a:t>
+            </a:r>
+            <a:r>
+              <a:rPr lang="en-US" altLang="ko-KR" sz="1100" dirty="0" smtClean="0">
+                <a:ln>
+                  <a:solidFill>
+                    <a:schemeClr val="tx1">
+                      <a:alpha val="30000"/>
+                    </a:schemeClr>
+                  </a:solidFill>
+                </a:ln>
+                <a:latin typeface="HY신명조" panose="02030600000101010101" pitchFamily="18" charset="-127"/>
+                <a:ea typeface="HY신명조" panose="02030600000101010101" pitchFamily="18" charset="-127"/>
+              </a:rPr>
+              <a:t>.</a:t>
+            </a:r>
+            <a:endParaRPr lang="en-US" altLang="ko-KR" sz="1100" dirty="0" smtClean="0">
+              <a:ln>
+                <a:solidFill>
+                  <a:schemeClr val="tx1">
+                    <a:alpha val="30000"/>
+                  </a:schemeClr>
+                </a:solidFill>
+              </a:ln>
+              <a:latin typeface="HY신명조" panose="02030600000101010101" pitchFamily="18" charset="-127"/>
+              <a:ea typeface="HY신명조" panose="02030600000101010101" pitchFamily="18" charset="-127"/>
+            </a:endParaRPr>
+          </a:p>
+          <a:p>
+            <a:pPr marL="914400" lvl="1" indent="-457200">
+              <a:buFontTx/>
+              <a:buChar char="-"/>
+            </a:pPr>
+            <a:endParaRPr lang="en-US" altLang="ko-KR" sz="1400" dirty="0" smtClean="0">
+              <a:ln>
+                <a:solidFill>
+                  <a:schemeClr val="tx1">
+                    <a:alpha val="30000"/>
+                  </a:schemeClr>
+                </a:solidFill>
+              </a:ln>
+              <a:latin typeface="HY견고딕" pitchFamily="18" charset="-127"/>
+              <a:ea typeface="HY견고딕" pitchFamily="18" charset="-127"/>
+            </a:endParaRPr>
+          </a:p>
+          <a:p>
+            <a:pPr marL="457200" indent="-457200">
+              <a:buFontTx/>
+              <a:buChar char="-"/>
+            </a:pPr>
+            <a:endParaRPr lang="en-US" altLang="ko-KR" sz="2000" dirty="0" smtClean="0">
+              <a:ln>
+                <a:solidFill>
+                  <a:schemeClr val="tx1">
+                    <a:alpha val="30000"/>
+                  </a:schemeClr>
+                </a:solidFill>
+              </a:ln>
+              <a:latin typeface="HY견고딕" pitchFamily="18" charset="-127"/>
+              <a:ea typeface="HY견고딕" pitchFamily="18" charset="-127"/>
+            </a:endParaRPr>
+          </a:p>
+        </p:txBody>
+      </p:sp>
+      <p:pic>
+        <p:nvPicPr>
+          <p:cNvPr id="1026" name="Picture 2"/>
+          <p:cNvPicPr>
+            <a:picLocks noChangeAspect="1" noChangeArrowheads="1"/>
+          </p:cNvPicPr>
+          <p:nvPr/>
+        </p:nvPicPr>
+        <p:blipFill>
+          <a:blip r:embed="rId2">
+            <a:extLst>
+              <a:ext uri="{28A0092B-C50C-407E-A947-70E740481C1C}">
+                <a14:useLocalDpi xmlns:a14="http://schemas.microsoft.com/office/drawing/2010/main" val="0"/>
+              </a:ext>
+            </a:extLst>
+          </a:blip>
+          <a:srcRect/>
+          <a:stretch>
+            <a:fillRect/>
+          </a:stretch>
+        </p:blipFill>
+        <p:spPr bwMode="auto">
+          <a:xfrm>
+            <a:off x="2803652" y="2420888"/>
+            <a:ext cx="3860223" cy="4114800"/>
+          </a:xfrm>
+          <a:prstGeom prst="rect">
+            <a:avLst/>
+          </a:prstGeom>
+          <a:noFill/>
+          <a:ln>
+            <a:noFill/>
+          </a:ln>
+          <a:extLst>
+            <a:ext uri="{909E8E84-426E-40DD-AFC4-6F175D3DCCD1}">
+              <a14:hiddenFill xmlns:a14="http://schemas.microsoft.com/office/drawing/2010/main">
+                <a:solidFill>
+                  <a:schemeClr val="accent1"/>
+                </a:solidFill>
+              </a14:hiddenFill>
+            </a:ext>
+            <a:ext uri="{91240B29-F687-4F45-9708-019B960494DF}">
+              <a14:hiddenLine xmlns:a14="http://schemas.microsoft.com/office/drawing/2010/main" w="9525">
+                <a:solidFill>
+                  <a:schemeClr val="tx1"/>
+                </a:solidFill>
+                <a:miter lim="800000"/>
+                <a:headEnd/>
+                <a:tailEnd/>
+              </a14:hiddenLine>
+            </a:ext>
+          </a:extLst>
+        </p:spPr>
+      </p:pic>
+    </p:spTree>
+    <p:extLst>
+      <p:ext uri="{BB962C8B-B14F-4D97-AF65-F5344CB8AC3E}">
+        <p14:creationId xmlns:p14="http://schemas.microsoft.com/office/powerpoint/2010/main" val="2883966072"/>
+      </p:ext>
+    </p:extLst>
+  </p:cSld>
+  <p:clrMapOvr>
+    <a:masterClrMapping/>
+  </p:clrMapOvr>
+  <mc:AlternateContent xmlns:mc="http://schemas.openxmlformats.org/markup-compatibility/2006" xmlns:p14="http://schemas.microsoft.com/office/powerpoint/2010/main">
+    <mc:Choice Requires="p14">
+      <p:transition spd="med" p14:dur="700">
+        <p:fade/>
+      </p:transition>
+    </mc:Choice>
+    <mc:Fallback xmlns="">
+      <p:transition spd="med">
+        <p:fade/>
+      </p:transition>
+    </mc:Fallback>
+  </mc:AlternateContent>
+  <p:timing>
+    <p:tnLst>
+      <p:par>
+        <p:cTn id="1" dur="indefinite" restart="never" nodeType="tmRoot"/>
+      </p:par>
+    </p:tnLst>
+  </p:timing>
+</p:sld>
+</file>
+
+<file path=ppt/slides/slide8.xml><?xml version="1.0" encoding="utf-8"?>
+<p:sld xmlns:a="http://schemas.openxmlformats.org/drawingml/2006/main" xmlns:r="http://schemas.openxmlformats.org/officeDocument/2006/relationships" xmlns:p="http://schemas.openxmlformats.org/presentationml/2006/main">
+  <p:cSld>
+    <p:spTree>
+      <p:nvGrpSpPr>
+        <p:cNvPr id="1" name=""/>
+        <p:cNvGrpSpPr/>
+        <p:nvPr/>
+      </p:nvGrpSpPr>
+      <p:grpSpPr>
+        <a:xfrm>
+          <a:off x="0" y="0"/>
+          <a:ext cx="0" cy="0"/>
+          <a:chOff x="0" y="0"/>
+          <a:chExt cx="0" cy="0"/>
+        </a:xfrm>
+      </p:grpSpPr>
+      <p:cxnSp>
+        <p:nvCxnSpPr>
+          <p:cNvPr id="5" name="직선 연결선 4"/>
+          <p:cNvCxnSpPr/>
+          <p:nvPr/>
+        </p:nvCxnSpPr>
+        <p:spPr>
+          <a:xfrm flipH="1">
+            <a:off x="-252536" y="548680"/>
+            <a:ext cx="10240872" cy="0"/>
+          </a:xfrm>
+          <a:prstGeom prst="line">
+            <a:avLst/>
+          </a:prstGeom>
+          <a:ln>
+            <a:solidFill>
+              <a:schemeClr val="bg1">
+                <a:lumMod val="65000"/>
+                <a:alpha val="50000"/>
+              </a:schemeClr>
+            </a:solidFill>
+          </a:ln>
+        </p:spPr>
+        <p:style>
+          <a:lnRef idx="1">
+            <a:schemeClr val="accent1"/>
+          </a:lnRef>
+          <a:fillRef idx="0">
+            <a:schemeClr val="accent1"/>
+          </a:fillRef>
+          <a:effectRef idx="0">
+            <a:schemeClr val="accent1"/>
+          </a:effectRef>
+          <a:fontRef idx="minor">
+            <a:schemeClr val="tx1"/>
+          </a:fontRef>
+        </p:style>
+      </p:cxnSp>
+      <p:sp>
+        <p:nvSpPr>
+          <p:cNvPr id="21" name="TextBox 20"/>
+          <p:cNvSpPr txBox="1"/>
+          <p:nvPr/>
+        </p:nvSpPr>
+        <p:spPr>
+          <a:xfrm>
+            <a:off x="236725" y="56518"/>
+            <a:ext cx="1959011" cy="400110"/>
+          </a:xfrm>
+          <a:prstGeom prst="rect">
+            <a:avLst/>
+          </a:prstGeom>
+          <a:noFill/>
+        </p:spPr>
+        <p:txBody>
+          <a:bodyPr wrap="square" rtlCol="0">
+            <a:spAutoFit/>
+          </a:bodyPr>
+          <a:lstStyle/>
+          <a:p>
+            <a:pPr algn="ctr"/>
+            <a:r>
+              <a:rPr lang="ko-KR" altLang="en-US" sz="2000" b="1" dirty="0" err="1" smtClean="0">
+                <a:ln>
+                  <a:solidFill>
+                    <a:schemeClr val="tx1">
+                      <a:alpha val="30000"/>
+                    </a:schemeClr>
+                  </a:solidFill>
+                </a:ln>
+                <a:solidFill>
+                  <a:srgbClr val="272123"/>
+                </a:solidFill>
+                <a:latin typeface="HY강B" pitchFamily="18" charset="-127"/>
+                <a:ea typeface="HY강B" pitchFamily="18" charset="-127"/>
+              </a:rPr>
+              <a:t>표현식과</a:t>
+            </a:r>
+            <a:r>
+              <a:rPr lang="ko-KR" altLang="en-US" sz="2000" b="1" dirty="0" smtClean="0">
+                <a:ln>
+                  <a:solidFill>
+                    <a:schemeClr val="tx1">
+                      <a:alpha val="30000"/>
+                    </a:schemeClr>
+                  </a:solidFill>
+                </a:ln>
+                <a:solidFill>
+                  <a:srgbClr val="272123"/>
+                </a:solidFill>
+                <a:latin typeface="HY강B" pitchFamily="18" charset="-127"/>
+                <a:ea typeface="HY강B" pitchFamily="18" charset="-127"/>
+              </a:rPr>
+              <a:t> 문장</a:t>
+            </a:r>
+            <a:endParaRPr lang="en-US" altLang="ko-KR" sz="2000" b="1" dirty="0" smtClean="0">
+              <a:ln>
+                <a:solidFill>
+                  <a:schemeClr val="tx1">
+                    <a:alpha val="30000"/>
+                  </a:schemeClr>
+                </a:solidFill>
+              </a:ln>
+              <a:solidFill>
+                <a:srgbClr val="272123"/>
+              </a:solidFill>
+              <a:latin typeface="HY강B" pitchFamily="18" charset="-127"/>
+              <a:ea typeface="HY강B" pitchFamily="18" charset="-127"/>
+            </a:endParaRPr>
+          </a:p>
+        </p:txBody>
+      </p:sp>
+      <p:cxnSp>
+        <p:nvCxnSpPr>
+          <p:cNvPr id="4" name="직선 연결선 3"/>
+          <p:cNvCxnSpPr/>
+          <p:nvPr/>
+        </p:nvCxnSpPr>
+        <p:spPr>
+          <a:xfrm flipH="1">
+            <a:off x="-252536" y="548680"/>
+            <a:ext cx="10240872" cy="0"/>
+          </a:xfrm>
+          <a:prstGeom prst="line">
+            <a:avLst/>
+          </a:prstGeom>
+          <a:ln>
+            <a:solidFill>
+              <a:schemeClr val="bg1">
+                <a:lumMod val="65000"/>
+                <a:alpha val="50000"/>
+              </a:schemeClr>
+            </a:solidFill>
+          </a:ln>
+        </p:spPr>
+        <p:style>
+          <a:lnRef idx="1">
+            <a:schemeClr val="accent1"/>
+          </a:lnRef>
+          <a:fillRef idx="0">
+            <a:schemeClr val="accent1"/>
+          </a:fillRef>
+          <a:effectRef idx="0">
+            <a:schemeClr val="accent1"/>
+          </a:effectRef>
+          <a:fontRef idx="minor">
+            <a:schemeClr val="tx1"/>
+          </a:fontRef>
+        </p:style>
+      </p:cxnSp>
+      <p:sp>
+        <p:nvSpPr>
+          <p:cNvPr id="6" name="TextBox 5"/>
+          <p:cNvSpPr txBox="1"/>
+          <p:nvPr/>
+        </p:nvSpPr>
+        <p:spPr>
+          <a:xfrm>
+            <a:off x="395536" y="654948"/>
+            <a:ext cx="8676456" cy="400110"/>
+          </a:xfrm>
+          <a:prstGeom prst="rect">
+            <a:avLst/>
+          </a:prstGeom>
+          <a:noFill/>
+        </p:spPr>
+        <p:txBody>
+          <a:bodyPr wrap="square" rtlCol="0">
+            <a:spAutoFit/>
+          </a:bodyPr>
+          <a:lstStyle/>
+          <a:p>
+            <a:pPr marL="285750" indent="-285750">
+              <a:buFont typeface="Arial" pitchFamily="34" charset="0"/>
+              <a:buChar char="•"/>
+            </a:pPr>
+            <a:r>
+              <a:rPr lang="en-US" altLang="ko-KR" sz="2000" dirty="0" smtClean="0">
+                <a:ln>
+                  <a:solidFill>
+                    <a:schemeClr val="tx1">
+                      <a:alpha val="30000"/>
+                    </a:schemeClr>
+                  </a:solidFill>
+                </a:ln>
+                <a:latin typeface="HY견고딕" pitchFamily="18" charset="-127"/>
+                <a:ea typeface="HY견고딕" pitchFamily="18" charset="-127"/>
+              </a:rPr>
+              <a:t>ES.23</a:t>
+            </a:r>
+            <a:r>
+              <a:rPr lang="ko-KR" altLang="en-US" sz="2000" dirty="0">
+                <a:ln>
+                  <a:solidFill>
+                    <a:schemeClr val="tx1">
+                      <a:alpha val="30000"/>
+                    </a:schemeClr>
+                  </a:solidFill>
+                </a:ln>
+                <a:latin typeface="HY견고딕" pitchFamily="18" charset="-127"/>
+                <a:ea typeface="HY견고딕" pitchFamily="18" charset="-127"/>
+              </a:rPr>
+              <a:t> </a:t>
+            </a:r>
+            <a:r>
+              <a:rPr lang="en-US" altLang="ko-KR" sz="2000" dirty="0" smtClean="0">
+                <a:ln>
+                  <a:solidFill>
+                    <a:schemeClr val="tx1">
+                      <a:alpha val="30000"/>
+                    </a:schemeClr>
+                  </a:solidFill>
+                </a:ln>
+                <a:latin typeface="HY견고딕" pitchFamily="18" charset="-127"/>
+                <a:ea typeface="HY견고딕" pitchFamily="18" charset="-127"/>
+              </a:rPr>
+              <a:t>{} </a:t>
+            </a:r>
+            <a:r>
+              <a:rPr lang="ko-KR" altLang="en-US" sz="2000" dirty="0" smtClean="0">
+                <a:ln>
+                  <a:solidFill>
+                    <a:schemeClr val="tx1">
+                      <a:alpha val="30000"/>
+                    </a:schemeClr>
+                  </a:solidFill>
+                </a:ln>
+                <a:latin typeface="HY견고딕" pitchFamily="18" charset="-127"/>
+                <a:ea typeface="HY견고딕" pitchFamily="18" charset="-127"/>
+              </a:rPr>
+              <a:t>초기화 구문을 선호하라</a:t>
+            </a:r>
+            <a:endParaRPr lang="en-US" altLang="ko-KR" sz="2000" dirty="0" smtClean="0">
+              <a:ln>
+                <a:solidFill>
+                  <a:schemeClr val="tx1">
+                    <a:alpha val="30000"/>
+                  </a:schemeClr>
+                </a:solidFill>
+              </a:ln>
+              <a:latin typeface="HY견고딕" pitchFamily="18" charset="-127"/>
+              <a:ea typeface="HY견고딕" pitchFamily="18" charset="-127"/>
+            </a:endParaRPr>
+          </a:p>
+        </p:txBody>
+      </p:sp>
+      <p:sp>
+        <p:nvSpPr>
+          <p:cNvPr id="7" name="TextBox 6"/>
+          <p:cNvSpPr txBox="1"/>
+          <p:nvPr/>
+        </p:nvSpPr>
+        <p:spPr>
+          <a:xfrm>
+            <a:off x="529672" y="1196752"/>
+            <a:ext cx="8676456" cy="3539430"/>
+          </a:xfrm>
+          <a:prstGeom prst="rect">
+            <a:avLst/>
+          </a:prstGeom>
+          <a:noFill/>
+        </p:spPr>
+        <p:txBody>
+          <a:bodyPr wrap="square" rtlCol="0">
+            <a:spAutoFit/>
+          </a:bodyPr>
+          <a:lstStyle/>
+          <a:p>
+            <a:pPr marL="457200" indent="-457200">
+              <a:buFontTx/>
+              <a:buChar char="-"/>
+            </a:pPr>
+            <a:r>
+              <a:rPr lang="ko-KR" altLang="en-US" sz="1400" dirty="0" smtClean="0">
+                <a:ln>
+                  <a:solidFill>
+                    <a:schemeClr val="tx1">
+                      <a:alpha val="30000"/>
+                    </a:schemeClr>
+                  </a:solidFill>
+                </a:ln>
+                <a:latin typeface="HY견고딕" pitchFamily="18" charset="-127"/>
+                <a:ea typeface="HY견고딕" pitchFamily="18" charset="-127"/>
+              </a:rPr>
+              <a:t>좁아지는 변환이 일어나지 않는다</a:t>
+            </a:r>
+            <a:r>
+              <a:rPr lang="en-US" altLang="ko-KR" sz="1400" dirty="0" smtClean="0">
+                <a:ln>
+                  <a:solidFill>
+                    <a:schemeClr val="tx1">
+                      <a:alpha val="30000"/>
+                    </a:schemeClr>
+                  </a:solidFill>
+                </a:ln>
+                <a:latin typeface="HY견고딕" pitchFamily="18" charset="-127"/>
+                <a:ea typeface="HY견고딕" pitchFamily="18" charset="-127"/>
+              </a:rPr>
+              <a:t>.</a:t>
+            </a:r>
+          </a:p>
+          <a:p>
+            <a:pPr marL="914400" lvl="1" indent="-457200">
+              <a:buFontTx/>
+              <a:buChar char="-"/>
+            </a:pPr>
+            <a:r>
+              <a:rPr lang="en-US" altLang="ko-KR" sz="1100" b="1" dirty="0" smtClean="0">
+                <a:ln>
+                  <a:solidFill>
+                    <a:schemeClr val="tx1">
+                      <a:alpha val="30000"/>
+                    </a:schemeClr>
+                  </a:solidFill>
+                </a:ln>
+                <a:latin typeface="HY신명조" pitchFamily="18" charset="-127"/>
+                <a:ea typeface="HY신명조" pitchFamily="18" charset="-127"/>
+              </a:rPr>
+              <a:t>char </a:t>
+            </a:r>
+            <a:r>
+              <a:rPr lang="ko-KR" altLang="en-US" sz="1100" b="1" dirty="0" err="1" smtClean="0">
+                <a:ln>
+                  <a:solidFill>
+                    <a:schemeClr val="tx1">
+                      <a:alpha val="30000"/>
+                    </a:schemeClr>
+                  </a:solidFill>
+                </a:ln>
+                <a:latin typeface="HY신명조" pitchFamily="18" charset="-127"/>
+                <a:ea typeface="HY신명조" pitchFamily="18" charset="-127"/>
+              </a:rPr>
+              <a:t>자료형은</a:t>
+            </a:r>
+            <a:r>
+              <a:rPr lang="ko-KR" altLang="en-US" sz="1100" b="1" dirty="0" smtClean="0">
+                <a:ln>
+                  <a:solidFill>
+                    <a:schemeClr val="tx1">
+                      <a:alpha val="30000"/>
+                    </a:schemeClr>
+                  </a:solidFill>
+                </a:ln>
+                <a:latin typeface="HY신명조" pitchFamily="18" charset="-127"/>
+                <a:ea typeface="HY신명조" pitchFamily="18" charset="-127"/>
+              </a:rPr>
+              <a:t> </a:t>
+            </a:r>
+            <a:r>
+              <a:rPr lang="en-US" altLang="ko-KR" sz="1100" b="1" dirty="0" smtClean="0">
+                <a:ln>
+                  <a:solidFill>
+                    <a:schemeClr val="tx1">
+                      <a:alpha val="30000"/>
+                    </a:schemeClr>
+                  </a:solidFill>
+                </a:ln>
+                <a:latin typeface="HY신명조" pitchFamily="18" charset="-127"/>
+                <a:ea typeface="HY신명조" pitchFamily="18" charset="-127"/>
+              </a:rPr>
+              <a:t>-128 ~ 127</a:t>
+            </a:r>
+            <a:r>
+              <a:rPr lang="ko-KR" altLang="en-US" sz="1100" b="1" dirty="0" smtClean="0">
+                <a:ln>
+                  <a:solidFill>
+                    <a:schemeClr val="tx1">
+                      <a:alpha val="30000"/>
+                    </a:schemeClr>
+                  </a:solidFill>
+                </a:ln>
+                <a:latin typeface="HY신명조" pitchFamily="18" charset="-127"/>
+                <a:ea typeface="HY신명조" pitchFamily="18" charset="-127"/>
+              </a:rPr>
+              <a:t>까지 저장 가능 하므로 범위를 벗어나는 정보를 저장할 경우 </a:t>
+            </a:r>
+            <a:r>
+              <a:rPr lang="ko-KR" altLang="en-US" sz="1100" b="1" dirty="0" err="1" smtClean="0">
+                <a:ln>
+                  <a:solidFill>
+                    <a:schemeClr val="tx1">
+                      <a:alpha val="30000"/>
+                    </a:schemeClr>
+                  </a:solidFill>
+                </a:ln>
+                <a:latin typeface="HY신명조" pitchFamily="18" charset="-127"/>
+                <a:ea typeface="HY신명조" pitchFamily="18" charset="-127"/>
+              </a:rPr>
+              <a:t>오동작이</a:t>
+            </a:r>
+            <a:r>
+              <a:rPr lang="ko-KR" altLang="en-US" sz="1100" b="1" dirty="0" smtClean="0">
+                <a:ln>
+                  <a:solidFill>
+                    <a:schemeClr val="tx1">
+                      <a:alpha val="30000"/>
+                    </a:schemeClr>
+                  </a:solidFill>
+                </a:ln>
+                <a:latin typeface="HY신명조" pitchFamily="18" charset="-127"/>
+                <a:ea typeface="HY신명조" pitchFamily="18" charset="-127"/>
+              </a:rPr>
+              <a:t> 발생할 수 있다</a:t>
+            </a:r>
+            <a:r>
+              <a:rPr lang="en-US" altLang="ko-KR" sz="1100" b="1" dirty="0" smtClean="0">
+                <a:ln>
+                  <a:solidFill>
+                    <a:schemeClr val="tx1">
+                      <a:alpha val="30000"/>
+                    </a:schemeClr>
+                  </a:solidFill>
+                </a:ln>
+                <a:latin typeface="HY신명조" pitchFamily="18" charset="-127"/>
+                <a:ea typeface="HY신명조" pitchFamily="18" charset="-127"/>
+              </a:rPr>
+              <a:t>.</a:t>
+            </a:r>
+          </a:p>
+          <a:p>
+            <a:pPr marL="914400" lvl="1" indent="-457200">
+              <a:buFontTx/>
+              <a:buChar char="-"/>
+            </a:pPr>
+            <a:endParaRPr lang="en-US" altLang="ko-KR" sz="1100" b="1" dirty="0">
+              <a:ln>
+                <a:solidFill>
+                  <a:schemeClr val="tx1">
+                    <a:alpha val="30000"/>
+                  </a:schemeClr>
+                </a:solidFill>
+              </a:ln>
+              <a:latin typeface="HY신명조" pitchFamily="18" charset="-127"/>
+              <a:ea typeface="HY신명조" pitchFamily="18" charset="-127"/>
+            </a:endParaRPr>
+          </a:p>
+          <a:p>
+            <a:pPr marL="914400" lvl="1" indent="-457200">
+              <a:buFontTx/>
+              <a:buChar char="-"/>
+            </a:pPr>
+            <a:endParaRPr lang="en-US" altLang="ko-KR" sz="1100" b="1" dirty="0" smtClean="0">
+              <a:ln>
+                <a:solidFill>
+                  <a:schemeClr val="tx1">
+                    <a:alpha val="30000"/>
+                  </a:schemeClr>
+                </a:solidFill>
+              </a:ln>
+              <a:latin typeface="HY신명조" pitchFamily="18" charset="-127"/>
+              <a:ea typeface="HY신명조" pitchFamily="18" charset="-127"/>
+            </a:endParaRPr>
+          </a:p>
+          <a:p>
+            <a:pPr marL="914400" lvl="1" indent="-457200">
+              <a:buFontTx/>
+              <a:buChar char="-"/>
+            </a:pPr>
+            <a:endParaRPr lang="en-US" altLang="ko-KR" sz="1100" b="1" dirty="0">
+              <a:ln>
+                <a:solidFill>
+                  <a:schemeClr val="tx1">
+                    <a:alpha val="30000"/>
+                  </a:schemeClr>
+                </a:solidFill>
+              </a:ln>
+              <a:latin typeface="HY신명조" pitchFamily="18" charset="-127"/>
+              <a:ea typeface="HY신명조" pitchFamily="18" charset="-127"/>
+            </a:endParaRPr>
+          </a:p>
+          <a:p>
+            <a:pPr marL="914400" lvl="1" indent="-457200">
+              <a:buFontTx/>
+              <a:buChar char="-"/>
+            </a:pPr>
+            <a:endParaRPr lang="en-US" altLang="ko-KR" sz="1100" b="1" dirty="0" smtClean="0">
+              <a:ln>
+                <a:solidFill>
+                  <a:schemeClr val="tx1">
+                    <a:alpha val="30000"/>
+                  </a:schemeClr>
+                </a:solidFill>
+              </a:ln>
+              <a:latin typeface="HY신명조" pitchFamily="18" charset="-127"/>
+              <a:ea typeface="HY신명조" pitchFamily="18" charset="-127"/>
+            </a:endParaRPr>
+          </a:p>
+          <a:p>
+            <a:pPr marL="914400" lvl="1" indent="-457200">
+              <a:buFontTx/>
+              <a:buChar char="-"/>
+            </a:pPr>
+            <a:endParaRPr lang="en-US" altLang="ko-KR" sz="1100" b="1" dirty="0">
+              <a:ln>
+                <a:solidFill>
+                  <a:schemeClr val="tx1">
+                    <a:alpha val="30000"/>
+                  </a:schemeClr>
+                </a:solidFill>
+              </a:ln>
+              <a:latin typeface="HY신명조" pitchFamily="18" charset="-127"/>
+              <a:ea typeface="HY신명조" pitchFamily="18" charset="-127"/>
+            </a:endParaRPr>
+          </a:p>
+          <a:p>
+            <a:pPr marL="914400" lvl="1" indent="-457200">
+              <a:buFontTx/>
+              <a:buChar char="-"/>
+            </a:pPr>
+            <a:endParaRPr lang="en-US" altLang="ko-KR" sz="1100" b="1" dirty="0" smtClean="0">
+              <a:ln>
+                <a:solidFill>
+                  <a:schemeClr val="tx1">
+                    <a:alpha val="30000"/>
+                  </a:schemeClr>
+                </a:solidFill>
+              </a:ln>
+              <a:latin typeface="HY신명조" pitchFamily="18" charset="-127"/>
+              <a:ea typeface="HY신명조" pitchFamily="18" charset="-127"/>
+            </a:endParaRPr>
+          </a:p>
+          <a:p>
+            <a:pPr marL="914400" lvl="1" indent="-457200">
+              <a:buFontTx/>
+              <a:buChar char="-"/>
+            </a:pPr>
+            <a:endParaRPr lang="en-US" altLang="ko-KR" sz="1100" b="1" dirty="0">
+              <a:ln>
+                <a:solidFill>
+                  <a:schemeClr val="tx1">
+                    <a:alpha val="30000"/>
+                  </a:schemeClr>
+                </a:solidFill>
+              </a:ln>
+              <a:latin typeface="HY신명조" pitchFamily="18" charset="-127"/>
+              <a:ea typeface="HY신명조" pitchFamily="18" charset="-127"/>
+            </a:endParaRPr>
+          </a:p>
+          <a:p>
+            <a:pPr marL="914400" lvl="1" indent="-457200">
+              <a:buFontTx/>
+              <a:buChar char="-"/>
+            </a:pPr>
+            <a:endParaRPr lang="en-US" altLang="ko-KR" sz="1100" b="1" dirty="0" smtClean="0">
+              <a:ln>
+                <a:solidFill>
+                  <a:schemeClr val="tx1">
+                    <a:alpha val="30000"/>
+                  </a:schemeClr>
+                </a:solidFill>
+              </a:ln>
+              <a:latin typeface="HY신명조" pitchFamily="18" charset="-127"/>
+              <a:ea typeface="HY신명조" pitchFamily="18" charset="-127"/>
+            </a:endParaRPr>
+          </a:p>
+          <a:p>
+            <a:pPr marL="914400" lvl="1" indent="-457200">
+              <a:buFontTx/>
+              <a:buChar char="-"/>
+            </a:pPr>
+            <a:endParaRPr lang="en-US" altLang="ko-KR" sz="1100" b="1" dirty="0">
+              <a:ln>
+                <a:solidFill>
+                  <a:schemeClr val="tx1">
+                    <a:alpha val="30000"/>
+                  </a:schemeClr>
+                </a:solidFill>
+              </a:ln>
+              <a:latin typeface="HY신명조" pitchFamily="18" charset="-127"/>
+              <a:ea typeface="HY신명조" pitchFamily="18" charset="-127"/>
+            </a:endParaRPr>
+          </a:p>
+          <a:p>
+            <a:pPr marL="914400" lvl="1" indent="-457200">
+              <a:buFontTx/>
+              <a:buChar char="-"/>
+            </a:pPr>
+            <a:endParaRPr lang="en-US" altLang="ko-KR" sz="1100" b="1" dirty="0" smtClean="0">
+              <a:ln>
+                <a:solidFill>
+                  <a:schemeClr val="tx1">
+                    <a:alpha val="30000"/>
+                  </a:schemeClr>
+                </a:solidFill>
+              </a:ln>
+              <a:latin typeface="HY신명조" pitchFamily="18" charset="-127"/>
+              <a:ea typeface="HY신명조" pitchFamily="18" charset="-127"/>
+            </a:endParaRPr>
+          </a:p>
+          <a:p>
+            <a:pPr marL="914400" lvl="1" indent="-457200">
+              <a:buFontTx/>
+              <a:buChar char="-"/>
+            </a:pPr>
+            <a:endParaRPr lang="en-US" altLang="ko-KR" sz="1100" b="1" dirty="0">
+              <a:ln>
+                <a:solidFill>
+                  <a:schemeClr val="tx1">
+                    <a:alpha val="30000"/>
+                  </a:schemeClr>
+                </a:solidFill>
+              </a:ln>
+              <a:latin typeface="HY신명조" pitchFamily="18" charset="-127"/>
+              <a:ea typeface="HY신명조" pitchFamily="18" charset="-127"/>
+            </a:endParaRPr>
+          </a:p>
+          <a:p>
+            <a:pPr marL="914400" lvl="1" indent="-457200">
+              <a:buFontTx/>
+              <a:buChar char="-"/>
+            </a:pPr>
+            <a:endParaRPr lang="en-US" altLang="ko-KR" sz="1100" b="1" dirty="0" smtClean="0">
+              <a:ln>
+                <a:solidFill>
+                  <a:schemeClr val="tx1">
+                    <a:alpha val="30000"/>
+                  </a:schemeClr>
+                </a:solidFill>
+              </a:ln>
+              <a:latin typeface="HY신명조" pitchFamily="18" charset="-127"/>
+              <a:ea typeface="HY신명조" pitchFamily="18" charset="-127"/>
+            </a:endParaRPr>
+          </a:p>
+          <a:p>
+            <a:pPr marL="914400" lvl="1" indent="-457200">
+              <a:buFontTx/>
+              <a:buChar char="-"/>
+            </a:pPr>
+            <a:endParaRPr lang="en-US" altLang="ko-KR" sz="1100" b="1" dirty="0">
+              <a:ln>
+                <a:solidFill>
+                  <a:schemeClr val="tx1">
+                    <a:alpha val="30000"/>
+                  </a:schemeClr>
+                </a:solidFill>
+              </a:ln>
+              <a:latin typeface="HY신명조" pitchFamily="18" charset="-127"/>
+              <a:ea typeface="HY신명조" pitchFamily="18" charset="-127"/>
+            </a:endParaRPr>
+          </a:p>
+          <a:p>
+            <a:pPr marL="914400" lvl="1" indent="-457200">
+              <a:buFontTx/>
+              <a:buChar char="-"/>
+            </a:pPr>
+            <a:endParaRPr lang="en-US" altLang="ko-KR" sz="1100" b="1" dirty="0" smtClean="0">
+              <a:ln>
+                <a:solidFill>
+                  <a:schemeClr val="tx1">
+                    <a:alpha val="30000"/>
+                  </a:schemeClr>
+                </a:solidFill>
+              </a:ln>
+              <a:latin typeface="HY신명조" pitchFamily="18" charset="-127"/>
+              <a:ea typeface="HY신명조" pitchFamily="18" charset="-127"/>
+            </a:endParaRPr>
+          </a:p>
+          <a:p>
+            <a:pPr marL="914400" lvl="1" indent="-457200">
+              <a:buFontTx/>
+              <a:buChar char="-"/>
+            </a:pPr>
+            <a:r>
+              <a:rPr lang="ko-KR" altLang="en-US" sz="1100" b="1" dirty="0" smtClean="0">
+                <a:ln>
+                  <a:solidFill>
+                    <a:schemeClr val="tx1">
+                      <a:alpha val="30000"/>
+                    </a:schemeClr>
+                  </a:solidFill>
+                </a:ln>
+                <a:latin typeface="HY신명조" pitchFamily="18" charset="-127"/>
+                <a:ea typeface="HY신명조" pitchFamily="18" charset="-127"/>
+              </a:rPr>
+              <a:t>이때 </a:t>
+            </a:r>
+            <a:r>
+              <a:rPr lang="en-US" altLang="ko-KR" sz="1100" b="1" dirty="0" smtClean="0">
+                <a:ln>
+                  <a:solidFill>
+                    <a:schemeClr val="tx1">
+                      <a:alpha val="30000"/>
+                    </a:schemeClr>
+                  </a:solidFill>
+                </a:ln>
+                <a:latin typeface="HY신명조" pitchFamily="18" charset="-127"/>
+                <a:ea typeface="HY신명조" pitchFamily="18" charset="-127"/>
+              </a:rPr>
+              <a:t>{}</a:t>
+            </a:r>
+            <a:r>
+              <a:rPr lang="ko-KR" altLang="en-US" sz="1100" b="1" dirty="0" smtClean="0">
+                <a:ln>
+                  <a:solidFill>
+                    <a:schemeClr val="tx1">
+                      <a:alpha val="30000"/>
+                    </a:schemeClr>
+                  </a:solidFill>
+                </a:ln>
+                <a:latin typeface="HY신명조" pitchFamily="18" charset="-127"/>
+                <a:ea typeface="HY신명조" pitchFamily="18" charset="-127"/>
+              </a:rPr>
+              <a:t>초기화를 하면 위와 같은 축소변환을 감지할 수 있다</a:t>
+            </a:r>
+            <a:r>
+              <a:rPr lang="en-US" altLang="ko-KR" sz="1100" b="1" dirty="0" smtClean="0">
+                <a:ln>
+                  <a:solidFill>
+                    <a:schemeClr val="tx1">
+                      <a:alpha val="30000"/>
+                    </a:schemeClr>
+                  </a:solidFill>
+                </a:ln>
+                <a:latin typeface="HY신명조" pitchFamily="18" charset="-127"/>
+                <a:ea typeface="HY신명조" pitchFamily="18" charset="-127"/>
+              </a:rPr>
+              <a:t>.</a:t>
+            </a:r>
+            <a:endParaRPr lang="ko-KR" altLang="en-US" sz="1100" b="1" dirty="0">
+              <a:ln>
+                <a:solidFill>
+                  <a:schemeClr val="tx1">
+                    <a:alpha val="30000"/>
+                  </a:schemeClr>
+                </a:solidFill>
+              </a:ln>
+              <a:latin typeface="HY신명조" pitchFamily="18" charset="-127"/>
+              <a:ea typeface="HY신명조" pitchFamily="18" charset="-127"/>
+            </a:endParaRPr>
+          </a:p>
+          <a:p>
+            <a:pPr marL="914400" lvl="1" indent="-457200">
+              <a:buFontTx/>
+              <a:buChar char="-"/>
+            </a:pPr>
+            <a:endParaRPr lang="en-US" altLang="ko-KR" sz="1400" dirty="0" smtClean="0">
+              <a:ln>
+                <a:solidFill>
+                  <a:schemeClr val="tx1">
+                    <a:alpha val="30000"/>
+                  </a:schemeClr>
+                </a:solidFill>
+              </a:ln>
+              <a:latin typeface="HY견고딕" pitchFamily="18" charset="-127"/>
+              <a:ea typeface="HY견고딕" pitchFamily="18" charset="-127"/>
+            </a:endParaRPr>
+          </a:p>
+          <a:p>
+            <a:pPr marL="457200" indent="-457200">
+              <a:buFontTx/>
+              <a:buChar char="-"/>
+            </a:pPr>
+            <a:endParaRPr lang="en-US" altLang="ko-KR" sz="2000" dirty="0" smtClean="0">
+              <a:ln>
+                <a:solidFill>
+                  <a:schemeClr val="tx1">
+                    <a:alpha val="30000"/>
+                  </a:schemeClr>
+                </a:solidFill>
+              </a:ln>
+              <a:latin typeface="HY견고딕" pitchFamily="18" charset="-127"/>
+              <a:ea typeface="HY견고딕" pitchFamily="18" charset="-127"/>
+            </a:endParaRPr>
+          </a:p>
+        </p:txBody>
+      </p:sp>
+      <p:pic>
+        <p:nvPicPr>
+          <p:cNvPr id="2050" name="Picture 2"/>
+          <p:cNvPicPr>
+            <a:picLocks noChangeAspect="1" noChangeArrowheads="1"/>
+          </p:cNvPicPr>
+          <p:nvPr/>
+        </p:nvPicPr>
+        <p:blipFill>
+          <a:blip r:embed="rId2">
+            <a:extLst>
+              <a:ext uri="{28A0092B-C50C-407E-A947-70E740481C1C}">
+                <a14:useLocalDpi xmlns:a14="http://schemas.microsoft.com/office/drawing/2010/main" val="0"/>
+              </a:ext>
+            </a:extLst>
+          </a:blip>
+          <a:srcRect/>
+          <a:stretch>
+            <a:fillRect/>
+          </a:stretch>
+        </p:blipFill>
+        <p:spPr bwMode="auto">
+          <a:xfrm>
+            <a:off x="2051720" y="1844824"/>
+            <a:ext cx="4448175" cy="2076450"/>
+          </a:xfrm>
+          <a:prstGeom prst="rect">
+            <a:avLst/>
+          </a:prstGeom>
+          <a:noFill/>
+          <a:ln>
+            <a:noFill/>
+          </a:ln>
+          <a:extLst>
+            <a:ext uri="{909E8E84-426E-40DD-AFC4-6F175D3DCCD1}">
+              <a14:hiddenFill xmlns:a14="http://schemas.microsoft.com/office/drawing/2010/main">
+                <a:solidFill>
+                  <a:schemeClr val="accent1"/>
+                </a:solidFill>
+              </a14:hiddenFill>
+            </a:ext>
+            <a:ext uri="{91240B29-F687-4F45-9708-019B960494DF}">
+              <a14:hiddenLine xmlns:a14="http://schemas.microsoft.com/office/drawing/2010/main" w="9525">
+                <a:solidFill>
+                  <a:schemeClr val="tx1"/>
+                </a:solidFill>
+                <a:miter lim="800000"/>
+                <a:headEnd/>
+                <a:tailEnd/>
+              </a14:hiddenLine>
+            </a:ext>
+          </a:extLst>
+        </p:spPr>
+      </p:pic>
+      <p:pic>
+        <p:nvPicPr>
+          <p:cNvPr id="2051" name="Picture 3"/>
+          <p:cNvPicPr>
+            <a:picLocks noChangeAspect="1" noChangeArrowheads="1"/>
+          </p:cNvPicPr>
+          <p:nvPr/>
+        </p:nvPicPr>
+        <p:blipFill>
+          <a:blip r:embed="rId3">
+            <a:extLst>
+              <a:ext uri="{28A0092B-C50C-407E-A947-70E740481C1C}">
+                <a14:useLocalDpi xmlns:a14="http://schemas.microsoft.com/office/drawing/2010/main" val="0"/>
+              </a:ext>
+            </a:extLst>
+          </a:blip>
+          <a:srcRect/>
+          <a:stretch>
+            <a:fillRect/>
+          </a:stretch>
+        </p:blipFill>
+        <p:spPr bwMode="auto">
+          <a:xfrm>
+            <a:off x="1514721" y="4301473"/>
+            <a:ext cx="3384376" cy="1719815"/>
+          </a:xfrm>
+          <a:prstGeom prst="rect">
+            <a:avLst/>
+          </a:prstGeom>
+          <a:noFill/>
+          <a:ln>
+            <a:noFill/>
+          </a:ln>
+          <a:extLst>
+            <a:ext uri="{909E8E84-426E-40DD-AFC4-6F175D3DCCD1}">
+              <a14:hiddenFill xmlns:a14="http://schemas.microsoft.com/office/drawing/2010/main">
+                <a:solidFill>
+                  <a:schemeClr val="accent1"/>
+                </a:solidFill>
+              </a14:hiddenFill>
+            </a:ext>
+            <a:ext uri="{91240B29-F687-4F45-9708-019B960494DF}">
+              <a14:hiddenLine xmlns:a14="http://schemas.microsoft.com/office/drawing/2010/main" w="9525">
+                <a:solidFill>
+                  <a:schemeClr val="tx1"/>
+                </a:solidFill>
+                <a:miter lim="800000"/>
+                <a:headEnd/>
+                <a:tailEnd/>
+              </a14:hiddenLine>
+            </a:ext>
+          </a:extLst>
+        </p:spPr>
+      </p:pic>
+      <p:pic>
+        <p:nvPicPr>
+          <p:cNvPr id="2052" name="Picture 4"/>
+          <p:cNvPicPr>
+            <a:picLocks noChangeAspect="1" noChangeArrowheads="1"/>
+          </p:cNvPicPr>
+          <p:nvPr/>
+        </p:nvPicPr>
+        <p:blipFill>
+          <a:blip r:embed="rId4">
+            <a:extLst>
+              <a:ext uri="{28A0092B-C50C-407E-A947-70E740481C1C}">
+                <a14:useLocalDpi xmlns:a14="http://schemas.microsoft.com/office/drawing/2010/main" val="0"/>
+              </a:ext>
+            </a:extLst>
+          </a:blip>
+          <a:srcRect/>
+          <a:stretch>
+            <a:fillRect/>
+          </a:stretch>
+        </p:blipFill>
+        <p:spPr bwMode="auto">
+          <a:xfrm>
+            <a:off x="5076056" y="4733505"/>
+            <a:ext cx="3831245" cy="855749"/>
+          </a:xfrm>
+          <a:prstGeom prst="rect">
+            <a:avLst/>
+          </a:prstGeom>
+          <a:noFill/>
+          <a:ln>
+            <a:noFill/>
+          </a:ln>
+          <a:extLst>
+            <a:ext uri="{909E8E84-426E-40DD-AFC4-6F175D3DCCD1}">
+              <a14:hiddenFill xmlns:a14="http://schemas.microsoft.com/office/drawing/2010/main">
+                <a:solidFill>
+                  <a:schemeClr val="accent1"/>
+                </a:solidFill>
+              </a14:hiddenFill>
+            </a:ext>
+            <a:ext uri="{91240B29-F687-4F45-9708-019B960494DF}">
+              <a14:hiddenLine xmlns:a14="http://schemas.microsoft.com/office/drawing/2010/main" w="9525">
+                <a:solidFill>
+                  <a:schemeClr val="tx1"/>
+                </a:solidFill>
+                <a:miter lim="800000"/>
+                <a:headEnd/>
+                <a:tailEnd/>
+              </a14:hiddenLine>
+            </a:ext>
+          </a:extLst>
+        </p:spPr>
+      </p:pic>
+    </p:spTree>
+    <p:extLst>
+      <p:ext uri="{BB962C8B-B14F-4D97-AF65-F5344CB8AC3E}">
+        <p14:creationId xmlns:p14="http://schemas.microsoft.com/office/powerpoint/2010/main" val="2519732295"/>
+      </p:ext>
+    </p:extLst>
+  </p:cSld>
+  <p:clrMapOvr>
+    <a:masterClrMapping/>
+  </p:clrMapOvr>
+  <mc:AlternateContent xmlns:mc="http://schemas.openxmlformats.org/markup-compatibility/2006" xmlns:p14="http://schemas.microsoft.com/office/powerpoint/2010/main">
+    <mc:Choice Requires="p14">
+      <p:transition spd="med" p14:dur="700">
+        <p:fade/>
+      </p:transition>
+    </mc:Choice>
+    <mc:Fallback xmlns="">
+      <p:transition spd="med">
+        <p:fade/>
+      </p:transition>
+    </mc:Fallback>
+  </mc:AlternateContent>
+  <p:timing>
+    <p:tnLst>
+      <p:par>
+        <p:cTn id="1" dur="indefinite" restart="never" nodeType="tmRoot"/>
+      </p:par>
+    </p:tnLst>
+  </p:timing>
+</p:sld>
+</file>
+
+<file path=ppt/slides/slide9.xml><?xml version="1.0" encoding="utf-8"?>
+<p:sld xmlns:a="http://schemas.openxmlformats.org/drawingml/2006/main" xmlns:r="http://schemas.openxmlformats.org/officeDocument/2006/relationships" xmlns:p="http://schemas.openxmlformats.org/presentationml/2006/main">
+  <p:cSld>
+    <p:spTree>
+      <p:nvGrpSpPr>
+        <p:cNvPr id="1" name=""/>
+        <p:cNvGrpSpPr/>
+        <p:nvPr/>
+      </p:nvGrpSpPr>
+      <p:grpSpPr>
+        <a:xfrm>
+          <a:off x="0" y="0"/>
+          <a:ext cx="0" cy="0"/>
+          <a:chOff x="0" y="0"/>
+          <a:chExt cx="0" cy="0"/>
+        </a:xfrm>
+      </p:grpSpPr>
+      <p:cxnSp>
+        <p:nvCxnSpPr>
+          <p:cNvPr id="5" name="직선 연결선 4"/>
+          <p:cNvCxnSpPr/>
+          <p:nvPr/>
+        </p:nvCxnSpPr>
+        <p:spPr>
+          <a:xfrm flipH="1">
+            <a:off x="-252536" y="548680"/>
+            <a:ext cx="10240872" cy="0"/>
+          </a:xfrm>
+          <a:prstGeom prst="line">
+            <a:avLst/>
+          </a:prstGeom>
+          <a:ln>
+            <a:solidFill>
+              <a:schemeClr val="bg1">
+                <a:lumMod val="65000"/>
+                <a:alpha val="50000"/>
+              </a:schemeClr>
+            </a:solidFill>
+          </a:ln>
+        </p:spPr>
+        <p:style>
+          <a:lnRef idx="1">
+            <a:schemeClr val="accent1"/>
+          </a:lnRef>
+          <a:fillRef idx="0">
+            <a:schemeClr val="accent1"/>
+          </a:fillRef>
+          <a:effectRef idx="0">
+            <a:schemeClr val="accent1"/>
+          </a:effectRef>
+          <a:fontRef idx="minor">
+            <a:schemeClr val="tx1"/>
+          </a:fontRef>
+        </p:style>
+      </p:cxnSp>
+      <p:sp>
+        <p:nvSpPr>
+          <p:cNvPr id="21" name="TextBox 20"/>
+          <p:cNvSpPr txBox="1"/>
+          <p:nvPr/>
+        </p:nvSpPr>
+        <p:spPr>
+          <a:xfrm>
+            <a:off x="236725" y="56518"/>
+            <a:ext cx="1959011" cy="400110"/>
+          </a:xfrm>
+          <a:prstGeom prst="rect">
+            <a:avLst/>
+          </a:prstGeom>
+          <a:noFill/>
+        </p:spPr>
+        <p:txBody>
+          <a:bodyPr wrap="square" rtlCol="0">
+            <a:spAutoFit/>
+          </a:bodyPr>
+          <a:lstStyle/>
+          <a:p>
+            <a:pPr algn="ctr"/>
+            <a:r>
+              <a:rPr lang="ko-KR" altLang="en-US" sz="2000" b="1" dirty="0" err="1" smtClean="0">
+                <a:ln>
+                  <a:solidFill>
+                    <a:schemeClr val="tx1">
+                      <a:alpha val="30000"/>
+                    </a:schemeClr>
+                  </a:solidFill>
+                </a:ln>
+                <a:solidFill>
+                  <a:srgbClr val="272123"/>
+                </a:solidFill>
+                <a:latin typeface="HY강B" pitchFamily="18" charset="-127"/>
+                <a:ea typeface="HY강B" pitchFamily="18" charset="-127"/>
+              </a:rPr>
+              <a:t>표현식과</a:t>
+            </a:r>
+            <a:r>
+              <a:rPr lang="ko-KR" altLang="en-US" sz="2000" b="1" dirty="0" smtClean="0">
+                <a:ln>
+                  <a:solidFill>
+                    <a:schemeClr val="tx1">
+                      <a:alpha val="30000"/>
+                    </a:schemeClr>
+                  </a:solidFill>
+                </a:ln>
+                <a:solidFill>
+                  <a:srgbClr val="272123"/>
+                </a:solidFill>
+                <a:latin typeface="HY강B" pitchFamily="18" charset="-127"/>
+                <a:ea typeface="HY강B" pitchFamily="18" charset="-127"/>
+              </a:rPr>
+              <a:t> 문장</a:t>
+            </a:r>
+            <a:endParaRPr lang="en-US" altLang="ko-KR" sz="2000" b="1" dirty="0" smtClean="0">
+              <a:ln>
+                <a:solidFill>
+                  <a:schemeClr val="tx1">
+                    <a:alpha val="30000"/>
+                  </a:schemeClr>
+                </a:solidFill>
+              </a:ln>
+              <a:solidFill>
+                <a:srgbClr val="272123"/>
+              </a:solidFill>
+              <a:latin typeface="HY강B" pitchFamily="18" charset="-127"/>
+              <a:ea typeface="HY강B" pitchFamily="18" charset="-127"/>
+            </a:endParaRPr>
+          </a:p>
+        </p:txBody>
+      </p:sp>
+      <p:cxnSp>
+        <p:nvCxnSpPr>
+          <p:cNvPr id="4" name="직선 연결선 3"/>
+          <p:cNvCxnSpPr/>
+          <p:nvPr/>
+        </p:nvCxnSpPr>
+        <p:spPr>
+          <a:xfrm flipH="1">
+            <a:off x="-252536" y="548680"/>
+            <a:ext cx="10240872" cy="0"/>
+          </a:xfrm>
+          <a:prstGeom prst="line">
+            <a:avLst/>
+          </a:prstGeom>
+          <a:ln>
+            <a:solidFill>
+              <a:schemeClr val="bg1">
+                <a:lumMod val="65000"/>
+                <a:alpha val="50000"/>
+              </a:schemeClr>
+            </a:solidFill>
+          </a:ln>
+        </p:spPr>
+        <p:style>
+          <a:lnRef idx="1">
+            <a:schemeClr val="accent1"/>
+          </a:lnRef>
+          <a:fillRef idx="0">
+            <a:schemeClr val="accent1"/>
+          </a:fillRef>
+          <a:effectRef idx="0">
+            <a:schemeClr val="accent1"/>
+          </a:effectRef>
+          <a:fontRef idx="minor">
+            <a:schemeClr val="tx1"/>
+          </a:fontRef>
+        </p:style>
+      </p:cxnSp>
+      <p:sp>
+        <p:nvSpPr>
+          <p:cNvPr id="6" name="TextBox 5"/>
+          <p:cNvSpPr txBox="1"/>
+          <p:nvPr/>
+        </p:nvSpPr>
+        <p:spPr>
+          <a:xfrm>
+            <a:off x="395536" y="654948"/>
+            <a:ext cx="8064896" cy="707886"/>
+          </a:xfrm>
+          <a:prstGeom prst="rect">
+            <a:avLst/>
+          </a:prstGeom>
+          <a:noFill/>
+        </p:spPr>
+        <p:txBody>
+          <a:bodyPr wrap="square" rtlCol="0">
+            <a:spAutoFit/>
+          </a:bodyPr>
+          <a:lstStyle/>
+          <a:p>
+            <a:pPr marL="285750" indent="-285750">
+              <a:buFont typeface="Arial" pitchFamily="34" charset="0"/>
+              <a:buChar char="•"/>
+            </a:pPr>
+            <a:r>
+              <a:rPr lang="en-US" altLang="ko-KR" sz="2000" dirty="0" smtClean="0">
+                <a:ln>
+                  <a:solidFill>
+                    <a:schemeClr val="tx1">
+                      <a:alpha val="30000"/>
+                    </a:schemeClr>
+                  </a:solidFill>
+                </a:ln>
+                <a:latin typeface="HY견고딕" pitchFamily="18" charset="-127"/>
+                <a:ea typeface="HY견고딕" pitchFamily="18" charset="-127"/>
+              </a:rPr>
+              <a:t>ES.28 </a:t>
+            </a:r>
+            <a:r>
+              <a:rPr lang="ko-KR" altLang="en-US" sz="2000" dirty="0" smtClean="0">
+                <a:ln>
+                  <a:solidFill>
+                    <a:schemeClr val="tx1">
+                      <a:alpha val="30000"/>
+                    </a:schemeClr>
+                  </a:solidFill>
+                </a:ln>
+                <a:latin typeface="HY견고딕" pitchFamily="18" charset="-127"/>
+                <a:ea typeface="HY견고딕" pitchFamily="18" charset="-127"/>
+              </a:rPr>
+              <a:t>복잡한 초기화에는</a:t>
+            </a:r>
+            <a:r>
+              <a:rPr lang="en-US" altLang="ko-KR" sz="2000" dirty="0" smtClean="0">
+                <a:ln>
+                  <a:solidFill>
+                    <a:schemeClr val="tx1">
+                      <a:alpha val="30000"/>
+                    </a:schemeClr>
+                  </a:solidFill>
+                </a:ln>
+                <a:latin typeface="HY견고딕" pitchFamily="18" charset="-127"/>
+                <a:ea typeface="HY견고딕" pitchFamily="18" charset="-127"/>
+              </a:rPr>
+              <a:t>, </a:t>
+            </a:r>
+            <a:r>
+              <a:rPr lang="ko-KR" altLang="en-US" sz="2000" dirty="0" smtClean="0">
+                <a:ln>
+                  <a:solidFill>
+                    <a:schemeClr val="tx1">
+                      <a:alpha val="30000"/>
+                    </a:schemeClr>
+                  </a:solidFill>
+                </a:ln>
+                <a:latin typeface="HY견고딕" pitchFamily="18" charset="-127"/>
+                <a:ea typeface="HY견고딕" pitchFamily="18" charset="-127"/>
+              </a:rPr>
+              <a:t>특히 </a:t>
+            </a:r>
+            <a:r>
+              <a:rPr lang="en-US" altLang="ko-KR" sz="2000" dirty="0" err="1" smtClean="0">
+                <a:ln>
+                  <a:solidFill>
+                    <a:schemeClr val="tx1">
+                      <a:alpha val="30000"/>
+                    </a:schemeClr>
+                  </a:solidFill>
+                </a:ln>
+                <a:latin typeface="HY견고딕" pitchFamily="18" charset="-127"/>
+                <a:ea typeface="HY견고딕" pitchFamily="18" charset="-127"/>
+              </a:rPr>
+              <a:t>const</a:t>
+            </a:r>
+            <a:r>
+              <a:rPr lang="en-US" altLang="ko-KR" sz="2000" dirty="0" smtClean="0">
+                <a:ln>
+                  <a:solidFill>
+                    <a:schemeClr val="tx1">
+                      <a:alpha val="30000"/>
+                    </a:schemeClr>
+                  </a:solidFill>
+                </a:ln>
+                <a:latin typeface="HY견고딕" pitchFamily="18" charset="-127"/>
+                <a:ea typeface="HY견고딕" pitchFamily="18" charset="-127"/>
+              </a:rPr>
+              <a:t> </a:t>
+            </a:r>
+            <a:r>
+              <a:rPr lang="ko-KR" altLang="en-US" sz="2000" dirty="0" smtClean="0">
+                <a:ln>
+                  <a:solidFill>
+                    <a:schemeClr val="tx1">
+                      <a:alpha val="30000"/>
+                    </a:schemeClr>
+                  </a:solidFill>
+                </a:ln>
+                <a:latin typeface="HY견고딕" pitchFamily="18" charset="-127"/>
+                <a:ea typeface="HY견고딕" pitchFamily="18" charset="-127"/>
+              </a:rPr>
+              <a:t>변수의 복잡한 초기화에는 람다를 사용하라</a:t>
+            </a:r>
+            <a:r>
+              <a:rPr lang="en-US" altLang="ko-KR" sz="2000" dirty="0" smtClean="0">
+                <a:ln>
+                  <a:solidFill>
+                    <a:schemeClr val="tx1">
+                      <a:alpha val="30000"/>
+                    </a:schemeClr>
+                  </a:solidFill>
+                </a:ln>
+                <a:latin typeface="HY견고딕" pitchFamily="18" charset="-127"/>
+                <a:ea typeface="HY견고딕" pitchFamily="18" charset="-127"/>
+              </a:rPr>
+              <a:t>.</a:t>
+            </a:r>
+          </a:p>
+        </p:txBody>
+      </p:sp>
+      <p:sp>
+        <p:nvSpPr>
+          <p:cNvPr id="2" name="Rectangle 1"/>
+          <p:cNvSpPr>
+            <a:spLocks noChangeArrowheads="1"/>
+          </p:cNvSpPr>
+          <p:nvPr/>
+        </p:nvSpPr>
+        <p:spPr bwMode="auto">
+          <a:xfrm>
+            <a:off x="755576" y="1393287"/>
+            <a:ext cx="8352928" cy="5262979"/>
+          </a:xfrm>
+          <a:prstGeom prst="rect">
+            <a:avLst/>
+          </a:prstGeom>
+          <a:solidFill>
+            <a:srgbClr val="FFFFFF"/>
+          </a:solidFill>
+          <a:ln>
+            <a:noFill/>
+          </a:ln>
+          <a:effectLst/>
+          <a:extLst>
+            <a:ext uri="{91240B29-F687-4F45-9708-019B960494DF}">
+              <a14:hiddenLine xmlns:a14="http://schemas.microsoft.com/office/drawing/2010/main" w="9525">
+                <a:solidFill>
+                  <a:schemeClr val="tx1"/>
+                </a:solidFill>
+                <a:miter lim="800000"/>
+                <a:headEnd/>
+                <a:tailEnd/>
+              </a14:hiddenLine>
+            </a:ext>
+            <a:ext uri="{AF507438-7753-43E0-B8FC-AC1667EBCBE1}">
+              <a14:hiddenEffects xmlns:a14="http://schemas.microsoft.com/office/drawing/2010/main">
+                <a:effectLst>
+                  <a:outerShdw dist="35921" dir="2700000" algn="ctr" rotWithShape="0">
+                    <a:schemeClr val="bg2"/>
+                  </a:outerShdw>
+                </a:effectLst>
+              </a14:hiddenEffects>
+            </a:ext>
+          </a:extLst>
+        </p:spPr>
+        <p:txBody>
+          <a:bodyPr vert="horz" wrap="square" lIns="0" tIns="0" rIns="0" bIns="0" numCol="1" anchor="ctr" anchorCtr="0" compatLnSpc="1">
+            <a:prstTxWarp prst="textNoShape">
+              <a:avLst/>
+            </a:prstTxWarp>
+            <a:spAutoFit/>
+          </a:bodyPr>
+          <a:lstStyle/>
+          <a:p>
+            <a:pPr marL="0" marR="0" lvl="0" indent="0" algn="l" defTabSz="914400" rtl="0" eaLnBrk="1" fontAlgn="base" latinLnBrk="1" hangingPunct="1">
+              <a:lnSpc>
+                <a:spcPct val="100000"/>
+              </a:lnSpc>
+              <a:spcBef>
+                <a:spcPct val="0"/>
+              </a:spcBef>
+              <a:spcAft>
+                <a:spcPct val="0"/>
+              </a:spcAft>
+              <a:buClrTx/>
+              <a:buSzTx/>
+              <a:buFontTx/>
+              <a:buNone/>
+              <a:tabLst/>
+            </a:pPr>
+            <a:r>
+              <a:rPr kumimoji="1" lang="ko-KR" altLang="ko-KR" b="1" i="0" u="none" strike="noStrike" cap="none" normalizeH="0" baseline="0" dirty="0" smtClean="0">
+                <a:ln>
+                  <a:noFill/>
+                </a:ln>
+                <a:solidFill>
+                  <a:srgbClr val="0086B3"/>
+                </a:solidFill>
+                <a:effectLst/>
+                <a:latin typeface="Consolas" pitchFamily="49" charset="0"/>
+                <a:ea typeface="굴림" pitchFamily="50" charset="-127"/>
+                <a:cs typeface="굴림" pitchFamily="50" charset="-127"/>
+              </a:rPr>
+              <a:t>#include</a:t>
+            </a:r>
+            <a:r>
+              <a:rPr kumimoji="1" lang="ko-KR" altLang="ko-KR" b="1" i="0" u="none" strike="noStrike" cap="none" normalizeH="0" baseline="0" dirty="0" smtClean="0">
+                <a:ln>
+                  <a:noFill/>
+                </a:ln>
+                <a:solidFill>
+                  <a:srgbClr val="A71D5D"/>
+                </a:solidFill>
+                <a:effectLst/>
+                <a:latin typeface="Consolas" pitchFamily="49" charset="0"/>
+                <a:ea typeface="굴림" pitchFamily="50" charset="-127"/>
+                <a:cs typeface="굴림" pitchFamily="50" charset="-127"/>
+              </a:rPr>
+              <a:t>&lt;</a:t>
+            </a:r>
+            <a:r>
+              <a:rPr kumimoji="1" lang="ko-KR" altLang="ko-KR" b="1" i="0" u="none" strike="noStrike" cap="none" normalizeH="0" baseline="0" dirty="0" smtClean="0">
+                <a:ln>
+                  <a:noFill/>
+                </a:ln>
+                <a:solidFill>
+                  <a:srgbClr val="010101"/>
+                </a:solidFill>
+                <a:effectLst/>
+                <a:latin typeface="Consolas" pitchFamily="49" charset="0"/>
+                <a:ea typeface="굴림" pitchFamily="50" charset="-127"/>
+                <a:cs typeface="굴림" pitchFamily="50" charset="-127"/>
+              </a:rPr>
+              <a:t>iostream</a:t>
+            </a:r>
+            <a:r>
+              <a:rPr kumimoji="1" lang="ko-KR" altLang="ko-KR" b="1" i="0" u="none" strike="noStrike" cap="none" normalizeH="0" baseline="0" dirty="0" smtClean="0">
+                <a:ln>
+                  <a:noFill/>
+                </a:ln>
+                <a:solidFill>
+                  <a:srgbClr val="A71D5D"/>
+                </a:solidFill>
+                <a:effectLst/>
+                <a:latin typeface="Consolas" pitchFamily="49" charset="0"/>
+                <a:ea typeface="굴림" pitchFamily="50" charset="-127"/>
+                <a:cs typeface="굴림" pitchFamily="50" charset="-127"/>
+              </a:rPr>
+              <a:t>&gt;</a:t>
+            </a:r>
+            <a:endParaRPr kumimoji="1" lang="ko-KR" altLang="ko-KR" b="1" i="0" u="none" strike="noStrike" cap="none" normalizeH="0" baseline="0" dirty="0" smtClean="0">
+              <a:ln>
+                <a:noFill/>
+              </a:ln>
+              <a:solidFill>
+                <a:srgbClr val="010101"/>
+              </a:solidFill>
+              <a:effectLst/>
+              <a:latin typeface="Consolas" pitchFamily="49" charset="0"/>
+              <a:ea typeface="굴림" pitchFamily="50" charset="-127"/>
+              <a:cs typeface="굴림" pitchFamily="50" charset="-127"/>
+            </a:endParaRPr>
+          </a:p>
+          <a:p>
+            <a:pPr marL="0" marR="0" lvl="0" indent="0" algn="l" defTabSz="914400" rtl="0" eaLnBrk="0" fontAlgn="base" latinLnBrk="0" hangingPunct="0">
+              <a:lnSpc>
+                <a:spcPct val="100000"/>
+              </a:lnSpc>
+              <a:spcBef>
+                <a:spcPct val="0"/>
+              </a:spcBef>
+              <a:spcAft>
+                <a:spcPct val="0"/>
+              </a:spcAft>
+              <a:buClrTx/>
+              <a:buSzTx/>
+              <a:buFontTx/>
+              <a:buNone/>
+              <a:tabLst/>
+            </a:pPr>
+            <a:r>
+              <a:rPr kumimoji="1" lang="ko-KR" altLang="ko-KR" b="1" i="0" u="none" strike="noStrike" cap="none" normalizeH="0" baseline="0" dirty="0" smtClean="0">
+                <a:ln>
+                  <a:noFill/>
+                </a:ln>
+                <a:solidFill>
+                  <a:srgbClr val="A71D5D"/>
+                </a:solidFill>
+                <a:effectLst/>
+                <a:latin typeface="Consolas" pitchFamily="49" charset="0"/>
+                <a:ea typeface="굴림" pitchFamily="50" charset="-127"/>
+                <a:cs typeface="굴림" pitchFamily="50" charset="-127"/>
+              </a:rPr>
+              <a:t>class</a:t>
+            </a:r>
+            <a:r>
+              <a:rPr kumimoji="1" lang="ko-KR" altLang="ko-KR" b="1" i="0" u="none" strike="noStrike" cap="none" normalizeH="0" baseline="0" dirty="0" smtClean="0">
+                <a:ln>
+                  <a:noFill/>
+                </a:ln>
+                <a:solidFill>
+                  <a:srgbClr val="010101"/>
+                </a:solidFill>
+                <a:effectLst/>
+                <a:latin typeface="Consolas" pitchFamily="49" charset="0"/>
+                <a:ea typeface="굴림" pitchFamily="50" charset="-127"/>
+                <a:cs typeface="굴림" pitchFamily="50" charset="-127"/>
+              </a:rPr>
+              <a:t> Test</a:t>
+            </a:r>
+          </a:p>
+          <a:p>
+            <a:pPr marL="0" marR="0" lvl="0" indent="0" algn="l" defTabSz="914400" rtl="0" eaLnBrk="0" fontAlgn="base" latinLnBrk="0" hangingPunct="0">
+              <a:lnSpc>
+                <a:spcPct val="100000"/>
+              </a:lnSpc>
+              <a:spcBef>
+                <a:spcPct val="0"/>
+              </a:spcBef>
+              <a:spcAft>
+                <a:spcPct val="0"/>
+              </a:spcAft>
+              <a:buClrTx/>
+              <a:buSzTx/>
+              <a:buFontTx/>
+              <a:buNone/>
+              <a:tabLst/>
+            </a:pPr>
+            <a:r>
+              <a:rPr kumimoji="1" lang="ko-KR" altLang="ko-KR" b="1" i="0" u="none" strike="noStrike" cap="none" normalizeH="0" baseline="0" dirty="0" smtClean="0">
+                <a:ln>
+                  <a:noFill/>
+                </a:ln>
+                <a:solidFill>
+                  <a:srgbClr val="010101"/>
+                </a:solidFill>
+                <a:effectLst/>
+                <a:latin typeface="Consolas" pitchFamily="49" charset="0"/>
+                <a:ea typeface="굴림" pitchFamily="50" charset="-127"/>
+                <a:cs typeface="굴림" pitchFamily="50" charset="-127"/>
+              </a:rPr>
+              <a:t>{</a:t>
+            </a:r>
+          </a:p>
+          <a:p>
+            <a:pPr marL="0" marR="0" lvl="0" indent="0" algn="l" defTabSz="914400" rtl="0" eaLnBrk="0" fontAlgn="base" latinLnBrk="0" hangingPunct="0">
+              <a:lnSpc>
+                <a:spcPct val="100000"/>
+              </a:lnSpc>
+              <a:spcBef>
+                <a:spcPct val="0"/>
+              </a:spcBef>
+              <a:spcAft>
+                <a:spcPct val="0"/>
+              </a:spcAft>
+              <a:buClrTx/>
+              <a:buSzTx/>
+              <a:buFontTx/>
+              <a:buNone/>
+              <a:tabLst/>
+            </a:pPr>
+            <a:r>
+              <a:rPr kumimoji="1" lang="ko-KR" altLang="ko-KR" b="1" i="0" u="none" strike="noStrike" cap="none" normalizeH="0" baseline="0" dirty="0" smtClean="0">
+                <a:ln>
+                  <a:noFill/>
+                </a:ln>
+                <a:solidFill>
+                  <a:srgbClr val="A71D5D"/>
+                </a:solidFill>
+                <a:effectLst/>
+                <a:latin typeface="Consolas" pitchFamily="49" charset="0"/>
+                <a:ea typeface="굴림" pitchFamily="50" charset="-127"/>
+                <a:cs typeface="굴림" pitchFamily="50" charset="-127"/>
+              </a:rPr>
+              <a:t>private</a:t>
+            </a:r>
+            <a:r>
+              <a:rPr kumimoji="1" lang="ko-KR" altLang="ko-KR" b="1" i="0" u="none" strike="noStrike" cap="none" normalizeH="0" baseline="0" dirty="0" smtClean="0">
+                <a:ln>
+                  <a:noFill/>
+                </a:ln>
+                <a:solidFill>
+                  <a:srgbClr val="010101"/>
+                </a:solidFill>
+                <a:effectLst/>
+                <a:latin typeface="Consolas" pitchFamily="49" charset="0"/>
+                <a:ea typeface="굴림" pitchFamily="50" charset="-127"/>
+                <a:cs typeface="굴림" pitchFamily="50" charset="-127"/>
+              </a:rPr>
+              <a:t>:</a:t>
+            </a:r>
+          </a:p>
+          <a:p>
+            <a:pPr marL="0" marR="0" lvl="0" indent="0" algn="l" defTabSz="914400" rtl="0" eaLnBrk="0" fontAlgn="base" latinLnBrk="0" hangingPunct="0">
+              <a:lnSpc>
+                <a:spcPct val="100000"/>
+              </a:lnSpc>
+              <a:spcBef>
+                <a:spcPct val="0"/>
+              </a:spcBef>
+              <a:spcAft>
+                <a:spcPct val="0"/>
+              </a:spcAft>
+              <a:buClrTx/>
+              <a:buSzTx/>
+              <a:buFontTx/>
+              <a:buNone/>
+              <a:tabLst/>
+            </a:pPr>
+            <a:r>
+              <a:rPr kumimoji="1" lang="en-US" altLang="ko-KR" b="1" i="0" u="none" strike="noStrike" cap="none" normalizeH="0" baseline="0" dirty="0" smtClean="0">
+                <a:ln>
+                  <a:noFill/>
+                </a:ln>
+                <a:solidFill>
+                  <a:srgbClr val="066DE2"/>
+                </a:solidFill>
+                <a:effectLst/>
+                <a:latin typeface="Consolas" pitchFamily="49" charset="0"/>
+                <a:ea typeface="굴림" pitchFamily="50" charset="-127"/>
+                <a:cs typeface="굴림" pitchFamily="50" charset="-127"/>
+              </a:rPr>
+              <a:t>	</a:t>
+            </a:r>
+            <a:r>
+              <a:rPr kumimoji="1" lang="ko-KR" altLang="ko-KR" b="1" i="0" u="none" strike="noStrike" cap="none" normalizeH="0" baseline="0" dirty="0" smtClean="0">
+                <a:ln>
+                  <a:noFill/>
+                </a:ln>
+                <a:solidFill>
+                  <a:srgbClr val="066DE2"/>
+                </a:solidFill>
+                <a:effectLst/>
+                <a:latin typeface="Consolas" pitchFamily="49" charset="0"/>
+                <a:ea typeface="굴림" pitchFamily="50" charset="-127"/>
+                <a:cs typeface="굴림" pitchFamily="50" charset="-127"/>
+              </a:rPr>
+              <a:t>int</a:t>
+            </a:r>
+            <a:r>
+              <a:rPr kumimoji="1" lang="ko-KR" altLang="ko-KR" b="1" i="0" u="none" strike="noStrike" cap="none" normalizeH="0" baseline="0" dirty="0" smtClean="0">
+                <a:ln>
+                  <a:noFill/>
+                </a:ln>
+                <a:solidFill>
+                  <a:srgbClr val="010101"/>
+                </a:solidFill>
+                <a:effectLst/>
+                <a:latin typeface="Consolas" pitchFamily="49" charset="0"/>
+                <a:ea typeface="굴림" pitchFamily="50" charset="-127"/>
+                <a:cs typeface="굴림" pitchFamily="50" charset="-127"/>
+              </a:rPr>
+              <a:t> Data{ </a:t>
+            </a:r>
+            <a:r>
+              <a:rPr kumimoji="1" lang="ko-KR" altLang="ko-KR" b="1" i="0" u="none" strike="noStrike" cap="none" normalizeH="0" baseline="0" dirty="0" smtClean="0">
+                <a:ln>
+                  <a:noFill/>
+                </a:ln>
+                <a:solidFill>
+                  <a:srgbClr val="0099CC"/>
+                </a:solidFill>
+                <a:effectLst/>
+                <a:latin typeface="Consolas" pitchFamily="49" charset="0"/>
+                <a:ea typeface="굴림" pitchFamily="50" charset="-127"/>
+                <a:cs typeface="굴림" pitchFamily="50" charset="-127"/>
+              </a:rPr>
+              <a:t>0</a:t>
+            </a:r>
+            <a:r>
+              <a:rPr kumimoji="1" lang="ko-KR" altLang="ko-KR" b="1" i="0" u="none" strike="noStrike" cap="none" normalizeH="0" baseline="0" dirty="0" smtClean="0">
+                <a:ln>
+                  <a:noFill/>
+                </a:ln>
+                <a:solidFill>
+                  <a:srgbClr val="010101"/>
+                </a:solidFill>
+                <a:effectLst/>
+                <a:latin typeface="Consolas" pitchFamily="49" charset="0"/>
+                <a:ea typeface="굴림" pitchFamily="50" charset="-127"/>
+                <a:cs typeface="굴림" pitchFamily="50" charset="-127"/>
+              </a:rPr>
+              <a:t> };</a:t>
+            </a:r>
+          </a:p>
+          <a:p>
+            <a:pPr marL="0" marR="0" lvl="0" indent="0" algn="l" defTabSz="914400" rtl="0" eaLnBrk="0" fontAlgn="base" latinLnBrk="0" hangingPunct="0">
+              <a:lnSpc>
+                <a:spcPct val="100000"/>
+              </a:lnSpc>
+              <a:spcBef>
+                <a:spcPct val="0"/>
+              </a:spcBef>
+              <a:spcAft>
+                <a:spcPct val="0"/>
+              </a:spcAft>
+              <a:buClrTx/>
+              <a:buSzTx/>
+              <a:buFontTx/>
+              <a:buNone/>
+              <a:tabLst/>
+            </a:pPr>
+            <a:r>
+              <a:rPr kumimoji="1" lang="ko-KR" altLang="ko-KR" b="1" i="0" u="none" strike="noStrike" cap="none" normalizeH="0" baseline="0" dirty="0" smtClean="0">
+                <a:ln>
+                  <a:noFill/>
+                </a:ln>
+                <a:solidFill>
+                  <a:srgbClr val="A71D5D"/>
+                </a:solidFill>
+                <a:effectLst/>
+                <a:latin typeface="Consolas" pitchFamily="49" charset="0"/>
+                <a:ea typeface="굴림" pitchFamily="50" charset="-127"/>
+                <a:cs typeface="굴림" pitchFamily="50" charset="-127"/>
+              </a:rPr>
+              <a:t>public</a:t>
+            </a:r>
+            <a:r>
+              <a:rPr kumimoji="1" lang="ko-KR" altLang="ko-KR" b="1" i="0" u="none" strike="noStrike" cap="none" normalizeH="0" baseline="0" dirty="0" smtClean="0">
+                <a:ln>
+                  <a:noFill/>
+                </a:ln>
+                <a:solidFill>
+                  <a:srgbClr val="010101"/>
+                </a:solidFill>
+                <a:effectLst/>
+                <a:latin typeface="Consolas" pitchFamily="49" charset="0"/>
+                <a:ea typeface="굴림" pitchFamily="50" charset="-127"/>
+                <a:cs typeface="굴림" pitchFamily="50" charset="-127"/>
+              </a:rPr>
+              <a:t>:</a:t>
+            </a:r>
+          </a:p>
+          <a:p>
+            <a:pPr marL="0" marR="0" lvl="0" indent="0" algn="l" defTabSz="914400" rtl="0" eaLnBrk="0" fontAlgn="base" latinLnBrk="0" hangingPunct="0">
+              <a:lnSpc>
+                <a:spcPct val="100000"/>
+              </a:lnSpc>
+              <a:spcBef>
+                <a:spcPct val="0"/>
+              </a:spcBef>
+              <a:spcAft>
+                <a:spcPct val="0"/>
+              </a:spcAft>
+              <a:buClrTx/>
+              <a:buSzTx/>
+              <a:buFontTx/>
+              <a:buNone/>
+              <a:tabLst/>
+            </a:pPr>
+            <a:r>
+              <a:rPr kumimoji="1" lang="en-US" altLang="ko-KR" b="1" i="0" u="none" strike="noStrike" cap="none" normalizeH="0" baseline="0" dirty="0" smtClean="0">
+                <a:ln>
+                  <a:noFill/>
+                </a:ln>
+                <a:solidFill>
+                  <a:srgbClr val="A71D5D"/>
+                </a:solidFill>
+                <a:effectLst/>
+                <a:latin typeface="Consolas" pitchFamily="49" charset="0"/>
+                <a:ea typeface="굴림" pitchFamily="50" charset="-127"/>
+                <a:cs typeface="굴림" pitchFamily="50" charset="-127"/>
+              </a:rPr>
+              <a:t>	</a:t>
+            </a:r>
+            <a:r>
+              <a:rPr kumimoji="1" lang="ko-KR" altLang="ko-KR" b="1" i="0" u="none" strike="noStrike" cap="none" normalizeH="0" baseline="0" dirty="0" smtClean="0">
+                <a:ln>
+                  <a:noFill/>
+                </a:ln>
+                <a:solidFill>
+                  <a:srgbClr val="A71D5D"/>
+                </a:solidFill>
+                <a:effectLst/>
+                <a:latin typeface="Consolas" pitchFamily="49" charset="0"/>
+                <a:ea typeface="굴림" pitchFamily="50" charset="-127"/>
+                <a:cs typeface="굴림" pitchFamily="50" charset="-127"/>
+              </a:rPr>
+              <a:t>void</a:t>
+            </a:r>
+            <a:r>
+              <a:rPr kumimoji="1" lang="ko-KR" altLang="ko-KR" b="1" i="0" u="none" strike="noStrike" cap="none" normalizeH="0" baseline="0" dirty="0" smtClean="0">
+                <a:ln>
+                  <a:noFill/>
+                </a:ln>
+                <a:solidFill>
+                  <a:srgbClr val="010101"/>
+                </a:solidFill>
+                <a:effectLst/>
+                <a:latin typeface="Consolas" pitchFamily="49" charset="0"/>
+                <a:ea typeface="굴림" pitchFamily="50" charset="-127"/>
+                <a:cs typeface="굴림" pitchFamily="50" charset="-127"/>
+              </a:rPr>
+              <a:t> </a:t>
+            </a:r>
+            <a:r>
+              <a:rPr kumimoji="1" lang="ko-KR" altLang="ko-KR" b="1" i="0" u="none" strike="noStrike" cap="none" normalizeH="0" baseline="0" dirty="0" smtClean="0">
+                <a:ln>
+                  <a:noFill/>
+                </a:ln>
+                <a:solidFill>
+                  <a:srgbClr val="A71D5D"/>
+                </a:solidFill>
+                <a:effectLst/>
+                <a:latin typeface="Consolas" pitchFamily="49" charset="0"/>
+                <a:ea typeface="굴림" pitchFamily="50" charset="-127"/>
+                <a:cs typeface="굴림" pitchFamily="50" charset="-127"/>
+              </a:rPr>
+              <a:t>operator</a:t>
+            </a:r>
+            <a:r>
+              <a:rPr kumimoji="1" lang="ko-KR" altLang="ko-KR" b="1" i="0" u="none" strike="noStrike" cap="none" normalizeH="0" baseline="0" dirty="0" smtClean="0">
+                <a:ln>
+                  <a:noFill/>
+                </a:ln>
+                <a:solidFill>
+                  <a:srgbClr val="010101"/>
+                </a:solidFill>
+                <a:effectLst/>
+                <a:latin typeface="Consolas" pitchFamily="49" charset="0"/>
+                <a:ea typeface="굴림" pitchFamily="50" charset="-127"/>
+                <a:cs typeface="굴림" pitchFamily="50" charset="-127"/>
+              </a:rPr>
+              <a:t> </a:t>
+            </a:r>
+            <a:r>
+              <a:rPr kumimoji="1" lang="ko-KR" altLang="ko-KR" b="1" i="0" u="none" strike="noStrike" cap="none" normalizeH="0" baseline="0" dirty="0" smtClean="0">
+                <a:ln>
+                  <a:noFill/>
+                </a:ln>
+                <a:solidFill>
+                  <a:srgbClr val="A71D5D"/>
+                </a:solidFill>
+                <a:effectLst/>
+                <a:latin typeface="Consolas" pitchFamily="49" charset="0"/>
+                <a:ea typeface="굴림" pitchFamily="50" charset="-127"/>
+                <a:cs typeface="굴림" pitchFamily="50" charset="-127"/>
+              </a:rPr>
+              <a:t>+=</a:t>
+            </a:r>
+            <a:r>
+              <a:rPr kumimoji="1" lang="ko-KR" altLang="ko-KR" b="1" i="0" u="none" strike="noStrike" cap="none" normalizeH="0" baseline="0" dirty="0" smtClean="0">
+                <a:ln>
+                  <a:noFill/>
+                </a:ln>
+                <a:solidFill>
+                  <a:srgbClr val="010101"/>
+                </a:solidFill>
+                <a:effectLst/>
+                <a:latin typeface="Consolas" pitchFamily="49" charset="0"/>
+                <a:ea typeface="굴림" pitchFamily="50" charset="-127"/>
+                <a:cs typeface="굴림" pitchFamily="50" charset="-127"/>
+              </a:rPr>
+              <a:t> (</a:t>
+            </a:r>
+            <a:r>
+              <a:rPr kumimoji="1" lang="ko-KR" altLang="ko-KR" b="1" i="0" u="none" strike="noStrike" cap="none" normalizeH="0" baseline="0" dirty="0" smtClean="0">
+                <a:ln>
+                  <a:noFill/>
+                </a:ln>
+                <a:solidFill>
+                  <a:srgbClr val="066DE2"/>
+                </a:solidFill>
+                <a:effectLst/>
+                <a:latin typeface="Consolas" pitchFamily="49" charset="0"/>
+                <a:ea typeface="굴림" pitchFamily="50" charset="-127"/>
+                <a:cs typeface="굴림" pitchFamily="50" charset="-127"/>
+              </a:rPr>
+              <a:t>int</a:t>
+            </a:r>
+            <a:r>
+              <a:rPr kumimoji="1" lang="ko-KR" altLang="ko-KR" b="1" i="0" u="none" strike="noStrike" cap="none" normalizeH="0" baseline="0" dirty="0" smtClean="0">
+                <a:ln>
+                  <a:noFill/>
+                </a:ln>
+                <a:solidFill>
+                  <a:srgbClr val="010101"/>
+                </a:solidFill>
+                <a:effectLst/>
+                <a:latin typeface="Consolas" pitchFamily="49" charset="0"/>
+                <a:ea typeface="굴림" pitchFamily="50" charset="-127"/>
+                <a:cs typeface="굴림" pitchFamily="50" charset="-127"/>
+              </a:rPr>
+              <a:t> _iData)</a:t>
+            </a:r>
+          </a:p>
+          <a:p>
+            <a:pPr marL="0" marR="0" lvl="0" indent="0" algn="l" defTabSz="914400" rtl="0" eaLnBrk="0" fontAlgn="base" latinLnBrk="0" hangingPunct="0">
+              <a:lnSpc>
+                <a:spcPct val="100000"/>
+              </a:lnSpc>
+              <a:spcBef>
+                <a:spcPct val="0"/>
+              </a:spcBef>
+              <a:spcAft>
+                <a:spcPct val="0"/>
+              </a:spcAft>
+              <a:buClrTx/>
+              <a:buSzTx/>
+              <a:buFontTx/>
+              <a:buNone/>
+              <a:tabLst/>
+            </a:pPr>
+            <a:r>
+              <a:rPr kumimoji="1" lang="en-US" altLang="ko-KR" b="1" i="0" u="none" strike="noStrike" cap="none" normalizeH="0" baseline="0" dirty="0" smtClean="0">
+                <a:ln>
+                  <a:noFill/>
+                </a:ln>
+                <a:solidFill>
+                  <a:srgbClr val="010101"/>
+                </a:solidFill>
+                <a:effectLst/>
+                <a:latin typeface="Consolas" pitchFamily="49" charset="0"/>
+                <a:ea typeface="굴림" pitchFamily="50" charset="-127"/>
+                <a:cs typeface="굴림" pitchFamily="50" charset="-127"/>
+              </a:rPr>
+              <a:t>	</a:t>
+            </a:r>
+            <a:r>
+              <a:rPr kumimoji="1" lang="ko-KR" altLang="ko-KR" b="1" i="0" u="none" strike="noStrike" cap="none" normalizeH="0" baseline="0" dirty="0" smtClean="0">
+                <a:ln>
+                  <a:noFill/>
+                </a:ln>
+                <a:solidFill>
+                  <a:srgbClr val="010101"/>
+                </a:solidFill>
+                <a:effectLst/>
+                <a:latin typeface="Consolas" pitchFamily="49" charset="0"/>
+                <a:ea typeface="굴림" pitchFamily="50" charset="-127"/>
+                <a:cs typeface="굴림" pitchFamily="50" charset="-127"/>
+              </a:rPr>
+              <a:t>{</a:t>
+            </a:r>
+          </a:p>
+          <a:p>
+            <a:pPr marL="0" marR="0" lvl="0" indent="0" algn="l" defTabSz="914400" rtl="0" eaLnBrk="0" fontAlgn="base" latinLnBrk="0" hangingPunct="0">
+              <a:lnSpc>
+                <a:spcPct val="100000"/>
+              </a:lnSpc>
+              <a:spcBef>
+                <a:spcPct val="0"/>
+              </a:spcBef>
+              <a:spcAft>
+                <a:spcPct val="0"/>
+              </a:spcAft>
+              <a:buClrTx/>
+              <a:buSzTx/>
+              <a:buFontTx/>
+              <a:buNone/>
+              <a:tabLst/>
+            </a:pPr>
+            <a:r>
+              <a:rPr kumimoji="1" lang="en-US" altLang="ko-KR" b="1" i="0" u="none" strike="noStrike" cap="none" normalizeH="0" baseline="0" dirty="0" smtClean="0">
+                <a:ln>
+                  <a:noFill/>
+                </a:ln>
+                <a:solidFill>
+                  <a:srgbClr val="010101"/>
+                </a:solidFill>
+                <a:effectLst/>
+                <a:latin typeface="Consolas" pitchFamily="49" charset="0"/>
+                <a:ea typeface="굴림" pitchFamily="50" charset="-127"/>
+                <a:cs typeface="굴림" pitchFamily="50" charset="-127"/>
+              </a:rPr>
+              <a:t>		</a:t>
+            </a:r>
+            <a:r>
+              <a:rPr kumimoji="1" lang="ko-KR" altLang="ko-KR" b="1" i="0" u="none" strike="noStrike" cap="none" normalizeH="0" baseline="0" dirty="0" smtClean="0">
+                <a:ln>
+                  <a:noFill/>
+                </a:ln>
+                <a:solidFill>
+                  <a:srgbClr val="010101"/>
+                </a:solidFill>
+                <a:effectLst/>
+                <a:latin typeface="Consolas" pitchFamily="49" charset="0"/>
+                <a:ea typeface="굴림" pitchFamily="50" charset="-127"/>
+                <a:cs typeface="굴림" pitchFamily="50" charset="-127"/>
+              </a:rPr>
+              <a:t>Data </a:t>
+            </a:r>
+            <a:r>
+              <a:rPr kumimoji="1" lang="ko-KR" altLang="ko-KR" b="1" i="0" u="none" strike="noStrike" cap="none" normalizeH="0" baseline="0" dirty="0" smtClean="0">
+                <a:ln>
+                  <a:noFill/>
+                </a:ln>
+                <a:solidFill>
+                  <a:srgbClr val="A71D5D"/>
+                </a:solidFill>
+                <a:effectLst/>
+                <a:latin typeface="Consolas" pitchFamily="49" charset="0"/>
+                <a:ea typeface="굴림" pitchFamily="50" charset="-127"/>
+                <a:cs typeface="굴림" pitchFamily="50" charset="-127"/>
+              </a:rPr>
+              <a:t>+=</a:t>
+            </a:r>
+            <a:r>
+              <a:rPr kumimoji="1" lang="ko-KR" altLang="ko-KR" b="1" i="0" u="none" strike="noStrike" cap="none" normalizeH="0" baseline="0" dirty="0" smtClean="0">
+                <a:ln>
+                  <a:noFill/>
+                </a:ln>
+                <a:solidFill>
+                  <a:srgbClr val="010101"/>
+                </a:solidFill>
+                <a:effectLst/>
+                <a:latin typeface="Consolas" pitchFamily="49" charset="0"/>
+                <a:ea typeface="굴림" pitchFamily="50" charset="-127"/>
+                <a:cs typeface="굴림" pitchFamily="50" charset="-127"/>
+              </a:rPr>
+              <a:t> _iData;</a:t>
+            </a:r>
+          </a:p>
+          <a:p>
+            <a:pPr marL="0" marR="0" lvl="0" indent="0" algn="l" defTabSz="914400" rtl="0" eaLnBrk="0" fontAlgn="base" latinLnBrk="0" hangingPunct="0">
+              <a:lnSpc>
+                <a:spcPct val="100000"/>
+              </a:lnSpc>
+              <a:spcBef>
+                <a:spcPct val="0"/>
+              </a:spcBef>
+              <a:spcAft>
+                <a:spcPct val="0"/>
+              </a:spcAft>
+              <a:buClrTx/>
+              <a:buSzTx/>
+              <a:buFontTx/>
+              <a:buNone/>
+              <a:tabLst/>
+            </a:pPr>
+            <a:r>
+              <a:rPr kumimoji="1" lang="en-US" altLang="ko-KR" b="1" i="0" u="none" strike="noStrike" cap="none" normalizeH="0" baseline="0" dirty="0" smtClean="0">
+                <a:ln>
+                  <a:noFill/>
+                </a:ln>
+                <a:solidFill>
+                  <a:srgbClr val="010101"/>
+                </a:solidFill>
+                <a:effectLst/>
+                <a:latin typeface="Consolas" pitchFamily="49" charset="0"/>
+                <a:ea typeface="굴림" pitchFamily="50" charset="-127"/>
+                <a:cs typeface="굴림" pitchFamily="50" charset="-127"/>
+              </a:rPr>
+              <a:t>	</a:t>
+            </a:r>
+            <a:r>
+              <a:rPr kumimoji="1" lang="ko-KR" altLang="ko-KR" b="1" i="0" u="none" strike="noStrike" cap="none" normalizeH="0" baseline="0" dirty="0" smtClean="0">
+                <a:ln>
+                  <a:noFill/>
+                </a:ln>
+                <a:solidFill>
+                  <a:srgbClr val="010101"/>
+                </a:solidFill>
+                <a:effectLst/>
+                <a:latin typeface="Consolas" pitchFamily="49" charset="0"/>
+                <a:ea typeface="굴림" pitchFamily="50" charset="-127"/>
+                <a:cs typeface="굴림" pitchFamily="50" charset="-127"/>
+              </a:rPr>
+              <a:t>}</a:t>
+            </a:r>
+            <a:endParaRPr kumimoji="1" lang="en-US" altLang="ko-KR" b="1" i="0" u="none" strike="noStrike" cap="none" normalizeH="0" baseline="0" dirty="0" smtClean="0">
+              <a:ln>
+                <a:noFill/>
+              </a:ln>
+              <a:solidFill>
+                <a:srgbClr val="010101"/>
+              </a:solidFill>
+              <a:effectLst/>
+              <a:latin typeface="Consolas" pitchFamily="49" charset="0"/>
+              <a:ea typeface="굴림" pitchFamily="50" charset="-127"/>
+              <a:cs typeface="굴림" pitchFamily="50" charset="-127"/>
+            </a:endParaRPr>
+          </a:p>
+          <a:p>
+            <a:pPr marL="0" marR="0" lvl="0" indent="0" algn="l" defTabSz="914400" rtl="0" eaLnBrk="0" fontAlgn="base" latinLnBrk="0" hangingPunct="0">
+              <a:lnSpc>
+                <a:spcPct val="100000"/>
+              </a:lnSpc>
+              <a:spcBef>
+                <a:spcPct val="0"/>
+              </a:spcBef>
+              <a:spcAft>
+                <a:spcPct val="0"/>
+              </a:spcAft>
+              <a:buClrTx/>
+              <a:buSzTx/>
+              <a:buFontTx/>
+              <a:buNone/>
+              <a:tabLst/>
+            </a:pPr>
+            <a:r>
+              <a:rPr kumimoji="1" lang="ko-KR" altLang="ko-KR" b="1" i="0" u="none" strike="noStrike" cap="none" normalizeH="0" baseline="0" dirty="0" smtClean="0">
+                <a:ln>
+                  <a:noFill/>
+                </a:ln>
+                <a:solidFill>
+                  <a:srgbClr val="A71D5D"/>
+                </a:solidFill>
+                <a:effectLst/>
+                <a:latin typeface="Consolas" pitchFamily="49" charset="0"/>
+                <a:ea typeface="굴림" pitchFamily="50" charset="-127"/>
+                <a:cs typeface="굴림" pitchFamily="50" charset="-127"/>
+              </a:rPr>
+              <a:t>void</a:t>
+            </a:r>
+            <a:r>
+              <a:rPr kumimoji="1" lang="ko-KR" altLang="ko-KR" b="1" i="0" u="none" strike="noStrike" cap="none" normalizeH="0" baseline="0" dirty="0" smtClean="0">
+                <a:ln>
+                  <a:noFill/>
+                </a:ln>
+                <a:solidFill>
+                  <a:srgbClr val="010101"/>
+                </a:solidFill>
+                <a:effectLst/>
+                <a:latin typeface="Consolas" pitchFamily="49" charset="0"/>
+                <a:ea typeface="굴림" pitchFamily="50" charset="-127"/>
+                <a:cs typeface="굴림" pitchFamily="50" charset="-127"/>
+              </a:rPr>
+              <a:t> main()</a:t>
+            </a:r>
+          </a:p>
+          <a:p>
+            <a:pPr marL="0" marR="0" lvl="0" indent="0" algn="l" defTabSz="914400" rtl="0" eaLnBrk="0" fontAlgn="base" latinLnBrk="0" hangingPunct="0">
+              <a:lnSpc>
+                <a:spcPct val="100000"/>
+              </a:lnSpc>
+              <a:spcBef>
+                <a:spcPct val="0"/>
+              </a:spcBef>
+              <a:spcAft>
+                <a:spcPct val="0"/>
+              </a:spcAft>
+              <a:buClrTx/>
+              <a:buSzTx/>
+              <a:buFontTx/>
+              <a:buNone/>
+              <a:tabLst/>
+            </a:pPr>
+            <a:r>
+              <a:rPr kumimoji="1" lang="ko-KR" altLang="ko-KR" b="1" i="0" u="none" strike="noStrike" cap="none" normalizeH="0" baseline="0" dirty="0" smtClean="0">
+                <a:ln>
+                  <a:noFill/>
+                </a:ln>
+                <a:solidFill>
+                  <a:srgbClr val="010101"/>
+                </a:solidFill>
+                <a:effectLst/>
+                <a:latin typeface="Consolas" pitchFamily="49" charset="0"/>
+                <a:ea typeface="굴림" pitchFamily="50" charset="-127"/>
+                <a:cs typeface="굴림" pitchFamily="50" charset="-127"/>
+              </a:rPr>
+              <a:t>{</a:t>
+            </a:r>
+          </a:p>
+          <a:p>
+            <a:pPr marL="0" marR="0" lvl="0" indent="0" algn="l" defTabSz="914400" rtl="0" eaLnBrk="0" fontAlgn="base" latinLnBrk="0" hangingPunct="0">
+              <a:lnSpc>
+                <a:spcPct val="100000"/>
+              </a:lnSpc>
+              <a:spcBef>
+                <a:spcPct val="0"/>
+              </a:spcBef>
+              <a:spcAft>
+                <a:spcPct val="0"/>
+              </a:spcAft>
+              <a:buClrTx/>
+              <a:buSzTx/>
+              <a:buFontTx/>
+              <a:buNone/>
+              <a:tabLst/>
+            </a:pPr>
+            <a:r>
+              <a:rPr kumimoji="1" lang="en-US" altLang="ko-KR" b="1" i="0" u="none" strike="noStrike" cap="none" normalizeH="0" baseline="0" dirty="0" smtClean="0">
+                <a:ln>
+                  <a:noFill/>
+                </a:ln>
+                <a:solidFill>
+                  <a:srgbClr val="A71D5D"/>
+                </a:solidFill>
+                <a:effectLst/>
+                <a:latin typeface="Consolas" pitchFamily="49" charset="0"/>
+                <a:ea typeface="굴림" pitchFamily="50" charset="-127"/>
+                <a:cs typeface="굴림" pitchFamily="50" charset="-127"/>
+              </a:rPr>
+              <a:t>	</a:t>
+            </a:r>
+            <a:r>
+              <a:rPr kumimoji="1" lang="ko-KR" altLang="ko-KR" b="1" i="0" u="none" strike="noStrike" cap="none" normalizeH="0" baseline="0" dirty="0" smtClean="0">
+                <a:ln>
+                  <a:noFill/>
+                </a:ln>
+                <a:solidFill>
+                  <a:srgbClr val="A71D5D"/>
+                </a:solidFill>
+                <a:effectLst/>
+                <a:latin typeface="Consolas" pitchFamily="49" charset="0"/>
+                <a:ea typeface="굴림" pitchFamily="50" charset="-127"/>
+                <a:cs typeface="굴림" pitchFamily="50" charset="-127"/>
+              </a:rPr>
+              <a:t>const</a:t>
+            </a:r>
+            <a:r>
+              <a:rPr kumimoji="1" lang="ko-KR" altLang="ko-KR" b="1" i="0" u="none" strike="noStrike" cap="none" normalizeH="0" baseline="0" dirty="0" smtClean="0">
+                <a:ln>
+                  <a:noFill/>
+                </a:ln>
+                <a:solidFill>
+                  <a:srgbClr val="010101"/>
+                </a:solidFill>
+                <a:effectLst/>
+                <a:latin typeface="Consolas" pitchFamily="49" charset="0"/>
+                <a:ea typeface="굴림" pitchFamily="50" charset="-127"/>
+                <a:cs typeface="굴림" pitchFamily="50" charset="-127"/>
+              </a:rPr>
+              <a:t> Test t </a:t>
+            </a:r>
+            <a:r>
+              <a:rPr kumimoji="1" lang="ko-KR" altLang="ko-KR" b="1" i="0" u="none" strike="noStrike" cap="none" normalizeH="0" baseline="0" dirty="0" smtClean="0">
+                <a:ln>
+                  <a:noFill/>
+                </a:ln>
+                <a:solidFill>
+                  <a:srgbClr val="A71D5D"/>
+                </a:solidFill>
+                <a:effectLst/>
+                <a:latin typeface="Consolas" pitchFamily="49" charset="0"/>
+                <a:ea typeface="굴림" pitchFamily="50" charset="-127"/>
+                <a:cs typeface="굴림" pitchFamily="50" charset="-127"/>
+              </a:rPr>
+              <a:t>=</a:t>
+            </a:r>
+            <a:r>
+              <a:rPr kumimoji="1" lang="ko-KR" altLang="ko-KR" b="1" i="0" u="none" strike="noStrike" cap="none" normalizeH="0" baseline="0" dirty="0" smtClean="0">
+                <a:ln>
+                  <a:noFill/>
+                </a:ln>
+                <a:solidFill>
+                  <a:srgbClr val="010101"/>
+                </a:solidFill>
+                <a:effectLst/>
+                <a:latin typeface="Consolas" pitchFamily="49" charset="0"/>
+                <a:ea typeface="굴림" pitchFamily="50" charset="-127"/>
+                <a:cs typeface="굴림" pitchFamily="50" charset="-127"/>
+              </a:rPr>
+              <a:t> [</a:t>
+            </a:r>
+            <a:r>
+              <a:rPr kumimoji="1" lang="ko-KR" altLang="ko-KR" b="1" i="0" u="none" strike="noStrike" cap="none" normalizeH="0" baseline="0" dirty="0" smtClean="0">
+                <a:ln>
+                  <a:noFill/>
+                </a:ln>
+                <a:solidFill>
+                  <a:srgbClr val="A71D5D"/>
+                </a:solidFill>
+                <a:effectLst/>
+                <a:latin typeface="Consolas" pitchFamily="49" charset="0"/>
+                <a:ea typeface="굴림" pitchFamily="50" charset="-127"/>
+                <a:cs typeface="굴림" pitchFamily="50" charset="-127"/>
+              </a:rPr>
+              <a:t>&amp;</a:t>
+            </a:r>
+            <a:r>
+              <a:rPr kumimoji="1" lang="ko-KR" altLang="ko-KR" b="1" i="0" u="none" strike="noStrike" cap="none" normalizeH="0" baseline="0" dirty="0" smtClean="0">
+                <a:ln>
+                  <a:noFill/>
+                </a:ln>
+                <a:solidFill>
+                  <a:srgbClr val="010101"/>
+                </a:solidFill>
+                <a:effectLst/>
+                <a:latin typeface="Consolas" pitchFamily="49" charset="0"/>
+                <a:ea typeface="굴림" pitchFamily="50" charset="-127"/>
+                <a:cs typeface="굴림" pitchFamily="50" charset="-127"/>
+              </a:rPr>
+              <a:t>] {</a:t>
+            </a:r>
+          </a:p>
+          <a:p>
+            <a:pPr marL="0" marR="0" lvl="0" indent="0" algn="l" defTabSz="914400" rtl="0" eaLnBrk="0" fontAlgn="base" latinLnBrk="0" hangingPunct="0">
+              <a:lnSpc>
+                <a:spcPct val="100000"/>
+              </a:lnSpc>
+              <a:spcBef>
+                <a:spcPct val="0"/>
+              </a:spcBef>
+              <a:spcAft>
+                <a:spcPct val="0"/>
+              </a:spcAft>
+              <a:buClrTx/>
+              <a:buSzTx/>
+              <a:buFontTx/>
+              <a:buNone/>
+              <a:tabLst/>
+            </a:pPr>
+            <a:r>
+              <a:rPr kumimoji="1" lang="en-US" altLang="ko-KR" b="1" i="0" u="none" strike="noStrike" cap="none" normalizeH="0" baseline="0" dirty="0" smtClean="0">
+                <a:ln>
+                  <a:noFill/>
+                </a:ln>
+                <a:solidFill>
+                  <a:srgbClr val="010101"/>
+                </a:solidFill>
+                <a:effectLst/>
+                <a:latin typeface="Consolas" pitchFamily="49" charset="0"/>
+                <a:ea typeface="굴림" pitchFamily="50" charset="-127"/>
+                <a:cs typeface="굴림" pitchFamily="50" charset="-127"/>
+              </a:rPr>
+              <a:t>		</a:t>
+            </a:r>
+            <a:r>
+              <a:rPr kumimoji="1" lang="ko-KR" altLang="ko-KR" b="1" i="0" u="none" strike="noStrike" cap="none" normalizeH="0" baseline="0" dirty="0" smtClean="0">
+                <a:ln>
+                  <a:noFill/>
+                </a:ln>
+                <a:solidFill>
+                  <a:srgbClr val="010101"/>
+                </a:solidFill>
+                <a:effectLst/>
+                <a:latin typeface="Consolas" pitchFamily="49" charset="0"/>
+                <a:ea typeface="굴림" pitchFamily="50" charset="-127"/>
+                <a:cs typeface="굴림" pitchFamily="50" charset="-127"/>
+              </a:rPr>
+              <a:t>Test val;</a:t>
+            </a:r>
+          </a:p>
+          <a:p>
+            <a:pPr marL="0" marR="0" lvl="0" indent="0" algn="l" defTabSz="914400" rtl="0" eaLnBrk="0" fontAlgn="base" latinLnBrk="0" hangingPunct="0">
+              <a:lnSpc>
+                <a:spcPct val="100000"/>
+              </a:lnSpc>
+              <a:spcBef>
+                <a:spcPct val="0"/>
+              </a:spcBef>
+              <a:spcAft>
+                <a:spcPct val="0"/>
+              </a:spcAft>
+              <a:buClrTx/>
+              <a:buSzTx/>
+              <a:buFontTx/>
+              <a:buNone/>
+              <a:tabLst/>
+            </a:pPr>
+            <a:r>
+              <a:rPr kumimoji="1" lang="en-US" altLang="ko-KR" b="1" i="0" u="none" strike="noStrike" cap="none" normalizeH="0" baseline="0" dirty="0" smtClean="0">
+                <a:ln>
+                  <a:noFill/>
+                </a:ln>
+                <a:solidFill>
+                  <a:srgbClr val="A71D5D"/>
+                </a:solidFill>
+                <a:effectLst/>
+                <a:latin typeface="Consolas" pitchFamily="49" charset="0"/>
+                <a:ea typeface="굴림" pitchFamily="50" charset="-127"/>
+                <a:cs typeface="굴림" pitchFamily="50" charset="-127"/>
+              </a:rPr>
+              <a:t>		</a:t>
+            </a:r>
+            <a:r>
+              <a:rPr kumimoji="1" lang="ko-KR" altLang="ko-KR" b="1" i="0" u="none" strike="noStrike" cap="none" normalizeH="0" baseline="0" dirty="0" smtClean="0">
+                <a:ln>
+                  <a:noFill/>
+                </a:ln>
+                <a:solidFill>
+                  <a:srgbClr val="A71D5D"/>
+                </a:solidFill>
+                <a:effectLst/>
+                <a:latin typeface="Consolas" pitchFamily="49" charset="0"/>
+                <a:ea typeface="굴림" pitchFamily="50" charset="-127"/>
+                <a:cs typeface="굴림" pitchFamily="50" charset="-127"/>
+              </a:rPr>
+              <a:t>for</a:t>
+            </a:r>
+            <a:r>
+              <a:rPr kumimoji="1" lang="ko-KR" altLang="ko-KR" b="1" i="0" u="none" strike="noStrike" cap="none" normalizeH="0" baseline="0" dirty="0" smtClean="0">
+                <a:ln>
+                  <a:noFill/>
+                </a:ln>
+                <a:solidFill>
+                  <a:srgbClr val="010101"/>
+                </a:solidFill>
+                <a:effectLst/>
+                <a:latin typeface="Consolas" pitchFamily="49" charset="0"/>
+                <a:ea typeface="굴림" pitchFamily="50" charset="-127"/>
+                <a:cs typeface="굴림" pitchFamily="50" charset="-127"/>
+              </a:rPr>
+              <a:t> (</a:t>
+            </a:r>
+            <a:r>
+              <a:rPr kumimoji="1" lang="ko-KR" altLang="ko-KR" b="1" i="0" u="none" strike="noStrike" cap="none" normalizeH="0" baseline="0" dirty="0" smtClean="0">
+                <a:ln>
+                  <a:noFill/>
+                </a:ln>
+                <a:solidFill>
+                  <a:srgbClr val="066DE2"/>
+                </a:solidFill>
+                <a:effectLst/>
+                <a:latin typeface="Consolas" pitchFamily="49" charset="0"/>
+                <a:ea typeface="굴림" pitchFamily="50" charset="-127"/>
+                <a:cs typeface="굴림" pitchFamily="50" charset="-127"/>
+              </a:rPr>
+              <a:t>int</a:t>
+            </a:r>
+            <a:r>
+              <a:rPr kumimoji="1" lang="ko-KR" altLang="ko-KR" b="1" i="0" u="none" strike="noStrike" cap="none" normalizeH="0" baseline="0" dirty="0" smtClean="0">
+                <a:ln>
+                  <a:noFill/>
+                </a:ln>
+                <a:solidFill>
+                  <a:srgbClr val="010101"/>
+                </a:solidFill>
+                <a:effectLst/>
+                <a:latin typeface="Consolas" pitchFamily="49" charset="0"/>
+                <a:ea typeface="굴림" pitchFamily="50" charset="-127"/>
+                <a:cs typeface="굴림" pitchFamily="50" charset="-127"/>
+              </a:rPr>
+              <a:t> i </a:t>
+            </a:r>
+            <a:r>
+              <a:rPr kumimoji="1" lang="ko-KR" altLang="ko-KR" b="1" i="0" u="none" strike="noStrike" cap="none" normalizeH="0" baseline="0" dirty="0" smtClean="0">
+                <a:ln>
+                  <a:noFill/>
+                </a:ln>
+                <a:solidFill>
+                  <a:srgbClr val="A71D5D"/>
+                </a:solidFill>
+                <a:effectLst/>
+                <a:latin typeface="Consolas" pitchFamily="49" charset="0"/>
+                <a:ea typeface="굴림" pitchFamily="50" charset="-127"/>
+                <a:cs typeface="굴림" pitchFamily="50" charset="-127"/>
+              </a:rPr>
+              <a:t>=</a:t>
+            </a:r>
+            <a:r>
+              <a:rPr kumimoji="1" lang="ko-KR" altLang="ko-KR" b="1" i="0" u="none" strike="noStrike" cap="none" normalizeH="0" baseline="0" dirty="0" smtClean="0">
+                <a:ln>
+                  <a:noFill/>
+                </a:ln>
+                <a:solidFill>
+                  <a:srgbClr val="010101"/>
+                </a:solidFill>
+                <a:effectLst/>
+                <a:latin typeface="Consolas" pitchFamily="49" charset="0"/>
+                <a:ea typeface="굴림" pitchFamily="50" charset="-127"/>
+                <a:cs typeface="굴림" pitchFamily="50" charset="-127"/>
+              </a:rPr>
+              <a:t> </a:t>
+            </a:r>
+            <a:r>
+              <a:rPr kumimoji="1" lang="ko-KR" altLang="ko-KR" b="1" i="0" u="none" strike="noStrike" cap="none" normalizeH="0" baseline="0" dirty="0" smtClean="0">
+                <a:ln>
+                  <a:noFill/>
+                </a:ln>
+                <a:solidFill>
+                  <a:srgbClr val="0099CC"/>
+                </a:solidFill>
+                <a:effectLst/>
+                <a:latin typeface="Consolas" pitchFamily="49" charset="0"/>
+                <a:ea typeface="굴림" pitchFamily="50" charset="-127"/>
+                <a:cs typeface="굴림" pitchFamily="50" charset="-127"/>
+              </a:rPr>
+              <a:t>0</a:t>
+            </a:r>
+            <a:r>
+              <a:rPr kumimoji="1" lang="ko-KR" altLang="ko-KR" b="1" i="0" u="none" strike="noStrike" cap="none" normalizeH="0" baseline="0" dirty="0" smtClean="0">
+                <a:ln>
+                  <a:noFill/>
+                </a:ln>
+                <a:solidFill>
+                  <a:srgbClr val="010101"/>
+                </a:solidFill>
+                <a:effectLst/>
+                <a:latin typeface="Consolas" pitchFamily="49" charset="0"/>
+                <a:ea typeface="굴림" pitchFamily="50" charset="-127"/>
+                <a:cs typeface="굴림" pitchFamily="50" charset="-127"/>
+              </a:rPr>
+              <a:t>; i </a:t>
+            </a:r>
+            <a:r>
+              <a:rPr kumimoji="1" lang="ko-KR" altLang="ko-KR" b="1" i="0" u="none" strike="noStrike" cap="none" normalizeH="0" baseline="0" dirty="0" smtClean="0">
+                <a:ln>
+                  <a:noFill/>
+                </a:ln>
+                <a:solidFill>
+                  <a:srgbClr val="A71D5D"/>
+                </a:solidFill>
+                <a:effectLst/>
+                <a:latin typeface="Consolas" pitchFamily="49" charset="0"/>
+                <a:ea typeface="굴림" pitchFamily="50" charset="-127"/>
+                <a:cs typeface="굴림" pitchFamily="50" charset="-127"/>
+              </a:rPr>
+              <a:t>&lt;</a:t>
+            </a:r>
+            <a:r>
+              <a:rPr kumimoji="1" lang="ko-KR" altLang="ko-KR" b="1" i="0" u="none" strike="noStrike" cap="none" normalizeH="0" baseline="0" dirty="0" smtClean="0">
+                <a:ln>
+                  <a:noFill/>
+                </a:ln>
+                <a:solidFill>
+                  <a:srgbClr val="010101"/>
+                </a:solidFill>
+                <a:effectLst/>
+                <a:latin typeface="Consolas" pitchFamily="49" charset="0"/>
+                <a:ea typeface="굴림" pitchFamily="50" charset="-127"/>
+                <a:cs typeface="굴림" pitchFamily="50" charset="-127"/>
+              </a:rPr>
+              <a:t> </a:t>
+            </a:r>
+            <a:r>
+              <a:rPr kumimoji="1" lang="ko-KR" altLang="ko-KR" b="1" i="0" u="none" strike="noStrike" cap="none" normalizeH="0" baseline="0" dirty="0" smtClean="0">
+                <a:ln>
+                  <a:noFill/>
+                </a:ln>
+                <a:solidFill>
+                  <a:srgbClr val="0099CC"/>
+                </a:solidFill>
+                <a:effectLst/>
+                <a:latin typeface="Consolas" pitchFamily="49" charset="0"/>
+                <a:ea typeface="굴림" pitchFamily="50" charset="-127"/>
+                <a:cs typeface="굴림" pitchFamily="50" charset="-127"/>
+              </a:rPr>
+              <a:t>10</a:t>
+            </a:r>
+            <a:r>
+              <a:rPr kumimoji="1" lang="ko-KR" altLang="ko-KR" b="1" i="0" u="none" strike="noStrike" cap="none" normalizeH="0" baseline="0" dirty="0" smtClean="0">
+                <a:ln>
+                  <a:noFill/>
+                </a:ln>
+                <a:solidFill>
+                  <a:srgbClr val="010101"/>
+                </a:solidFill>
+                <a:effectLst/>
+                <a:latin typeface="Consolas" pitchFamily="49" charset="0"/>
+                <a:ea typeface="굴림" pitchFamily="50" charset="-127"/>
+                <a:cs typeface="굴림" pitchFamily="50" charset="-127"/>
+              </a:rPr>
+              <a:t>; i</a:t>
+            </a:r>
+            <a:r>
+              <a:rPr kumimoji="1" lang="ko-KR" altLang="ko-KR" b="1" i="0" u="none" strike="noStrike" cap="none" normalizeH="0" baseline="0" dirty="0" smtClean="0">
+                <a:ln>
+                  <a:noFill/>
+                </a:ln>
+                <a:solidFill>
+                  <a:srgbClr val="A71D5D"/>
+                </a:solidFill>
+                <a:effectLst/>
+                <a:latin typeface="Consolas" pitchFamily="49" charset="0"/>
+                <a:ea typeface="굴림" pitchFamily="50" charset="-127"/>
+                <a:cs typeface="굴림" pitchFamily="50" charset="-127"/>
+              </a:rPr>
+              <a:t>++</a:t>
+            </a:r>
+            <a:r>
+              <a:rPr kumimoji="1" lang="ko-KR" altLang="ko-KR" b="1" i="0" u="none" strike="noStrike" cap="none" normalizeH="0" baseline="0" dirty="0" smtClean="0">
+                <a:ln>
+                  <a:noFill/>
+                </a:ln>
+                <a:solidFill>
+                  <a:srgbClr val="010101"/>
+                </a:solidFill>
+                <a:effectLst/>
+                <a:latin typeface="Consolas" pitchFamily="49" charset="0"/>
+                <a:ea typeface="굴림" pitchFamily="50" charset="-127"/>
+                <a:cs typeface="굴림" pitchFamily="50" charset="-127"/>
+              </a:rPr>
+              <a:t>)</a:t>
+            </a:r>
+          </a:p>
+          <a:p>
+            <a:pPr marL="0" marR="0" lvl="0" indent="0" algn="l" defTabSz="914400" rtl="0" eaLnBrk="0" fontAlgn="base" latinLnBrk="0" hangingPunct="0">
+              <a:lnSpc>
+                <a:spcPct val="100000"/>
+              </a:lnSpc>
+              <a:spcBef>
+                <a:spcPct val="0"/>
+              </a:spcBef>
+              <a:spcAft>
+                <a:spcPct val="0"/>
+              </a:spcAft>
+              <a:buClrTx/>
+              <a:buSzTx/>
+              <a:buFontTx/>
+              <a:buNone/>
+              <a:tabLst/>
+            </a:pPr>
+            <a:r>
+              <a:rPr kumimoji="1" lang="en-US" altLang="ko-KR" b="1" i="0" u="none" strike="noStrike" cap="none" normalizeH="0" baseline="0" dirty="0" smtClean="0">
+                <a:ln>
+                  <a:noFill/>
+                </a:ln>
+                <a:solidFill>
+                  <a:srgbClr val="010101"/>
+                </a:solidFill>
+                <a:effectLst/>
+                <a:latin typeface="Consolas" pitchFamily="49" charset="0"/>
+                <a:ea typeface="굴림" pitchFamily="50" charset="-127"/>
+                <a:cs typeface="굴림" pitchFamily="50" charset="-127"/>
+              </a:rPr>
+              <a:t>		</a:t>
+            </a:r>
+            <a:r>
+              <a:rPr kumimoji="1" lang="ko-KR" altLang="ko-KR" b="1" i="0" u="none" strike="noStrike" cap="none" normalizeH="0" baseline="0" dirty="0" smtClean="0">
+                <a:ln>
+                  <a:noFill/>
+                </a:ln>
+                <a:solidFill>
+                  <a:srgbClr val="010101"/>
+                </a:solidFill>
+                <a:effectLst/>
+                <a:latin typeface="Consolas" pitchFamily="49" charset="0"/>
+                <a:ea typeface="굴림" pitchFamily="50" charset="-127"/>
+                <a:cs typeface="굴림" pitchFamily="50" charset="-127"/>
+              </a:rPr>
+              <a:t>val </a:t>
+            </a:r>
+            <a:r>
+              <a:rPr kumimoji="1" lang="ko-KR" altLang="ko-KR" b="1" i="0" u="none" strike="noStrike" cap="none" normalizeH="0" baseline="0" dirty="0" smtClean="0">
+                <a:ln>
+                  <a:noFill/>
+                </a:ln>
+                <a:solidFill>
+                  <a:srgbClr val="A71D5D"/>
+                </a:solidFill>
+                <a:effectLst/>
+                <a:latin typeface="Consolas" pitchFamily="49" charset="0"/>
+                <a:ea typeface="굴림" pitchFamily="50" charset="-127"/>
+                <a:cs typeface="굴림" pitchFamily="50" charset="-127"/>
+              </a:rPr>
+              <a:t>+=</a:t>
+            </a:r>
+            <a:r>
+              <a:rPr kumimoji="1" lang="ko-KR" altLang="ko-KR" b="1" i="0" u="none" strike="noStrike" cap="none" normalizeH="0" baseline="0" dirty="0" smtClean="0">
+                <a:ln>
+                  <a:noFill/>
+                </a:ln>
+                <a:solidFill>
+                  <a:srgbClr val="010101"/>
+                </a:solidFill>
+                <a:effectLst/>
+                <a:latin typeface="Consolas" pitchFamily="49" charset="0"/>
+                <a:ea typeface="굴림" pitchFamily="50" charset="-127"/>
+                <a:cs typeface="굴림" pitchFamily="50" charset="-127"/>
+              </a:rPr>
+              <a:t> i;</a:t>
+            </a:r>
+          </a:p>
+          <a:p>
+            <a:pPr marL="0" marR="0" lvl="0" indent="0" algn="l" defTabSz="914400" rtl="0" eaLnBrk="0" fontAlgn="base" latinLnBrk="0" hangingPunct="0">
+              <a:lnSpc>
+                <a:spcPct val="100000"/>
+              </a:lnSpc>
+              <a:spcBef>
+                <a:spcPct val="0"/>
+              </a:spcBef>
+              <a:spcAft>
+                <a:spcPct val="0"/>
+              </a:spcAft>
+              <a:buClrTx/>
+              <a:buSzTx/>
+              <a:buFontTx/>
+              <a:buNone/>
+              <a:tabLst/>
+            </a:pPr>
+            <a:r>
+              <a:rPr kumimoji="1" lang="en-US" altLang="ko-KR" b="1" i="0" u="none" strike="noStrike" cap="none" normalizeH="0" baseline="0" dirty="0" smtClean="0">
+                <a:ln>
+                  <a:noFill/>
+                </a:ln>
+                <a:solidFill>
+                  <a:srgbClr val="A71D5D"/>
+                </a:solidFill>
+                <a:effectLst/>
+                <a:latin typeface="Consolas" pitchFamily="49" charset="0"/>
+                <a:ea typeface="굴림" pitchFamily="50" charset="-127"/>
+                <a:cs typeface="굴림" pitchFamily="50" charset="-127"/>
+              </a:rPr>
+              <a:t>		</a:t>
+            </a:r>
+            <a:r>
+              <a:rPr kumimoji="1" lang="ko-KR" altLang="ko-KR" b="1" i="0" u="none" strike="noStrike" cap="none" normalizeH="0" baseline="0" dirty="0" smtClean="0">
+                <a:ln>
+                  <a:noFill/>
+                </a:ln>
+                <a:solidFill>
+                  <a:srgbClr val="A71D5D"/>
+                </a:solidFill>
+                <a:effectLst/>
+                <a:latin typeface="Consolas" pitchFamily="49" charset="0"/>
+                <a:ea typeface="굴림" pitchFamily="50" charset="-127"/>
+                <a:cs typeface="굴림" pitchFamily="50" charset="-127"/>
+              </a:rPr>
+              <a:t>return</a:t>
+            </a:r>
+            <a:r>
+              <a:rPr kumimoji="1" lang="ko-KR" altLang="ko-KR" b="1" i="0" u="none" strike="noStrike" cap="none" normalizeH="0" baseline="0" dirty="0" smtClean="0">
+                <a:ln>
+                  <a:noFill/>
+                </a:ln>
+                <a:solidFill>
+                  <a:srgbClr val="010101"/>
+                </a:solidFill>
+                <a:effectLst/>
+                <a:latin typeface="Consolas" pitchFamily="49" charset="0"/>
+                <a:ea typeface="굴림" pitchFamily="50" charset="-127"/>
+                <a:cs typeface="굴림" pitchFamily="50" charset="-127"/>
+              </a:rPr>
+              <a:t> val;</a:t>
+            </a:r>
+          </a:p>
+          <a:p>
+            <a:pPr marL="0" marR="0" lvl="0" indent="0" algn="l" defTabSz="914400" rtl="0" eaLnBrk="0" fontAlgn="base" latinLnBrk="0" hangingPunct="0">
+              <a:lnSpc>
+                <a:spcPct val="100000"/>
+              </a:lnSpc>
+              <a:spcBef>
+                <a:spcPct val="0"/>
+              </a:spcBef>
+              <a:spcAft>
+                <a:spcPct val="0"/>
+              </a:spcAft>
+              <a:buClrTx/>
+              <a:buSzTx/>
+              <a:buFontTx/>
+              <a:buNone/>
+              <a:tabLst/>
+            </a:pPr>
+            <a:r>
+              <a:rPr kumimoji="1" lang="en-US" altLang="ko-KR" b="1" i="0" u="none" strike="noStrike" cap="none" normalizeH="0" baseline="0" dirty="0" smtClean="0">
+                <a:ln>
+                  <a:noFill/>
+                </a:ln>
+                <a:solidFill>
+                  <a:srgbClr val="010101"/>
+                </a:solidFill>
+                <a:effectLst/>
+                <a:latin typeface="Consolas" pitchFamily="49" charset="0"/>
+                <a:ea typeface="굴림" pitchFamily="50" charset="-127"/>
+                <a:cs typeface="굴림" pitchFamily="50" charset="-127"/>
+              </a:rPr>
+              <a:t>	</a:t>
+            </a:r>
+            <a:r>
+              <a:rPr kumimoji="1" lang="ko-KR" altLang="ko-KR" b="1" i="0" u="none" strike="noStrike" cap="none" normalizeH="0" baseline="0" dirty="0" smtClean="0">
+                <a:ln>
+                  <a:noFill/>
+                </a:ln>
+                <a:solidFill>
+                  <a:srgbClr val="010101"/>
+                </a:solidFill>
+                <a:effectLst/>
+                <a:latin typeface="Consolas" pitchFamily="49" charset="0"/>
+                <a:ea typeface="굴림" pitchFamily="50" charset="-127"/>
+                <a:cs typeface="굴림" pitchFamily="50" charset="-127"/>
+              </a:rPr>
+              <a:t>}();</a:t>
+            </a:r>
+          </a:p>
+          <a:p>
+            <a:pPr marL="0" marR="0" lvl="0" indent="0" algn="l" defTabSz="914400" rtl="0" eaLnBrk="0" fontAlgn="base" latinLnBrk="0" hangingPunct="0">
+              <a:lnSpc>
+                <a:spcPct val="100000"/>
+              </a:lnSpc>
+              <a:spcBef>
+                <a:spcPct val="0"/>
+              </a:spcBef>
+              <a:spcAft>
+                <a:spcPct val="0"/>
+              </a:spcAft>
+              <a:buClrTx/>
+              <a:buSzTx/>
+              <a:buFontTx/>
+              <a:buNone/>
+              <a:tabLst/>
+            </a:pPr>
+            <a:r>
+              <a:rPr kumimoji="1" lang="ko-KR" altLang="ko-KR" b="1" i="0" u="none" strike="noStrike" cap="none" normalizeH="0" baseline="0" dirty="0" smtClean="0">
+                <a:ln>
+                  <a:noFill/>
+                </a:ln>
+                <a:solidFill>
+                  <a:srgbClr val="010101"/>
+                </a:solidFill>
+                <a:effectLst/>
+                <a:latin typeface="Consolas" pitchFamily="49" charset="0"/>
+                <a:ea typeface="굴림" pitchFamily="50" charset="-127"/>
+                <a:cs typeface="굴림" pitchFamily="50" charset="-127"/>
+              </a:rPr>
+              <a:t>}</a:t>
+            </a:r>
+            <a:endParaRPr kumimoji="1" lang="ko-KR" altLang="ko-KR" sz="1200" b="1" i="0" u="none" strike="noStrike" cap="none" normalizeH="0" baseline="0" dirty="0" smtClean="0">
+              <a:ln>
+                <a:noFill/>
+              </a:ln>
+              <a:solidFill>
+                <a:schemeClr val="tx1"/>
+              </a:solidFill>
+              <a:effectLst/>
+              <a:latin typeface="굴림" pitchFamily="50" charset="-127"/>
+              <a:ea typeface="굴림" pitchFamily="50" charset="-127"/>
+              <a:cs typeface="굴림" pitchFamily="50" charset="-127"/>
+            </a:endParaRPr>
+          </a:p>
+        </p:txBody>
+      </p:sp>
+    </p:spTree>
+    <p:extLst>
+      <p:ext uri="{BB962C8B-B14F-4D97-AF65-F5344CB8AC3E}">
+        <p14:creationId xmlns:p14="http://schemas.microsoft.com/office/powerpoint/2010/main" val="3862124620"/>
       </p:ext>
     </p:extLst>
   </p:cSld>

--- a/CoreGuideLinesStudy_3.pptx
+++ b/CoreGuideLinesStudy_3.pptx
@@ -5,7 +5,7 @@
     <p:sldMasterId id="2147483648" r:id="rId1"/>
   </p:sldMasterIdLst>
   <p:notesMasterIdLst>
-    <p:notesMasterId r:id="rId12"/>
+    <p:notesMasterId r:id="rId13"/>
   </p:notesMasterIdLst>
   <p:sldIdLst>
     <p:sldId id="304" r:id="rId2"/>
@@ -17,47 +17,48 @@
     <p:sldId id="323" r:id="rId8"/>
     <p:sldId id="324" r:id="rId9"/>
     <p:sldId id="325" r:id="rId10"/>
-    <p:sldId id="318" r:id="rId11"/>
+    <p:sldId id="326" r:id="rId11"/>
+    <p:sldId id="318" r:id="rId12"/>
   </p:sldIdLst>
   <p:sldSz cx="9144000" cy="6858000" type="screen4x3"/>
   <p:notesSz cx="6858000" cy="9144000"/>
   <p:embeddedFontLst>
     <p:embeddedFont>
-      <p:font typeface="HY헤드라인M" panose="02030600000101010101" pitchFamily="18" charset="-127"/>
-      <p:regular r:id="rId13"/>
-    </p:embeddedFont>
-    <p:embeddedFont>
-      <p:font typeface="HY강B" panose="020B0600000101010101" charset="-127"/>
+      <p:font typeface="HY헤드라인M" pitchFamily="18" charset="-127"/>
       <p:regular r:id="rId14"/>
     </p:embeddedFont>
     <p:embeddedFont>
-      <p:font typeface="맑은 고딕" panose="020B0503020000020004" pitchFamily="50" charset="-127"/>
-      <p:regular r:id="rId15"/>
-      <p:bold r:id="rId16"/>
+      <p:font typeface="Segoe UI Black" pitchFamily="34" charset="0"/>
+      <p:bold r:id="rId15"/>
+      <p:boldItalic r:id="rId16"/>
     </p:embeddedFont>
     <p:embeddedFont>
-      <p:font typeface="HY중고딕" panose="02030600000101010101" pitchFamily="18" charset="-127"/>
+      <p:font typeface="HY중고딕" pitchFamily="18" charset="-127"/>
       <p:regular r:id="rId17"/>
     </p:embeddedFont>
     <p:embeddedFont>
-      <p:font typeface="HY견고딕" panose="02030600000101010101" pitchFamily="18" charset="-127"/>
+      <p:font typeface="HY강B" charset="-127"/>
       <p:regular r:id="rId18"/>
     </p:embeddedFont>
     <p:embeddedFont>
-      <p:font typeface="Consolas" panose="020B0609020204030204" pitchFamily="49" charset="0"/>
+      <p:font typeface="HY견고딕" pitchFamily="18" charset="-127"/>
       <p:regular r:id="rId19"/>
-      <p:bold r:id="rId20"/>
-      <p:italic r:id="rId21"/>
-      <p:boldItalic r:id="rId22"/>
     </p:embeddedFont>
     <p:embeddedFont>
-      <p:font typeface="Segoe UI Black" panose="020B0A02040204020203" pitchFamily="34" charset="0"/>
-      <p:bold r:id="rId23"/>
-      <p:boldItalic r:id="rId24"/>
+      <p:font typeface="HY신명조" pitchFamily="18" charset="-127"/>
+      <p:regular r:id="rId20"/>
     </p:embeddedFont>
     <p:embeddedFont>
-      <p:font typeface="HY신명조" panose="02030600000101010101" pitchFamily="18" charset="-127"/>
-      <p:regular r:id="rId25"/>
+      <p:font typeface="맑은 고딕" pitchFamily="50" charset="-127"/>
+      <p:regular r:id="rId21"/>
+      <p:bold r:id="rId22"/>
+    </p:embeddedFont>
+    <p:embeddedFont>
+      <p:font typeface="Consolas" pitchFamily="49" charset="0"/>
+      <p:regular r:id="rId23"/>
+      <p:bold r:id="rId24"/>
+      <p:italic r:id="rId25"/>
+      <p:boldItalic r:id="rId26"/>
     </p:embeddedFont>
   </p:embeddedFontLst>
   <p:defaultTextStyle>
@@ -241,7 +242,7 @@
             <a:fld id="{E2E81C77-485D-47AA-9839-DA75671EEAD7}" type="datetimeFigureOut">
               <a:rPr lang="ko-KR" altLang="en-US" smtClean="0"/>
               <a:pPr/>
-              <a:t>2024-11-05</a:t>
+              <a:t>2024-11-09</a:t>
             </a:fld>
             <a:endParaRPr lang="ko-KR" altLang="en-US"/>
           </a:p>
@@ -694,7 +695,7 @@
             <a:fld id="{3A302466-FE76-40E8-BE5D-598A609EDD2B}" type="datetimeFigureOut">
               <a:rPr lang="ko-KR" altLang="en-US" smtClean="0"/>
               <a:pPr/>
-              <a:t>2024-11-05</a:t>
+              <a:t>2024-11-09</a:t>
             </a:fld>
             <a:endParaRPr lang="ko-KR" altLang="en-US"/>
           </a:p>
@@ -866,7 +867,7 @@
             <a:fld id="{3A302466-FE76-40E8-BE5D-598A609EDD2B}" type="datetimeFigureOut">
               <a:rPr lang="ko-KR" altLang="en-US" smtClean="0"/>
               <a:pPr/>
-              <a:t>2024-11-05</a:t>
+              <a:t>2024-11-09</a:t>
             </a:fld>
             <a:endParaRPr lang="ko-KR" altLang="en-US"/>
           </a:p>
@@ -1048,7 +1049,7 @@
             <a:fld id="{3A302466-FE76-40E8-BE5D-598A609EDD2B}" type="datetimeFigureOut">
               <a:rPr lang="ko-KR" altLang="en-US" smtClean="0"/>
               <a:pPr/>
-              <a:t>2024-11-05</a:t>
+              <a:t>2024-11-09</a:t>
             </a:fld>
             <a:endParaRPr lang="ko-KR" altLang="en-US"/>
           </a:p>
@@ -1220,7 +1221,7 @@
             <a:fld id="{3A302466-FE76-40E8-BE5D-598A609EDD2B}" type="datetimeFigureOut">
               <a:rPr lang="ko-KR" altLang="en-US" smtClean="0"/>
               <a:pPr/>
-              <a:t>2024-11-05</a:t>
+              <a:t>2024-11-09</a:t>
             </a:fld>
             <a:endParaRPr lang="ko-KR" altLang="en-US"/>
           </a:p>
@@ -1468,7 +1469,7 @@
             <a:fld id="{3A302466-FE76-40E8-BE5D-598A609EDD2B}" type="datetimeFigureOut">
               <a:rPr lang="ko-KR" altLang="en-US" smtClean="0"/>
               <a:pPr/>
-              <a:t>2024-11-05</a:t>
+              <a:t>2024-11-09</a:t>
             </a:fld>
             <a:endParaRPr lang="ko-KR" altLang="en-US"/>
           </a:p>
@@ -1758,7 +1759,7 @@
             <a:fld id="{3A302466-FE76-40E8-BE5D-598A609EDD2B}" type="datetimeFigureOut">
               <a:rPr lang="ko-KR" altLang="en-US" smtClean="0"/>
               <a:pPr/>
-              <a:t>2024-11-05</a:t>
+              <a:t>2024-11-09</a:t>
             </a:fld>
             <a:endParaRPr lang="ko-KR" altLang="en-US"/>
           </a:p>
@@ -2182,7 +2183,7 @@
             <a:fld id="{3A302466-FE76-40E8-BE5D-598A609EDD2B}" type="datetimeFigureOut">
               <a:rPr lang="ko-KR" altLang="en-US" smtClean="0"/>
               <a:pPr/>
-              <a:t>2024-11-05</a:t>
+              <a:t>2024-11-09</a:t>
             </a:fld>
             <a:endParaRPr lang="ko-KR" altLang="en-US"/>
           </a:p>
@@ -2302,7 +2303,7 @@
             <a:fld id="{3A302466-FE76-40E8-BE5D-598A609EDD2B}" type="datetimeFigureOut">
               <a:rPr lang="ko-KR" altLang="en-US" smtClean="0"/>
               <a:pPr/>
-              <a:t>2024-11-05</a:t>
+              <a:t>2024-11-09</a:t>
             </a:fld>
             <a:endParaRPr lang="ko-KR" altLang="en-US"/>
           </a:p>
@@ -2399,7 +2400,7 @@
             <a:fld id="{3A302466-FE76-40E8-BE5D-598A609EDD2B}" type="datetimeFigureOut">
               <a:rPr lang="ko-KR" altLang="en-US" smtClean="0"/>
               <a:pPr/>
-              <a:t>2024-11-05</a:t>
+              <a:t>2024-11-09</a:t>
             </a:fld>
             <a:endParaRPr lang="ko-KR" altLang="en-US"/>
           </a:p>
@@ -2678,7 +2679,7 @@
             <a:fld id="{3A302466-FE76-40E8-BE5D-598A609EDD2B}" type="datetimeFigureOut">
               <a:rPr lang="ko-KR" altLang="en-US" smtClean="0"/>
               <a:pPr/>
-              <a:t>2024-11-05</a:t>
+              <a:t>2024-11-09</a:t>
             </a:fld>
             <a:endParaRPr lang="ko-KR" altLang="en-US"/>
           </a:p>
@@ -2933,7 +2934,7 @@
             <a:fld id="{3A302466-FE76-40E8-BE5D-598A609EDD2B}" type="datetimeFigureOut">
               <a:rPr lang="ko-KR" altLang="en-US" smtClean="0"/>
               <a:pPr/>
-              <a:t>2024-11-05</a:t>
+              <a:t>2024-11-09</a:t>
             </a:fld>
             <a:endParaRPr lang="ko-KR" altLang="en-US"/>
           </a:p>
@@ -3148,7 +3149,7 @@
             <a:fld id="{3A302466-FE76-40E8-BE5D-598A609EDD2B}" type="datetimeFigureOut">
               <a:rPr lang="ko-KR" altLang="en-US" smtClean="0"/>
               <a:pPr/>
-              <a:t>2024-11-05</a:t>
+              <a:t>2024-11-09</a:t>
             </a:fld>
             <a:endParaRPr lang="ko-KR" altLang="en-US"/>
           </a:p>
@@ -3802,6 +3803,1975 @@
 <file path=ppt/slides/slide10.xml><?xml version="1.0" encoding="utf-8"?>
 <p:sld xmlns:a="http://schemas.openxmlformats.org/drawingml/2006/main" xmlns:r="http://schemas.openxmlformats.org/officeDocument/2006/relationships" xmlns:p="http://schemas.openxmlformats.org/presentationml/2006/main">
   <p:cSld>
+    <p:spTree>
+      <p:nvGrpSpPr>
+        <p:cNvPr id="1" name=""/>
+        <p:cNvGrpSpPr/>
+        <p:nvPr/>
+      </p:nvGrpSpPr>
+      <p:grpSpPr>
+        <a:xfrm>
+          <a:off x="0" y="0"/>
+          <a:ext cx="0" cy="0"/>
+          <a:chOff x="0" y="0"/>
+          <a:chExt cx="0" cy="0"/>
+        </a:xfrm>
+      </p:grpSpPr>
+      <p:cxnSp>
+        <p:nvCxnSpPr>
+          <p:cNvPr id="5" name="직선 연결선 4"/>
+          <p:cNvCxnSpPr/>
+          <p:nvPr/>
+        </p:nvCxnSpPr>
+        <p:spPr>
+          <a:xfrm flipH="1">
+            <a:off x="-252536" y="548680"/>
+            <a:ext cx="10240872" cy="0"/>
+          </a:xfrm>
+          <a:prstGeom prst="line">
+            <a:avLst/>
+          </a:prstGeom>
+          <a:ln>
+            <a:solidFill>
+              <a:schemeClr val="bg1">
+                <a:lumMod val="65000"/>
+                <a:alpha val="50000"/>
+              </a:schemeClr>
+            </a:solidFill>
+          </a:ln>
+        </p:spPr>
+        <p:style>
+          <a:lnRef idx="1">
+            <a:schemeClr val="accent1"/>
+          </a:lnRef>
+          <a:fillRef idx="0">
+            <a:schemeClr val="accent1"/>
+          </a:fillRef>
+          <a:effectRef idx="0">
+            <a:schemeClr val="accent1"/>
+          </a:effectRef>
+          <a:fontRef idx="minor">
+            <a:schemeClr val="tx1"/>
+          </a:fontRef>
+        </p:style>
+      </p:cxnSp>
+      <p:sp>
+        <p:nvSpPr>
+          <p:cNvPr id="21" name="TextBox 20"/>
+          <p:cNvSpPr txBox="1"/>
+          <p:nvPr/>
+        </p:nvSpPr>
+        <p:spPr>
+          <a:xfrm>
+            <a:off x="236725" y="56518"/>
+            <a:ext cx="1959011" cy="400110"/>
+          </a:xfrm>
+          <a:prstGeom prst="rect">
+            <a:avLst/>
+          </a:prstGeom>
+          <a:noFill/>
+        </p:spPr>
+        <p:txBody>
+          <a:bodyPr wrap="square" rtlCol="0">
+            <a:spAutoFit/>
+          </a:bodyPr>
+          <a:lstStyle/>
+          <a:p>
+            <a:pPr algn="ctr"/>
+            <a:r>
+              <a:rPr lang="ko-KR" altLang="en-US" sz="2000" b="1" dirty="0" err="1" smtClean="0">
+                <a:ln>
+                  <a:solidFill>
+                    <a:schemeClr val="tx1">
+                      <a:alpha val="30000"/>
+                    </a:schemeClr>
+                  </a:solidFill>
+                </a:ln>
+                <a:solidFill>
+                  <a:srgbClr val="272123"/>
+                </a:solidFill>
+                <a:latin typeface="HY강B" pitchFamily="18" charset="-127"/>
+                <a:ea typeface="HY강B" pitchFamily="18" charset="-127"/>
+              </a:rPr>
+              <a:t>표현식과</a:t>
+            </a:r>
+            <a:r>
+              <a:rPr lang="ko-KR" altLang="en-US" sz="2000" b="1" dirty="0" smtClean="0">
+                <a:ln>
+                  <a:solidFill>
+                    <a:schemeClr val="tx1">
+                      <a:alpha val="30000"/>
+                    </a:schemeClr>
+                  </a:solidFill>
+                </a:ln>
+                <a:solidFill>
+                  <a:srgbClr val="272123"/>
+                </a:solidFill>
+                <a:latin typeface="HY강B" pitchFamily="18" charset="-127"/>
+                <a:ea typeface="HY강B" pitchFamily="18" charset="-127"/>
+              </a:rPr>
+              <a:t> 문장</a:t>
+            </a:r>
+            <a:endParaRPr lang="en-US" altLang="ko-KR" sz="2000" b="1" dirty="0" smtClean="0">
+              <a:ln>
+                <a:solidFill>
+                  <a:schemeClr val="tx1">
+                    <a:alpha val="30000"/>
+                  </a:schemeClr>
+                </a:solidFill>
+              </a:ln>
+              <a:solidFill>
+                <a:srgbClr val="272123"/>
+              </a:solidFill>
+              <a:latin typeface="HY강B" pitchFamily="18" charset="-127"/>
+              <a:ea typeface="HY강B" pitchFamily="18" charset="-127"/>
+            </a:endParaRPr>
+          </a:p>
+        </p:txBody>
+      </p:sp>
+      <p:cxnSp>
+        <p:nvCxnSpPr>
+          <p:cNvPr id="4" name="직선 연결선 3"/>
+          <p:cNvCxnSpPr/>
+          <p:nvPr/>
+        </p:nvCxnSpPr>
+        <p:spPr>
+          <a:xfrm flipH="1">
+            <a:off x="-252536" y="548680"/>
+            <a:ext cx="10240872" cy="0"/>
+          </a:xfrm>
+          <a:prstGeom prst="line">
+            <a:avLst/>
+          </a:prstGeom>
+          <a:ln>
+            <a:solidFill>
+              <a:schemeClr val="bg1">
+                <a:lumMod val="65000"/>
+                <a:alpha val="50000"/>
+              </a:schemeClr>
+            </a:solidFill>
+          </a:ln>
+        </p:spPr>
+        <p:style>
+          <a:lnRef idx="1">
+            <a:schemeClr val="accent1"/>
+          </a:lnRef>
+          <a:fillRef idx="0">
+            <a:schemeClr val="accent1"/>
+          </a:fillRef>
+          <a:effectRef idx="0">
+            <a:schemeClr val="accent1"/>
+          </a:effectRef>
+          <a:fontRef idx="minor">
+            <a:schemeClr val="tx1"/>
+          </a:fontRef>
+        </p:style>
+      </p:cxnSp>
+      <p:sp>
+        <p:nvSpPr>
+          <p:cNvPr id="6" name="TextBox 5"/>
+          <p:cNvSpPr txBox="1"/>
+          <p:nvPr/>
+        </p:nvSpPr>
+        <p:spPr>
+          <a:xfrm>
+            <a:off x="395536" y="654948"/>
+            <a:ext cx="8064896" cy="400110"/>
+          </a:xfrm>
+          <a:prstGeom prst="rect">
+            <a:avLst/>
+          </a:prstGeom>
+          <a:noFill/>
+        </p:spPr>
+        <p:txBody>
+          <a:bodyPr wrap="square" rtlCol="0">
+            <a:spAutoFit/>
+          </a:bodyPr>
+          <a:lstStyle/>
+          <a:p>
+            <a:pPr marL="285750" indent="-285750">
+              <a:buFont typeface="Arial" pitchFamily="34" charset="0"/>
+              <a:buChar char="•"/>
+            </a:pPr>
+            <a:r>
+              <a:rPr lang="en-US" altLang="ko-KR" sz="2000" dirty="0" smtClean="0">
+                <a:ln>
+                  <a:solidFill>
+                    <a:schemeClr val="tx1">
+                      <a:alpha val="30000"/>
+                    </a:schemeClr>
+                  </a:solidFill>
+                </a:ln>
+                <a:latin typeface="HY견고딕" pitchFamily="18" charset="-127"/>
+                <a:ea typeface="HY견고딕" pitchFamily="18" charset="-127"/>
+              </a:rPr>
+              <a:t>ES.78 switch</a:t>
+            </a:r>
+            <a:r>
+              <a:rPr lang="ko-KR" altLang="en-US" sz="2000" dirty="0" smtClean="0">
+                <a:ln>
+                  <a:solidFill>
+                    <a:schemeClr val="tx1">
+                      <a:alpha val="30000"/>
+                    </a:schemeClr>
+                  </a:solidFill>
+                </a:ln>
+                <a:latin typeface="HY견고딕" pitchFamily="18" charset="-127"/>
+                <a:ea typeface="HY견고딕" pitchFamily="18" charset="-127"/>
+              </a:rPr>
+              <a:t>문에서 암묵적인 실행 지속에 의존하지 말라</a:t>
+            </a:r>
+            <a:r>
+              <a:rPr lang="en-US" altLang="ko-KR" sz="2000" dirty="0" smtClean="0">
+                <a:ln>
+                  <a:solidFill>
+                    <a:schemeClr val="tx1">
+                      <a:alpha val="30000"/>
+                    </a:schemeClr>
+                  </a:solidFill>
+                </a:ln>
+                <a:latin typeface="HY견고딕" pitchFamily="18" charset="-127"/>
+                <a:ea typeface="HY견고딕" pitchFamily="18" charset="-127"/>
+              </a:rPr>
+              <a:t>.</a:t>
+            </a:r>
+          </a:p>
+        </p:txBody>
+      </p:sp>
+      <p:sp>
+        <p:nvSpPr>
+          <p:cNvPr id="3" name="Rectangle 1"/>
+          <p:cNvSpPr>
+            <a:spLocks noChangeArrowheads="1"/>
+          </p:cNvSpPr>
+          <p:nvPr/>
+        </p:nvSpPr>
+        <p:spPr bwMode="auto">
+          <a:xfrm>
+            <a:off x="2195736" y="1412776"/>
+            <a:ext cx="5190523" cy="5170646"/>
+          </a:xfrm>
+          <a:prstGeom prst="rect">
+            <a:avLst/>
+          </a:prstGeom>
+          <a:solidFill>
+            <a:srgbClr val="FFFFFF"/>
+          </a:solidFill>
+          <a:ln>
+            <a:noFill/>
+          </a:ln>
+          <a:effectLst/>
+          <a:extLst>
+            <a:ext uri="{91240B29-F687-4F45-9708-019B960494DF}">
+              <a14:hiddenLine xmlns:a14="http://schemas.microsoft.com/office/drawing/2010/main" w="9525">
+                <a:solidFill>
+                  <a:schemeClr val="tx1"/>
+                </a:solidFill>
+                <a:miter lim="800000"/>
+                <a:headEnd/>
+                <a:tailEnd/>
+              </a14:hiddenLine>
+            </a:ext>
+            <a:ext uri="{AF507438-7753-43E0-B8FC-AC1667EBCBE1}">
+              <a14:hiddenEffects xmlns:a14="http://schemas.microsoft.com/office/drawing/2010/main">
+                <a:effectLst>
+                  <a:outerShdw dist="35921" dir="2700000" algn="ctr" rotWithShape="0">
+                    <a:schemeClr val="bg2"/>
+                  </a:outerShdw>
+                </a:effectLst>
+              </a14:hiddenEffects>
+            </a:ext>
+          </a:extLst>
+        </p:spPr>
+        <p:txBody>
+          <a:bodyPr vert="horz" wrap="none" lIns="0" tIns="0" rIns="0" bIns="0" numCol="1" anchor="ctr" anchorCtr="0" compatLnSpc="1">
+            <a:prstTxWarp prst="textNoShape">
+              <a:avLst/>
+            </a:prstTxWarp>
+            <a:spAutoFit/>
+          </a:bodyPr>
+          <a:lstStyle/>
+          <a:p>
+            <a:pPr marL="0" marR="0" lvl="0" indent="0" algn="l" defTabSz="914400" rtl="0" eaLnBrk="1" fontAlgn="base" latinLnBrk="1" hangingPunct="1">
+              <a:lnSpc>
+                <a:spcPct val="100000"/>
+              </a:lnSpc>
+              <a:spcBef>
+                <a:spcPct val="0"/>
+              </a:spcBef>
+              <a:spcAft>
+                <a:spcPct val="0"/>
+              </a:spcAft>
+              <a:buClrTx/>
+              <a:buSzTx/>
+              <a:buFontTx/>
+              <a:buNone/>
+              <a:tabLst/>
+            </a:pPr>
+            <a:r>
+              <a:rPr kumimoji="1" lang="ko-KR" altLang="ko-KR" sz="1600" b="1" strike="noStrike" cap="none" normalizeH="0" baseline="0" dirty="0" smtClean="0">
+                <a:ln>
+                  <a:noFill/>
+                </a:ln>
+                <a:solidFill>
+                  <a:srgbClr val="0086B3"/>
+                </a:solidFill>
+                <a:effectLst/>
+                <a:latin typeface="Consolas" pitchFamily="49" charset="0"/>
+                <a:ea typeface="굴림" pitchFamily="50" charset="-127"/>
+                <a:cs typeface="굴림" pitchFamily="50" charset="-127"/>
+              </a:rPr>
+              <a:t>#include</a:t>
+            </a:r>
+            <a:r>
+              <a:rPr kumimoji="1" lang="ko-KR" altLang="ko-KR" sz="1600" b="1" strike="noStrike" cap="none" normalizeH="0" baseline="0" dirty="0" smtClean="0">
+                <a:ln>
+                  <a:noFill/>
+                </a:ln>
+                <a:solidFill>
+                  <a:srgbClr val="A71D5D"/>
+                </a:solidFill>
+                <a:effectLst/>
+                <a:latin typeface="Consolas" pitchFamily="49" charset="0"/>
+                <a:ea typeface="굴림" pitchFamily="50" charset="-127"/>
+                <a:cs typeface="굴림" pitchFamily="50" charset="-127"/>
+              </a:rPr>
+              <a:t>&lt;</a:t>
+            </a:r>
+            <a:r>
+              <a:rPr kumimoji="1" lang="ko-KR" altLang="ko-KR" sz="1600" b="1" strike="noStrike" cap="none" normalizeH="0" baseline="0" dirty="0" smtClean="0">
+                <a:ln>
+                  <a:noFill/>
+                </a:ln>
+                <a:solidFill>
+                  <a:srgbClr val="010101"/>
+                </a:solidFill>
+                <a:effectLst/>
+                <a:latin typeface="Consolas" pitchFamily="49" charset="0"/>
+                <a:ea typeface="굴림" pitchFamily="50" charset="-127"/>
+                <a:cs typeface="굴림" pitchFamily="50" charset="-127"/>
+              </a:rPr>
+              <a:t>iostream</a:t>
+            </a:r>
+            <a:r>
+              <a:rPr kumimoji="1" lang="ko-KR" altLang="ko-KR" sz="1600" b="1" strike="noStrike" cap="none" normalizeH="0" baseline="0" dirty="0" smtClean="0">
+                <a:ln>
+                  <a:noFill/>
+                </a:ln>
+                <a:solidFill>
+                  <a:srgbClr val="A71D5D"/>
+                </a:solidFill>
+                <a:effectLst/>
+                <a:latin typeface="Consolas" pitchFamily="49" charset="0"/>
+                <a:ea typeface="굴림" pitchFamily="50" charset="-127"/>
+                <a:cs typeface="굴림" pitchFamily="50" charset="-127"/>
+              </a:rPr>
+              <a:t>&gt;</a:t>
+            </a:r>
+            <a:endParaRPr kumimoji="1" lang="ko-KR" altLang="ko-KR" sz="1600" b="1" strike="noStrike" cap="none" normalizeH="0" baseline="0" dirty="0" smtClean="0">
+              <a:ln>
+                <a:noFill/>
+              </a:ln>
+              <a:solidFill>
+                <a:srgbClr val="010101"/>
+              </a:solidFill>
+              <a:effectLst/>
+              <a:latin typeface="Consolas" pitchFamily="49" charset="0"/>
+              <a:ea typeface="굴림" pitchFamily="50" charset="-127"/>
+              <a:cs typeface="굴림" pitchFamily="50" charset="-127"/>
+            </a:endParaRPr>
+          </a:p>
+          <a:p>
+            <a:pPr marL="0" marR="0" lvl="0" indent="0" algn="l" defTabSz="914400" rtl="0" eaLnBrk="0" fontAlgn="base" latinLnBrk="0" hangingPunct="0">
+              <a:lnSpc>
+                <a:spcPct val="100000"/>
+              </a:lnSpc>
+              <a:spcBef>
+                <a:spcPct val="0"/>
+              </a:spcBef>
+              <a:spcAft>
+                <a:spcPct val="0"/>
+              </a:spcAft>
+              <a:buClrTx/>
+              <a:buSzTx/>
+              <a:buFontTx/>
+              <a:buNone/>
+              <a:tabLst/>
+            </a:pPr>
+            <a:r>
+              <a:rPr kumimoji="1" lang="ko-KR" altLang="ko-KR" sz="1600" b="1" strike="noStrike" cap="none" normalizeH="0" baseline="0" dirty="0" smtClean="0">
+                <a:ln>
+                  <a:noFill/>
+                </a:ln>
+                <a:solidFill>
+                  <a:srgbClr val="0086B3"/>
+                </a:solidFill>
+                <a:effectLst/>
+                <a:latin typeface="Consolas" pitchFamily="49" charset="0"/>
+                <a:ea typeface="굴림" pitchFamily="50" charset="-127"/>
+                <a:cs typeface="굴림" pitchFamily="50" charset="-127"/>
+              </a:rPr>
+              <a:t>#include</a:t>
+            </a:r>
+            <a:r>
+              <a:rPr kumimoji="1" lang="ko-KR" altLang="ko-KR" sz="1600" b="1" strike="noStrike" cap="none" normalizeH="0" baseline="0" dirty="0" smtClean="0">
+                <a:ln>
+                  <a:noFill/>
+                </a:ln>
+                <a:solidFill>
+                  <a:srgbClr val="A71D5D"/>
+                </a:solidFill>
+                <a:effectLst/>
+                <a:latin typeface="Consolas" pitchFamily="49" charset="0"/>
+                <a:ea typeface="굴림" pitchFamily="50" charset="-127"/>
+                <a:cs typeface="굴림" pitchFamily="50" charset="-127"/>
+              </a:rPr>
+              <a:t>&lt;</a:t>
+            </a:r>
+            <a:r>
+              <a:rPr kumimoji="1" lang="ko-KR" altLang="ko-KR" sz="1600" b="1" strike="noStrike" cap="none" normalizeH="0" baseline="0" dirty="0" smtClean="0">
+                <a:ln>
+                  <a:noFill/>
+                </a:ln>
+                <a:solidFill>
+                  <a:srgbClr val="010101"/>
+                </a:solidFill>
+                <a:effectLst/>
+                <a:latin typeface="Consolas" pitchFamily="49" charset="0"/>
+                <a:ea typeface="굴림" pitchFamily="50" charset="-127"/>
+                <a:cs typeface="굴림" pitchFamily="50" charset="-127"/>
+              </a:rPr>
+              <a:t>conio.h</a:t>
+            </a:r>
+            <a:r>
+              <a:rPr kumimoji="1" lang="ko-KR" altLang="ko-KR" sz="1600" b="1" strike="noStrike" cap="none" normalizeH="0" baseline="0" dirty="0" smtClean="0">
+                <a:ln>
+                  <a:noFill/>
+                </a:ln>
+                <a:solidFill>
+                  <a:srgbClr val="A71D5D"/>
+                </a:solidFill>
+                <a:effectLst/>
+                <a:latin typeface="Consolas" pitchFamily="49" charset="0"/>
+                <a:ea typeface="굴림" pitchFamily="50" charset="-127"/>
+                <a:cs typeface="굴림" pitchFamily="50" charset="-127"/>
+              </a:rPr>
+              <a:t>&gt;</a:t>
+            </a:r>
+            <a:endParaRPr kumimoji="1" lang="ko-KR" altLang="ko-KR" sz="1600" b="1" strike="noStrike" cap="none" normalizeH="0" baseline="0" dirty="0" smtClean="0">
+              <a:ln>
+                <a:noFill/>
+              </a:ln>
+              <a:solidFill>
+                <a:srgbClr val="010101"/>
+              </a:solidFill>
+              <a:effectLst/>
+              <a:latin typeface="Consolas" pitchFamily="49" charset="0"/>
+              <a:ea typeface="굴림" pitchFamily="50" charset="-127"/>
+              <a:cs typeface="굴림" pitchFamily="50" charset="-127"/>
+            </a:endParaRPr>
+          </a:p>
+          <a:p>
+            <a:pPr marL="0" marR="0" lvl="0" indent="0" algn="l" defTabSz="914400" rtl="0" eaLnBrk="0" fontAlgn="base" latinLnBrk="0" hangingPunct="0">
+              <a:lnSpc>
+                <a:spcPct val="100000"/>
+              </a:lnSpc>
+              <a:spcBef>
+                <a:spcPct val="0"/>
+              </a:spcBef>
+              <a:spcAft>
+                <a:spcPct val="0"/>
+              </a:spcAft>
+              <a:buClrTx/>
+              <a:buSzTx/>
+              <a:buFontTx/>
+              <a:buNone/>
+              <a:tabLst/>
+            </a:pPr>
+            <a:r>
+              <a:rPr kumimoji="1" lang="ko-KR" altLang="ko-KR" sz="1600" b="1" strike="noStrike" cap="none" normalizeH="0" baseline="0" dirty="0" smtClean="0">
+                <a:ln>
+                  <a:noFill/>
+                </a:ln>
+                <a:solidFill>
+                  <a:srgbClr val="A71D5D"/>
+                </a:solidFill>
+                <a:effectLst/>
+                <a:latin typeface="Consolas" pitchFamily="49" charset="0"/>
+                <a:ea typeface="굴림" pitchFamily="50" charset="-127"/>
+                <a:cs typeface="굴림" pitchFamily="50" charset="-127"/>
+              </a:rPr>
+              <a:t>void</a:t>
+            </a:r>
+            <a:r>
+              <a:rPr kumimoji="1" lang="ko-KR" altLang="ko-KR" sz="1600" b="1" strike="noStrike" cap="none" normalizeH="0" baseline="0" dirty="0" smtClean="0">
+                <a:ln>
+                  <a:noFill/>
+                </a:ln>
+                <a:solidFill>
+                  <a:srgbClr val="010101"/>
+                </a:solidFill>
+                <a:effectLst/>
+                <a:latin typeface="Consolas" pitchFamily="49" charset="0"/>
+                <a:ea typeface="굴림" pitchFamily="50" charset="-127"/>
+                <a:cs typeface="굴림" pitchFamily="50" charset="-127"/>
+              </a:rPr>
+              <a:t> main()</a:t>
+            </a:r>
+          </a:p>
+          <a:p>
+            <a:pPr marL="0" marR="0" lvl="0" indent="0" algn="l" defTabSz="914400" rtl="0" eaLnBrk="0" fontAlgn="base" latinLnBrk="0" hangingPunct="0">
+              <a:lnSpc>
+                <a:spcPct val="100000"/>
+              </a:lnSpc>
+              <a:spcBef>
+                <a:spcPct val="0"/>
+              </a:spcBef>
+              <a:spcAft>
+                <a:spcPct val="0"/>
+              </a:spcAft>
+              <a:buClrTx/>
+              <a:buSzTx/>
+              <a:buFontTx/>
+              <a:buNone/>
+              <a:tabLst/>
+            </a:pPr>
+            <a:r>
+              <a:rPr kumimoji="1" lang="ko-KR" altLang="ko-KR" sz="1600" b="1" strike="noStrike" cap="none" normalizeH="0" baseline="0" dirty="0" smtClean="0">
+                <a:ln>
+                  <a:noFill/>
+                </a:ln>
+                <a:solidFill>
+                  <a:srgbClr val="010101"/>
+                </a:solidFill>
+                <a:effectLst/>
+                <a:latin typeface="Consolas" pitchFamily="49" charset="0"/>
+                <a:ea typeface="굴림" pitchFamily="50" charset="-127"/>
+                <a:cs typeface="굴림" pitchFamily="50" charset="-127"/>
+              </a:rPr>
+              <a:t>{</a:t>
+            </a:r>
+          </a:p>
+          <a:p>
+            <a:pPr marL="0" marR="0" lvl="0" indent="0" algn="l" defTabSz="914400" rtl="0" eaLnBrk="0" fontAlgn="base" latinLnBrk="0" hangingPunct="0">
+              <a:lnSpc>
+                <a:spcPct val="100000"/>
+              </a:lnSpc>
+              <a:spcBef>
+                <a:spcPct val="0"/>
+              </a:spcBef>
+              <a:spcAft>
+                <a:spcPct val="0"/>
+              </a:spcAft>
+              <a:buClrTx/>
+              <a:buSzTx/>
+              <a:buFontTx/>
+              <a:buNone/>
+              <a:tabLst/>
+            </a:pPr>
+            <a:r>
+              <a:rPr kumimoji="1" lang="en-US" altLang="ko-KR" sz="1600" b="1" strike="noStrike" cap="none" normalizeH="0" baseline="0" dirty="0" smtClean="0">
+                <a:ln>
+                  <a:noFill/>
+                </a:ln>
+                <a:solidFill>
+                  <a:srgbClr val="066DE2"/>
+                </a:solidFill>
+                <a:effectLst/>
+                <a:latin typeface="Consolas" pitchFamily="49" charset="0"/>
+                <a:ea typeface="굴림" pitchFamily="50" charset="-127"/>
+                <a:cs typeface="굴림" pitchFamily="50" charset="-127"/>
+              </a:rPr>
+              <a:t>	</a:t>
+            </a:r>
+            <a:r>
+              <a:rPr kumimoji="1" lang="ko-KR" altLang="ko-KR" sz="1600" b="1" strike="noStrike" cap="none" normalizeH="0" baseline="0" dirty="0" smtClean="0">
+                <a:ln>
+                  <a:noFill/>
+                </a:ln>
+                <a:solidFill>
+                  <a:srgbClr val="066DE2"/>
+                </a:solidFill>
+                <a:effectLst/>
+                <a:latin typeface="Consolas" pitchFamily="49" charset="0"/>
+                <a:ea typeface="굴림" pitchFamily="50" charset="-127"/>
+                <a:cs typeface="굴림" pitchFamily="50" charset="-127"/>
+              </a:rPr>
+              <a:t>char</a:t>
+            </a:r>
+            <a:r>
+              <a:rPr kumimoji="1" lang="ko-KR" altLang="ko-KR" sz="1600" b="1" strike="noStrike" cap="none" normalizeH="0" baseline="0" dirty="0" smtClean="0">
+                <a:ln>
+                  <a:noFill/>
+                </a:ln>
+                <a:solidFill>
+                  <a:srgbClr val="010101"/>
+                </a:solidFill>
+                <a:effectLst/>
+                <a:latin typeface="Consolas" pitchFamily="49" charset="0"/>
+                <a:ea typeface="굴림" pitchFamily="50" charset="-127"/>
+                <a:cs typeface="굴림" pitchFamily="50" charset="-127"/>
+              </a:rPr>
+              <a:t> ch </a:t>
+            </a:r>
+            <a:r>
+              <a:rPr kumimoji="1" lang="ko-KR" altLang="ko-KR" sz="1600" b="1" strike="noStrike" cap="none" normalizeH="0" baseline="0" dirty="0" smtClean="0">
+                <a:ln>
+                  <a:noFill/>
+                </a:ln>
+                <a:solidFill>
+                  <a:srgbClr val="A71D5D"/>
+                </a:solidFill>
+                <a:effectLst/>
+                <a:latin typeface="Consolas" pitchFamily="49" charset="0"/>
+                <a:ea typeface="굴림" pitchFamily="50" charset="-127"/>
+                <a:cs typeface="굴림" pitchFamily="50" charset="-127"/>
+              </a:rPr>
+              <a:t>=</a:t>
+            </a:r>
+            <a:r>
+              <a:rPr kumimoji="1" lang="ko-KR" altLang="ko-KR" sz="1600" b="1" strike="noStrike" cap="none" normalizeH="0" baseline="0" dirty="0" smtClean="0">
+                <a:ln>
+                  <a:noFill/>
+                </a:ln>
+                <a:solidFill>
+                  <a:srgbClr val="010101"/>
+                </a:solidFill>
+                <a:effectLst/>
+                <a:latin typeface="Consolas" pitchFamily="49" charset="0"/>
+                <a:ea typeface="굴림" pitchFamily="50" charset="-127"/>
+                <a:cs typeface="굴림" pitchFamily="50" charset="-127"/>
+              </a:rPr>
+              <a:t> _getch();</a:t>
+            </a:r>
+          </a:p>
+          <a:p>
+            <a:pPr marL="0" marR="0" lvl="0" indent="0" algn="l" defTabSz="914400" rtl="0" eaLnBrk="0" fontAlgn="base" latinLnBrk="0" hangingPunct="0">
+              <a:lnSpc>
+                <a:spcPct val="100000"/>
+              </a:lnSpc>
+              <a:spcBef>
+                <a:spcPct val="0"/>
+              </a:spcBef>
+              <a:spcAft>
+                <a:spcPct val="0"/>
+              </a:spcAft>
+              <a:buClrTx/>
+              <a:buSzTx/>
+              <a:buFontTx/>
+              <a:buNone/>
+              <a:tabLst/>
+            </a:pPr>
+            <a:r>
+              <a:rPr kumimoji="1" lang="en-US" altLang="ko-KR" sz="1600" b="1" strike="noStrike" cap="none" normalizeH="0" baseline="0" dirty="0" smtClean="0">
+                <a:ln>
+                  <a:noFill/>
+                </a:ln>
+                <a:solidFill>
+                  <a:srgbClr val="A71D5D"/>
+                </a:solidFill>
+                <a:effectLst/>
+                <a:latin typeface="Consolas" pitchFamily="49" charset="0"/>
+                <a:ea typeface="굴림" pitchFamily="50" charset="-127"/>
+                <a:cs typeface="굴림" pitchFamily="50" charset="-127"/>
+              </a:rPr>
+              <a:t>	</a:t>
+            </a:r>
+            <a:r>
+              <a:rPr kumimoji="1" lang="ko-KR" altLang="ko-KR" sz="1600" b="1" strike="noStrike" cap="none" normalizeH="0" baseline="0" dirty="0" smtClean="0">
+                <a:ln>
+                  <a:noFill/>
+                </a:ln>
+                <a:solidFill>
+                  <a:srgbClr val="A71D5D"/>
+                </a:solidFill>
+                <a:effectLst/>
+                <a:latin typeface="Consolas" pitchFamily="49" charset="0"/>
+                <a:ea typeface="굴림" pitchFamily="50" charset="-127"/>
+                <a:cs typeface="굴림" pitchFamily="50" charset="-127"/>
+              </a:rPr>
+              <a:t>switch</a:t>
+            </a:r>
+            <a:r>
+              <a:rPr kumimoji="1" lang="ko-KR" altLang="ko-KR" sz="1600" b="1" strike="noStrike" cap="none" normalizeH="0" baseline="0" dirty="0" smtClean="0">
+                <a:ln>
+                  <a:noFill/>
+                </a:ln>
+                <a:solidFill>
+                  <a:srgbClr val="010101"/>
+                </a:solidFill>
+                <a:effectLst/>
+                <a:latin typeface="Consolas" pitchFamily="49" charset="0"/>
+                <a:ea typeface="굴림" pitchFamily="50" charset="-127"/>
+                <a:cs typeface="굴림" pitchFamily="50" charset="-127"/>
+              </a:rPr>
+              <a:t> (ch)</a:t>
+            </a:r>
+          </a:p>
+          <a:p>
+            <a:pPr marL="0" marR="0" lvl="0" indent="0" algn="l" defTabSz="914400" rtl="0" eaLnBrk="0" fontAlgn="base" latinLnBrk="0" hangingPunct="0">
+              <a:lnSpc>
+                <a:spcPct val="100000"/>
+              </a:lnSpc>
+              <a:spcBef>
+                <a:spcPct val="0"/>
+              </a:spcBef>
+              <a:spcAft>
+                <a:spcPct val="0"/>
+              </a:spcAft>
+              <a:buClrTx/>
+              <a:buSzTx/>
+              <a:buFontTx/>
+              <a:buNone/>
+              <a:tabLst/>
+            </a:pPr>
+            <a:r>
+              <a:rPr kumimoji="1" lang="en-US" altLang="ko-KR" sz="1600" b="1" strike="noStrike" cap="none" normalizeH="0" baseline="0" dirty="0" smtClean="0">
+                <a:ln>
+                  <a:noFill/>
+                </a:ln>
+                <a:solidFill>
+                  <a:srgbClr val="010101"/>
+                </a:solidFill>
+                <a:effectLst/>
+                <a:latin typeface="Consolas" pitchFamily="49" charset="0"/>
+                <a:ea typeface="굴림" pitchFamily="50" charset="-127"/>
+                <a:cs typeface="굴림" pitchFamily="50" charset="-127"/>
+              </a:rPr>
+              <a:t>	</a:t>
+            </a:r>
+            <a:r>
+              <a:rPr kumimoji="1" lang="ko-KR" altLang="ko-KR" sz="1600" b="1" strike="noStrike" cap="none" normalizeH="0" baseline="0" dirty="0" smtClean="0">
+                <a:ln>
+                  <a:noFill/>
+                </a:ln>
+                <a:solidFill>
+                  <a:srgbClr val="010101"/>
+                </a:solidFill>
+                <a:effectLst/>
+                <a:latin typeface="Consolas" pitchFamily="49" charset="0"/>
+                <a:ea typeface="굴림" pitchFamily="50" charset="-127"/>
+                <a:cs typeface="굴림" pitchFamily="50" charset="-127"/>
+              </a:rPr>
+              <a:t>{</a:t>
+            </a:r>
+          </a:p>
+          <a:p>
+            <a:pPr marL="0" marR="0" lvl="0" indent="0" algn="l" defTabSz="914400" rtl="0" eaLnBrk="0" fontAlgn="base" latinLnBrk="0" hangingPunct="0">
+              <a:lnSpc>
+                <a:spcPct val="100000"/>
+              </a:lnSpc>
+              <a:spcBef>
+                <a:spcPct val="0"/>
+              </a:spcBef>
+              <a:spcAft>
+                <a:spcPct val="0"/>
+              </a:spcAft>
+              <a:buClrTx/>
+              <a:buSzTx/>
+              <a:buFontTx/>
+              <a:buNone/>
+              <a:tabLst/>
+            </a:pPr>
+            <a:r>
+              <a:rPr kumimoji="1" lang="en-US" altLang="ko-KR" sz="1600" b="1" strike="noStrike" cap="none" normalizeH="0" baseline="0" dirty="0" smtClean="0">
+                <a:ln>
+                  <a:noFill/>
+                </a:ln>
+                <a:solidFill>
+                  <a:srgbClr val="A71D5D"/>
+                </a:solidFill>
+                <a:effectLst/>
+                <a:latin typeface="Consolas" pitchFamily="49" charset="0"/>
+                <a:ea typeface="굴림" pitchFamily="50" charset="-127"/>
+                <a:cs typeface="굴림" pitchFamily="50" charset="-127"/>
+              </a:rPr>
+              <a:t>	</a:t>
+            </a:r>
+            <a:r>
+              <a:rPr kumimoji="1" lang="ko-KR" altLang="ko-KR" sz="1600" b="1" strike="noStrike" cap="none" normalizeH="0" baseline="0" dirty="0" smtClean="0">
+                <a:ln>
+                  <a:noFill/>
+                </a:ln>
+                <a:solidFill>
+                  <a:srgbClr val="A71D5D"/>
+                </a:solidFill>
+                <a:effectLst/>
+                <a:latin typeface="Consolas" pitchFamily="49" charset="0"/>
+                <a:ea typeface="굴림" pitchFamily="50" charset="-127"/>
+                <a:cs typeface="굴림" pitchFamily="50" charset="-127"/>
+              </a:rPr>
+              <a:t>case</a:t>
+            </a:r>
+            <a:r>
+              <a:rPr kumimoji="1" lang="ko-KR" altLang="ko-KR" sz="1600" b="1" strike="noStrike" cap="none" normalizeH="0" baseline="0" dirty="0" smtClean="0">
+                <a:ln>
+                  <a:noFill/>
+                </a:ln>
+                <a:solidFill>
+                  <a:srgbClr val="010101"/>
+                </a:solidFill>
+                <a:effectLst/>
+                <a:latin typeface="Consolas" pitchFamily="49" charset="0"/>
+                <a:ea typeface="굴림" pitchFamily="50" charset="-127"/>
+                <a:cs typeface="굴림" pitchFamily="50" charset="-127"/>
+              </a:rPr>
+              <a:t> </a:t>
+            </a:r>
+            <a:r>
+              <a:rPr kumimoji="1" lang="ko-KR" altLang="ko-KR" sz="1600" b="1" strike="noStrike" cap="none" normalizeH="0" baseline="0" dirty="0" smtClean="0">
+                <a:ln>
+                  <a:noFill/>
+                </a:ln>
+                <a:solidFill>
+                  <a:srgbClr val="63A35C"/>
+                </a:solidFill>
+                <a:effectLst/>
+                <a:latin typeface="Consolas" pitchFamily="49" charset="0"/>
+                <a:ea typeface="굴림" pitchFamily="50" charset="-127"/>
+                <a:cs typeface="굴림" pitchFamily="50" charset="-127"/>
+              </a:rPr>
+              <a:t>'a'</a:t>
+            </a:r>
+            <a:r>
+              <a:rPr kumimoji="1" lang="ko-KR" altLang="ko-KR" sz="1600" b="1" strike="noStrike" cap="none" normalizeH="0" baseline="0" dirty="0" smtClean="0">
+                <a:ln>
+                  <a:noFill/>
+                </a:ln>
+                <a:solidFill>
+                  <a:srgbClr val="010101"/>
+                </a:solidFill>
+                <a:effectLst/>
+                <a:latin typeface="Consolas" pitchFamily="49" charset="0"/>
+                <a:ea typeface="굴림" pitchFamily="50" charset="-127"/>
+                <a:cs typeface="굴림" pitchFamily="50" charset="-127"/>
+              </a:rPr>
+              <a:t>:</a:t>
+            </a:r>
+          </a:p>
+          <a:p>
+            <a:pPr marL="0" marR="0" lvl="0" indent="0" algn="l" defTabSz="914400" rtl="0" eaLnBrk="0" fontAlgn="base" latinLnBrk="0" hangingPunct="0">
+              <a:lnSpc>
+                <a:spcPct val="100000"/>
+              </a:lnSpc>
+              <a:spcBef>
+                <a:spcPct val="0"/>
+              </a:spcBef>
+              <a:spcAft>
+                <a:spcPct val="0"/>
+              </a:spcAft>
+              <a:buClrTx/>
+              <a:buSzTx/>
+              <a:buFontTx/>
+              <a:buNone/>
+              <a:tabLst/>
+            </a:pPr>
+            <a:r>
+              <a:rPr kumimoji="1" lang="en-US" altLang="ko-KR" sz="1600" b="1" strike="noStrike" cap="none" normalizeH="0" baseline="0" dirty="0" smtClean="0">
+                <a:ln>
+                  <a:noFill/>
+                </a:ln>
+                <a:solidFill>
+                  <a:srgbClr val="010101"/>
+                </a:solidFill>
+                <a:effectLst/>
+                <a:latin typeface="Consolas" pitchFamily="49" charset="0"/>
+                <a:ea typeface="굴림" pitchFamily="50" charset="-127"/>
+                <a:cs typeface="굴림" pitchFamily="50" charset="-127"/>
+              </a:rPr>
+              <a:t>		</a:t>
+            </a:r>
+            <a:r>
+              <a:rPr kumimoji="1" lang="ko-KR" altLang="ko-KR" sz="1600" b="1" strike="noStrike" cap="none" normalizeH="0" baseline="0" dirty="0" smtClean="0">
+                <a:ln>
+                  <a:noFill/>
+                </a:ln>
+                <a:solidFill>
+                  <a:srgbClr val="010101"/>
+                </a:solidFill>
+                <a:effectLst/>
+                <a:latin typeface="Consolas" pitchFamily="49" charset="0"/>
+                <a:ea typeface="굴림" pitchFamily="50" charset="-127"/>
+                <a:cs typeface="굴림" pitchFamily="50" charset="-127"/>
+              </a:rPr>
+              <a:t>__fallthrough</a:t>
+            </a:r>
+          </a:p>
+          <a:p>
+            <a:pPr marL="0" marR="0" lvl="0" indent="0" algn="l" defTabSz="914400" rtl="0" eaLnBrk="0" fontAlgn="base" latinLnBrk="0" hangingPunct="0">
+              <a:lnSpc>
+                <a:spcPct val="100000"/>
+              </a:lnSpc>
+              <a:spcBef>
+                <a:spcPct val="0"/>
+              </a:spcBef>
+              <a:spcAft>
+                <a:spcPct val="0"/>
+              </a:spcAft>
+              <a:buClrTx/>
+              <a:buSzTx/>
+              <a:buFontTx/>
+              <a:buNone/>
+              <a:tabLst/>
+            </a:pPr>
+            <a:r>
+              <a:rPr kumimoji="1" lang="en-US" altLang="ko-KR" sz="1600" b="1" strike="noStrike" cap="none" normalizeH="0" baseline="0" dirty="0" smtClean="0">
+                <a:ln>
+                  <a:noFill/>
+                </a:ln>
+                <a:solidFill>
+                  <a:srgbClr val="A71D5D"/>
+                </a:solidFill>
+                <a:effectLst/>
+                <a:latin typeface="Consolas" pitchFamily="49" charset="0"/>
+                <a:ea typeface="굴림" pitchFamily="50" charset="-127"/>
+                <a:cs typeface="굴림" pitchFamily="50" charset="-127"/>
+              </a:rPr>
+              <a:t>	</a:t>
+            </a:r>
+            <a:r>
+              <a:rPr kumimoji="1" lang="ko-KR" altLang="ko-KR" sz="1600" b="1" strike="noStrike" cap="none" normalizeH="0" baseline="0" dirty="0" smtClean="0">
+                <a:ln>
+                  <a:noFill/>
+                </a:ln>
+                <a:solidFill>
+                  <a:srgbClr val="A71D5D"/>
+                </a:solidFill>
+                <a:effectLst/>
+                <a:latin typeface="Consolas" pitchFamily="49" charset="0"/>
+                <a:ea typeface="굴림" pitchFamily="50" charset="-127"/>
+                <a:cs typeface="굴림" pitchFamily="50" charset="-127"/>
+              </a:rPr>
+              <a:t>case</a:t>
+            </a:r>
+            <a:r>
+              <a:rPr kumimoji="1" lang="ko-KR" altLang="ko-KR" sz="1600" b="1" strike="noStrike" cap="none" normalizeH="0" baseline="0" dirty="0" smtClean="0">
+                <a:ln>
+                  <a:noFill/>
+                </a:ln>
+                <a:solidFill>
+                  <a:srgbClr val="010101"/>
+                </a:solidFill>
+                <a:effectLst/>
+                <a:latin typeface="Consolas" pitchFamily="49" charset="0"/>
+                <a:ea typeface="굴림" pitchFamily="50" charset="-127"/>
+                <a:cs typeface="굴림" pitchFamily="50" charset="-127"/>
+              </a:rPr>
+              <a:t> </a:t>
+            </a:r>
+            <a:r>
+              <a:rPr kumimoji="1" lang="ko-KR" altLang="ko-KR" sz="1600" b="1" strike="noStrike" cap="none" normalizeH="0" baseline="0" dirty="0" smtClean="0">
+                <a:ln>
+                  <a:noFill/>
+                </a:ln>
+                <a:solidFill>
+                  <a:srgbClr val="63A35C"/>
+                </a:solidFill>
+                <a:effectLst/>
+                <a:latin typeface="Consolas" pitchFamily="49" charset="0"/>
+                <a:ea typeface="굴림" pitchFamily="50" charset="-127"/>
+                <a:cs typeface="굴림" pitchFamily="50" charset="-127"/>
+              </a:rPr>
+              <a:t>'A'</a:t>
+            </a:r>
+            <a:r>
+              <a:rPr kumimoji="1" lang="ko-KR" altLang="ko-KR" sz="1600" b="1" strike="noStrike" cap="none" normalizeH="0" baseline="0" dirty="0" smtClean="0">
+                <a:ln>
+                  <a:noFill/>
+                </a:ln>
+                <a:solidFill>
+                  <a:srgbClr val="010101"/>
+                </a:solidFill>
+                <a:effectLst/>
+                <a:latin typeface="Consolas" pitchFamily="49" charset="0"/>
+                <a:ea typeface="굴림" pitchFamily="50" charset="-127"/>
+                <a:cs typeface="굴림" pitchFamily="50" charset="-127"/>
+              </a:rPr>
+              <a:t>:</a:t>
+            </a:r>
+          </a:p>
+          <a:p>
+            <a:pPr marL="0" marR="0" lvl="0" indent="0" algn="l" defTabSz="914400" rtl="0" eaLnBrk="0" fontAlgn="base" latinLnBrk="0" hangingPunct="0">
+              <a:lnSpc>
+                <a:spcPct val="100000"/>
+              </a:lnSpc>
+              <a:spcBef>
+                <a:spcPct val="0"/>
+              </a:spcBef>
+              <a:spcAft>
+                <a:spcPct val="0"/>
+              </a:spcAft>
+              <a:buClrTx/>
+              <a:buSzTx/>
+              <a:buFontTx/>
+              <a:buNone/>
+              <a:tabLst/>
+            </a:pPr>
+            <a:r>
+              <a:rPr kumimoji="1" lang="en-US" altLang="ko-KR" sz="1600" b="1" strike="noStrike" cap="none" normalizeH="0" baseline="0" dirty="0" smtClean="0">
+                <a:ln>
+                  <a:noFill/>
+                </a:ln>
+                <a:solidFill>
+                  <a:srgbClr val="066DE2"/>
+                </a:solidFill>
+                <a:effectLst/>
+                <a:latin typeface="Consolas" pitchFamily="49" charset="0"/>
+                <a:ea typeface="굴림" pitchFamily="50" charset="-127"/>
+                <a:cs typeface="굴림" pitchFamily="50" charset="-127"/>
+              </a:rPr>
+              <a:t>		</a:t>
+            </a:r>
+            <a:r>
+              <a:rPr kumimoji="1" lang="ko-KR" altLang="ko-KR" sz="1600" b="1" strike="noStrike" cap="none" normalizeH="0" baseline="0" dirty="0" smtClean="0">
+                <a:ln>
+                  <a:noFill/>
+                </a:ln>
+                <a:solidFill>
+                  <a:srgbClr val="066DE2"/>
+                </a:solidFill>
+                <a:effectLst/>
+                <a:latin typeface="Consolas" pitchFamily="49" charset="0"/>
+                <a:ea typeface="굴림" pitchFamily="50" charset="-127"/>
+                <a:cs typeface="굴림" pitchFamily="50" charset="-127"/>
+              </a:rPr>
+              <a:t>std</a:t>
+            </a:r>
+            <a:r>
+              <a:rPr kumimoji="1" lang="ko-KR" altLang="ko-KR" sz="1600" b="1" strike="noStrike" cap="none" normalizeH="0" baseline="0" dirty="0" smtClean="0">
+                <a:ln>
+                  <a:noFill/>
+                </a:ln>
+                <a:solidFill>
+                  <a:srgbClr val="010101"/>
+                </a:solidFill>
+                <a:effectLst/>
+                <a:latin typeface="Consolas" pitchFamily="49" charset="0"/>
+                <a:ea typeface="굴림" pitchFamily="50" charset="-127"/>
+                <a:cs typeface="굴림" pitchFamily="50" charset="-127"/>
+              </a:rPr>
+              <a:t>::</a:t>
+            </a:r>
+            <a:r>
+              <a:rPr kumimoji="1" lang="ko-KR" altLang="ko-KR" sz="1600" b="1" strike="noStrike" cap="none" normalizeH="0" baseline="0" dirty="0" smtClean="0">
+                <a:ln>
+                  <a:noFill/>
+                </a:ln>
+                <a:solidFill>
+                  <a:srgbClr val="066DE2"/>
+                </a:solidFill>
+                <a:effectLst/>
+                <a:latin typeface="Consolas" pitchFamily="49" charset="0"/>
+                <a:ea typeface="굴림" pitchFamily="50" charset="-127"/>
+                <a:cs typeface="굴림" pitchFamily="50" charset="-127"/>
+              </a:rPr>
+              <a:t>cout</a:t>
+            </a:r>
+            <a:r>
+              <a:rPr kumimoji="1" lang="ko-KR" altLang="ko-KR" sz="1600" b="1" strike="noStrike" cap="none" normalizeH="0" baseline="0" dirty="0" smtClean="0">
+                <a:ln>
+                  <a:noFill/>
+                </a:ln>
+                <a:solidFill>
+                  <a:srgbClr val="010101"/>
+                </a:solidFill>
+                <a:effectLst/>
+                <a:latin typeface="Consolas" pitchFamily="49" charset="0"/>
+                <a:ea typeface="굴림" pitchFamily="50" charset="-127"/>
+                <a:cs typeface="굴림" pitchFamily="50" charset="-127"/>
+              </a:rPr>
+              <a:t> </a:t>
+            </a:r>
+            <a:r>
+              <a:rPr kumimoji="1" lang="ko-KR" altLang="ko-KR" sz="1600" b="1" strike="noStrike" cap="none" normalizeH="0" baseline="0" dirty="0" smtClean="0">
+                <a:ln>
+                  <a:noFill/>
+                </a:ln>
+                <a:solidFill>
+                  <a:srgbClr val="A71D5D"/>
+                </a:solidFill>
+                <a:effectLst/>
+                <a:latin typeface="Consolas" pitchFamily="49" charset="0"/>
+                <a:ea typeface="굴림" pitchFamily="50" charset="-127"/>
+                <a:cs typeface="굴림" pitchFamily="50" charset="-127"/>
+              </a:rPr>
+              <a:t>&lt;&lt;</a:t>
+            </a:r>
+            <a:r>
+              <a:rPr kumimoji="1" lang="ko-KR" altLang="ko-KR" sz="1600" b="1" strike="noStrike" cap="none" normalizeH="0" baseline="0" dirty="0" smtClean="0">
+                <a:ln>
+                  <a:noFill/>
+                </a:ln>
+                <a:solidFill>
+                  <a:srgbClr val="010101"/>
+                </a:solidFill>
+                <a:effectLst/>
+                <a:latin typeface="Consolas" pitchFamily="49" charset="0"/>
+                <a:ea typeface="굴림" pitchFamily="50" charset="-127"/>
+                <a:cs typeface="굴림" pitchFamily="50" charset="-127"/>
+              </a:rPr>
+              <a:t> </a:t>
+            </a:r>
+            <a:r>
+              <a:rPr kumimoji="1" lang="ko-KR" altLang="ko-KR" sz="1600" b="1" strike="noStrike" cap="none" normalizeH="0" baseline="0" dirty="0" smtClean="0">
+                <a:ln>
+                  <a:noFill/>
+                </a:ln>
+                <a:solidFill>
+                  <a:srgbClr val="63A35C"/>
+                </a:solidFill>
+                <a:effectLst/>
+                <a:latin typeface="Consolas" pitchFamily="49" charset="0"/>
+                <a:ea typeface="굴림" pitchFamily="50" charset="-127"/>
+                <a:cs typeface="굴림" pitchFamily="50" charset="-127"/>
+              </a:rPr>
+              <a:t>"</a:t>
+            </a:r>
+            <a:r>
+              <a:rPr kumimoji="1" lang="ko-KR" sz="1600" b="1" strike="noStrike" cap="none" normalizeH="0" baseline="0" dirty="0" smtClean="0">
+                <a:ln>
+                  <a:noFill/>
+                </a:ln>
+                <a:solidFill>
+                  <a:srgbClr val="63A35C"/>
+                </a:solidFill>
+                <a:effectLst/>
+                <a:latin typeface="Consolas" pitchFamily="49" charset="0"/>
+                <a:ea typeface="굴림" pitchFamily="50" charset="-127"/>
+                <a:cs typeface="굴림" pitchFamily="50" charset="-127"/>
+              </a:rPr>
+              <a:t>왼쪽으로 이동</a:t>
+            </a:r>
+            <a:r>
+              <a:rPr kumimoji="1" lang="ko-KR" altLang="ko-KR" sz="1600" b="1" strike="noStrike" cap="none" normalizeH="0" baseline="0" dirty="0" smtClean="0">
+                <a:ln>
+                  <a:noFill/>
+                </a:ln>
+                <a:solidFill>
+                  <a:srgbClr val="63A35C"/>
+                </a:solidFill>
+                <a:effectLst/>
+                <a:latin typeface="Consolas" pitchFamily="49" charset="0"/>
+                <a:ea typeface="굴림" pitchFamily="50" charset="-127"/>
+                <a:cs typeface="굴림" pitchFamily="50" charset="-127"/>
+              </a:rPr>
+              <a:t>"</a:t>
+            </a:r>
+            <a:r>
+              <a:rPr kumimoji="1" lang="ko-KR" altLang="ko-KR" sz="1600" b="1" strike="noStrike" cap="none" normalizeH="0" baseline="0" dirty="0" smtClean="0">
+                <a:ln>
+                  <a:noFill/>
+                </a:ln>
+                <a:solidFill>
+                  <a:srgbClr val="010101"/>
+                </a:solidFill>
+                <a:effectLst/>
+                <a:latin typeface="Consolas" pitchFamily="49" charset="0"/>
+                <a:ea typeface="굴림" pitchFamily="50" charset="-127"/>
+                <a:cs typeface="굴림" pitchFamily="50" charset="-127"/>
+              </a:rPr>
+              <a:t>;</a:t>
+            </a:r>
+          </a:p>
+          <a:p>
+            <a:pPr marL="0" marR="0" lvl="0" indent="0" algn="l" defTabSz="914400" rtl="0" eaLnBrk="0" fontAlgn="base" latinLnBrk="0" hangingPunct="0">
+              <a:lnSpc>
+                <a:spcPct val="100000"/>
+              </a:lnSpc>
+              <a:spcBef>
+                <a:spcPct val="0"/>
+              </a:spcBef>
+              <a:spcAft>
+                <a:spcPct val="0"/>
+              </a:spcAft>
+              <a:buClrTx/>
+              <a:buSzTx/>
+              <a:buFontTx/>
+              <a:buNone/>
+              <a:tabLst/>
+            </a:pPr>
+            <a:r>
+              <a:rPr kumimoji="1" lang="en-US" altLang="ko-KR" sz="1600" b="1" strike="noStrike" cap="none" normalizeH="0" baseline="0" dirty="0" smtClean="0">
+                <a:ln>
+                  <a:noFill/>
+                </a:ln>
+                <a:solidFill>
+                  <a:srgbClr val="A71D5D"/>
+                </a:solidFill>
+                <a:effectLst/>
+                <a:latin typeface="Consolas" pitchFamily="49" charset="0"/>
+                <a:ea typeface="굴림" pitchFamily="50" charset="-127"/>
+                <a:cs typeface="굴림" pitchFamily="50" charset="-127"/>
+              </a:rPr>
+              <a:t>		</a:t>
+            </a:r>
+            <a:r>
+              <a:rPr kumimoji="1" lang="ko-KR" altLang="ko-KR" sz="1600" b="1" strike="noStrike" cap="none" normalizeH="0" baseline="0" dirty="0" smtClean="0">
+                <a:ln>
+                  <a:noFill/>
+                </a:ln>
+                <a:solidFill>
+                  <a:srgbClr val="A71D5D"/>
+                </a:solidFill>
+                <a:effectLst/>
+                <a:latin typeface="Consolas" pitchFamily="49" charset="0"/>
+                <a:ea typeface="굴림" pitchFamily="50" charset="-127"/>
+                <a:cs typeface="굴림" pitchFamily="50" charset="-127"/>
+              </a:rPr>
+              <a:t>break</a:t>
+            </a:r>
+            <a:r>
+              <a:rPr kumimoji="1" lang="ko-KR" altLang="ko-KR" sz="1600" b="1" strike="noStrike" cap="none" normalizeH="0" baseline="0" dirty="0" smtClean="0">
+                <a:ln>
+                  <a:noFill/>
+                </a:ln>
+                <a:solidFill>
+                  <a:srgbClr val="010101"/>
+                </a:solidFill>
+                <a:effectLst/>
+                <a:latin typeface="Consolas" pitchFamily="49" charset="0"/>
+                <a:ea typeface="굴림" pitchFamily="50" charset="-127"/>
+                <a:cs typeface="굴림" pitchFamily="50" charset="-127"/>
+              </a:rPr>
+              <a:t>;</a:t>
+            </a:r>
+          </a:p>
+          <a:p>
+            <a:pPr marL="0" marR="0" lvl="0" indent="0" algn="l" defTabSz="914400" rtl="0" eaLnBrk="0" fontAlgn="base" latinLnBrk="0" hangingPunct="0">
+              <a:lnSpc>
+                <a:spcPct val="100000"/>
+              </a:lnSpc>
+              <a:spcBef>
+                <a:spcPct val="0"/>
+              </a:spcBef>
+              <a:spcAft>
+                <a:spcPct val="0"/>
+              </a:spcAft>
+              <a:buClrTx/>
+              <a:buSzTx/>
+              <a:buFontTx/>
+              <a:buNone/>
+              <a:tabLst/>
+            </a:pPr>
+            <a:r>
+              <a:rPr kumimoji="1" lang="en-US" altLang="ko-KR" sz="1600" b="1" strike="noStrike" cap="none" normalizeH="0" baseline="0" dirty="0" smtClean="0">
+                <a:ln>
+                  <a:noFill/>
+                </a:ln>
+                <a:solidFill>
+                  <a:srgbClr val="A71D5D"/>
+                </a:solidFill>
+                <a:effectLst/>
+                <a:latin typeface="Consolas" pitchFamily="49" charset="0"/>
+                <a:ea typeface="굴림" pitchFamily="50" charset="-127"/>
+                <a:cs typeface="굴림" pitchFamily="50" charset="-127"/>
+              </a:rPr>
+              <a:t>	</a:t>
+            </a:r>
+            <a:r>
+              <a:rPr kumimoji="1" lang="ko-KR" altLang="ko-KR" sz="1600" b="1" strike="noStrike" cap="none" normalizeH="0" baseline="0" dirty="0" smtClean="0">
+                <a:ln>
+                  <a:noFill/>
+                </a:ln>
+                <a:solidFill>
+                  <a:srgbClr val="A71D5D"/>
+                </a:solidFill>
+                <a:effectLst/>
+                <a:latin typeface="Consolas" pitchFamily="49" charset="0"/>
+                <a:ea typeface="굴림" pitchFamily="50" charset="-127"/>
+                <a:cs typeface="굴림" pitchFamily="50" charset="-127"/>
+              </a:rPr>
+              <a:t>case</a:t>
+            </a:r>
+            <a:r>
+              <a:rPr kumimoji="1" lang="ko-KR" altLang="ko-KR" sz="1600" b="1" strike="noStrike" cap="none" normalizeH="0" baseline="0" dirty="0" smtClean="0">
+                <a:ln>
+                  <a:noFill/>
+                </a:ln>
+                <a:solidFill>
+                  <a:srgbClr val="010101"/>
+                </a:solidFill>
+                <a:effectLst/>
+                <a:latin typeface="Consolas" pitchFamily="49" charset="0"/>
+                <a:ea typeface="굴림" pitchFamily="50" charset="-127"/>
+                <a:cs typeface="굴림" pitchFamily="50" charset="-127"/>
+              </a:rPr>
+              <a:t> </a:t>
+            </a:r>
+            <a:r>
+              <a:rPr kumimoji="1" lang="ko-KR" altLang="ko-KR" sz="1600" b="1" strike="noStrike" cap="none" normalizeH="0" baseline="0" dirty="0" smtClean="0">
+                <a:ln>
+                  <a:noFill/>
+                </a:ln>
+                <a:solidFill>
+                  <a:srgbClr val="63A35C"/>
+                </a:solidFill>
+                <a:effectLst/>
+                <a:latin typeface="Consolas" pitchFamily="49" charset="0"/>
+                <a:ea typeface="굴림" pitchFamily="50" charset="-127"/>
+                <a:cs typeface="굴림" pitchFamily="50" charset="-127"/>
+              </a:rPr>
+              <a:t>'d'</a:t>
+            </a:r>
+            <a:r>
+              <a:rPr kumimoji="1" lang="ko-KR" altLang="ko-KR" sz="1600" b="1" strike="noStrike" cap="none" normalizeH="0" baseline="0" dirty="0" smtClean="0">
+                <a:ln>
+                  <a:noFill/>
+                </a:ln>
+                <a:solidFill>
+                  <a:srgbClr val="010101"/>
+                </a:solidFill>
+                <a:effectLst/>
+                <a:latin typeface="Consolas" pitchFamily="49" charset="0"/>
+                <a:ea typeface="굴림" pitchFamily="50" charset="-127"/>
+                <a:cs typeface="굴림" pitchFamily="50" charset="-127"/>
+              </a:rPr>
+              <a:t>:</a:t>
+            </a:r>
+          </a:p>
+          <a:p>
+            <a:pPr marL="0" marR="0" lvl="0" indent="0" algn="l" defTabSz="914400" rtl="0" eaLnBrk="0" fontAlgn="base" latinLnBrk="0" hangingPunct="0">
+              <a:lnSpc>
+                <a:spcPct val="100000"/>
+              </a:lnSpc>
+              <a:spcBef>
+                <a:spcPct val="0"/>
+              </a:spcBef>
+              <a:spcAft>
+                <a:spcPct val="0"/>
+              </a:spcAft>
+              <a:buClrTx/>
+              <a:buSzTx/>
+              <a:buFontTx/>
+              <a:buNone/>
+              <a:tabLst/>
+            </a:pPr>
+            <a:r>
+              <a:rPr kumimoji="1" lang="en-US" altLang="ko-KR" sz="1600" b="1" strike="noStrike" cap="none" normalizeH="0" baseline="0" dirty="0" smtClean="0">
+                <a:ln>
+                  <a:noFill/>
+                </a:ln>
+                <a:solidFill>
+                  <a:srgbClr val="010101"/>
+                </a:solidFill>
+                <a:effectLst/>
+                <a:latin typeface="Consolas" pitchFamily="49" charset="0"/>
+                <a:ea typeface="굴림" pitchFamily="50" charset="-127"/>
+                <a:cs typeface="굴림" pitchFamily="50" charset="-127"/>
+              </a:rPr>
+              <a:t>		</a:t>
+            </a:r>
+            <a:r>
+              <a:rPr kumimoji="1" lang="ko-KR" altLang="ko-KR" sz="1600" b="1" strike="noStrike" cap="none" normalizeH="0" baseline="0" dirty="0" smtClean="0">
+                <a:ln>
+                  <a:noFill/>
+                </a:ln>
+                <a:solidFill>
+                  <a:srgbClr val="010101"/>
+                </a:solidFill>
+                <a:effectLst/>
+                <a:latin typeface="Consolas" pitchFamily="49" charset="0"/>
+                <a:ea typeface="굴림" pitchFamily="50" charset="-127"/>
+                <a:cs typeface="굴림" pitchFamily="50" charset="-127"/>
+              </a:rPr>
+              <a:t>__fallthrough</a:t>
+            </a:r>
+          </a:p>
+          <a:p>
+            <a:pPr marL="0" marR="0" lvl="0" indent="0" algn="l" defTabSz="914400" rtl="0" eaLnBrk="0" fontAlgn="base" latinLnBrk="0" hangingPunct="0">
+              <a:lnSpc>
+                <a:spcPct val="100000"/>
+              </a:lnSpc>
+              <a:spcBef>
+                <a:spcPct val="0"/>
+              </a:spcBef>
+              <a:spcAft>
+                <a:spcPct val="0"/>
+              </a:spcAft>
+              <a:buClrTx/>
+              <a:buSzTx/>
+              <a:buFontTx/>
+              <a:buNone/>
+              <a:tabLst/>
+            </a:pPr>
+            <a:r>
+              <a:rPr kumimoji="1" lang="en-US" altLang="ko-KR" sz="1600" b="1" strike="noStrike" cap="none" normalizeH="0" baseline="0" dirty="0" smtClean="0">
+                <a:ln>
+                  <a:noFill/>
+                </a:ln>
+                <a:solidFill>
+                  <a:srgbClr val="A71D5D"/>
+                </a:solidFill>
+                <a:effectLst/>
+                <a:latin typeface="Consolas" pitchFamily="49" charset="0"/>
+                <a:ea typeface="굴림" pitchFamily="50" charset="-127"/>
+                <a:cs typeface="굴림" pitchFamily="50" charset="-127"/>
+              </a:rPr>
+              <a:t>	</a:t>
+            </a:r>
+            <a:r>
+              <a:rPr kumimoji="1" lang="ko-KR" altLang="ko-KR" sz="1600" b="1" strike="noStrike" cap="none" normalizeH="0" baseline="0" dirty="0" smtClean="0">
+                <a:ln>
+                  <a:noFill/>
+                </a:ln>
+                <a:solidFill>
+                  <a:srgbClr val="A71D5D"/>
+                </a:solidFill>
+                <a:effectLst/>
+                <a:latin typeface="Consolas" pitchFamily="49" charset="0"/>
+                <a:ea typeface="굴림" pitchFamily="50" charset="-127"/>
+                <a:cs typeface="굴림" pitchFamily="50" charset="-127"/>
+              </a:rPr>
+              <a:t>case</a:t>
+            </a:r>
+            <a:r>
+              <a:rPr kumimoji="1" lang="ko-KR" altLang="ko-KR" sz="1600" b="1" strike="noStrike" cap="none" normalizeH="0" baseline="0" dirty="0" smtClean="0">
+                <a:ln>
+                  <a:noFill/>
+                </a:ln>
+                <a:solidFill>
+                  <a:srgbClr val="010101"/>
+                </a:solidFill>
+                <a:effectLst/>
+                <a:latin typeface="Consolas" pitchFamily="49" charset="0"/>
+                <a:ea typeface="굴림" pitchFamily="50" charset="-127"/>
+                <a:cs typeface="굴림" pitchFamily="50" charset="-127"/>
+              </a:rPr>
+              <a:t> </a:t>
+            </a:r>
+            <a:r>
+              <a:rPr kumimoji="1" lang="ko-KR" altLang="ko-KR" sz="1600" b="1" strike="noStrike" cap="none" normalizeH="0" baseline="0" dirty="0" smtClean="0">
+                <a:ln>
+                  <a:noFill/>
+                </a:ln>
+                <a:solidFill>
+                  <a:srgbClr val="63A35C"/>
+                </a:solidFill>
+                <a:effectLst/>
+                <a:latin typeface="Consolas" pitchFamily="49" charset="0"/>
+                <a:ea typeface="굴림" pitchFamily="50" charset="-127"/>
+                <a:cs typeface="굴림" pitchFamily="50" charset="-127"/>
+              </a:rPr>
+              <a:t>'D'</a:t>
+            </a:r>
+            <a:r>
+              <a:rPr kumimoji="1" lang="ko-KR" altLang="ko-KR" sz="1600" b="1" strike="noStrike" cap="none" normalizeH="0" baseline="0" dirty="0" smtClean="0">
+                <a:ln>
+                  <a:noFill/>
+                </a:ln>
+                <a:solidFill>
+                  <a:srgbClr val="010101"/>
+                </a:solidFill>
+                <a:effectLst/>
+                <a:latin typeface="Consolas" pitchFamily="49" charset="0"/>
+                <a:ea typeface="굴림" pitchFamily="50" charset="-127"/>
+                <a:cs typeface="굴림" pitchFamily="50" charset="-127"/>
+              </a:rPr>
+              <a:t>:</a:t>
+            </a:r>
+          </a:p>
+          <a:p>
+            <a:pPr marL="0" marR="0" lvl="0" indent="0" algn="l" defTabSz="914400" rtl="0" eaLnBrk="0" fontAlgn="base" latinLnBrk="0" hangingPunct="0">
+              <a:lnSpc>
+                <a:spcPct val="100000"/>
+              </a:lnSpc>
+              <a:spcBef>
+                <a:spcPct val="0"/>
+              </a:spcBef>
+              <a:spcAft>
+                <a:spcPct val="0"/>
+              </a:spcAft>
+              <a:buClrTx/>
+              <a:buSzTx/>
+              <a:buFontTx/>
+              <a:buNone/>
+              <a:tabLst/>
+            </a:pPr>
+            <a:r>
+              <a:rPr kumimoji="1" lang="en-US" altLang="ko-KR" sz="1600" b="1" strike="noStrike" cap="none" normalizeH="0" baseline="0" dirty="0" smtClean="0">
+                <a:ln>
+                  <a:noFill/>
+                </a:ln>
+                <a:solidFill>
+                  <a:srgbClr val="066DE2"/>
+                </a:solidFill>
+                <a:effectLst/>
+                <a:latin typeface="Consolas" pitchFamily="49" charset="0"/>
+                <a:ea typeface="굴림" pitchFamily="50" charset="-127"/>
+                <a:cs typeface="굴림" pitchFamily="50" charset="-127"/>
+              </a:rPr>
+              <a:t>		</a:t>
+            </a:r>
+            <a:r>
+              <a:rPr kumimoji="1" lang="ko-KR" altLang="ko-KR" sz="1600" b="1" strike="noStrike" cap="none" normalizeH="0" baseline="0" dirty="0" smtClean="0">
+                <a:ln>
+                  <a:noFill/>
+                </a:ln>
+                <a:solidFill>
+                  <a:srgbClr val="066DE2"/>
+                </a:solidFill>
+                <a:effectLst/>
+                <a:latin typeface="Consolas" pitchFamily="49" charset="0"/>
+                <a:ea typeface="굴림" pitchFamily="50" charset="-127"/>
+                <a:cs typeface="굴림" pitchFamily="50" charset="-127"/>
+              </a:rPr>
+              <a:t>std</a:t>
+            </a:r>
+            <a:r>
+              <a:rPr kumimoji="1" lang="ko-KR" altLang="ko-KR" sz="1600" b="1" strike="noStrike" cap="none" normalizeH="0" baseline="0" dirty="0" smtClean="0">
+                <a:ln>
+                  <a:noFill/>
+                </a:ln>
+                <a:solidFill>
+                  <a:srgbClr val="010101"/>
+                </a:solidFill>
+                <a:effectLst/>
+                <a:latin typeface="Consolas" pitchFamily="49" charset="0"/>
+                <a:ea typeface="굴림" pitchFamily="50" charset="-127"/>
+                <a:cs typeface="굴림" pitchFamily="50" charset="-127"/>
+              </a:rPr>
+              <a:t>::</a:t>
+            </a:r>
+            <a:r>
+              <a:rPr kumimoji="1" lang="ko-KR" altLang="ko-KR" sz="1600" b="1" strike="noStrike" cap="none" normalizeH="0" baseline="0" dirty="0" smtClean="0">
+                <a:ln>
+                  <a:noFill/>
+                </a:ln>
+                <a:solidFill>
+                  <a:srgbClr val="066DE2"/>
+                </a:solidFill>
+                <a:effectLst/>
+                <a:latin typeface="Consolas" pitchFamily="49" charset="0"/>
+                <a:ea typeface="굴림" pitchFamily="50" charset="-127"/>
+                <a:cs typeface="굴림" pitchFamily="50" charset="-127"/>
+              </a:rPr>
+              <a:t>cout</a:t>
+            </a:r>
+            <a:r>
+              <a:rPr kumimoji="1" lang="ko-KR" altLang="ko-KR" sz="1600" b="1" strike="noStrike" cap="none" normalizeH="0" baseline="0" dirty="0" smtClean="0">
+                <a:ln>
+                  <a:noFill/>
+                </a:ln>
+                <a:solidFill>
+                  <a:srgbClr val="010101"/>
+                </a:solidFill>
+                <a:effectLst/>
+                <a:latin typeface="Consolas" pitchFamily="49" charset="0"/>
+                <a:ea typeface="굴림" pitchFamily="50" charset="-127"/>
+                <a:cs typeface="굴림" pitchFamily="50" charset="-127"/>
+              </a:rPr>
+              <a:t> </a:t>
+            </a:r>
+            <a:r>
+              <a:rPr kumimoji="1" lang="ko-KR" altLang="ko-KR" sz="1600" b="1" strike="noStrike" cap="none" normalizeH="0" baseline="0" dirty="0" smtClean="0">
+                <a:ln>
+                  <a:noFill/>
+                </a:ln>
+                <a:solidFill>
+                  <a:srgbClr val="A71D5D"/>
+                </a:solidFill>
+                <a:effectLst/>
+                <a:latin typeface="Consolas" pitchFamily="49" charset="0"/>
+                <a:ea typeface="굴림" pitchFamily="50" charset="-127"/>
+                <a:cs typeface="굴림" pitchFamily="50" charset="-127"/>
+              </a:rPr>
+              <a:t>&lt;&lt;</a:t>
+            </a:r>
+            <a:r>
+              <a:rPr kumimoji="1" lang="ko-KR" altLang="ko-KR" sz="1600" b="1" strike="noStrike" cap="none" normalizeH="0" baseline="0" dirty="0" smtClean="0">
+                <a:ln>
+                  <a:noFill/>
+                </a:ln>
+                <a:solidFill>
+                  <a:srgbClr val="010101"/>
+                </a:solidFill>
+                <a:effectLst/>
+                <a:latin typeface="Consolas" pitchFamily="49" charset="0"/>
+                <a:ea typeface="굴림" pitchFamily="50" charset="-127"/>
+                <a:cs typeface="굴림" pitchFamily="50" charset="-127"/>
+              </a:rPr>
+              <a:t> </a:t>
+            </a:r>
+            <a:r>
+              <a:rPr kumimoji="1" lang="ko-KR" altLang="ko-KR" sz="1600" b="1" strike="noStrike" cap="none" normalizeH="0" baseline="0" dirty="0" smtClean="0">
+                <a:ln>
+                  <a:noFill/>
+                </a:ln>
+                <a:solidFill>
+                  <a:srgbClr val="63A35C"/>
+                </a:solidFill>
+                <a:effectLst/>
+                <a:latin typeface="Consolas" pitchFamily="49" charset="0"/>
+                <a:ea typeface="굴림" pitchFamily="50" charset="-127"/>
+                <a:cs typeface="굴림" pitchFamily="50" charset="-127"/>
+              </a:rPr>
+              <a:t>"</a:t>
+            </a:r>
+            <a:r>
+              <a:rPr kumimoji="1" lang="ko-KR" sz="1600" b="1" strike="noStrike" cap="none" normalizeH="0" baseline="0" dirty="0" smtClean="0">
+                <a:ln>
+                  <a:noFill/>
+                </a:ln>
+                <a:solidFill>
+                  <a:srgbClr val="63A35C"/>
+                </a:solidFill>
+                <a:effectLst/>
+                <a:latin typeface="Consolas" pitchFamily="49" charset="0"/>
+                <a:ea typeface="굴림" pitchFamily="50" charset="-127"/>
+                <a:cs typeface="굴림" pitchFamily="50" charset="-127"/>
+              </a:rPr>
+              <a:t>오른쪽으로 이동</a:t>
+            </a:r>
+            <a:r>
+              <a:rPr kumimoji="1" lang="ko-KR" altLang="ko-KR" sz="1600" b="1" strike="noStrike" cap="none" normalizeH="0" baseline="0" dirty="0" smtClean="0">
+                <a:ln>
+                  <a:noFill/>
+                </a:ln>
+                <a:solidFill>
+                  <a:srgbClr val="63A35C"/>
+                </a:solidFill>
+                <a:effectLst/>
+                <a:latin typeface="Consolas" pitchFamily="49" charset="0"/>
+                <a:ea typeface="굴림" pitchFamily="50" charset="-127"/>
+                <a:cs typeface="굴림" pitchFamily="50" charset="-127"/>
+              </a:rPr>
+              <a:t>"</a:t>
+            </a:r>
+            <a:r>
+              <a:rPr kumimoji="1" lang="ko-KR" altLang="ko-KR" sz="1600" b="1" strike="noStrike" cap="none" normalizeH="0" baseline="0" dirty="0" smtClean="0">
+                <a:ln>
+                  <a:noFill/>
+                </a:ln>
+                <a:solidFill>
+                  <a:srgbClr val="010101"/>
+                </a:solidFill>
+                <a:effectLst/>
+                <a:latin typeface="Consolas" pitchFamily="49" charset="0"/>
+                <a:ea typeface="굴림" pitchFamily="50" charset="-127"/>
+                <a:cs typeface="굴림" pitchFamily="50" charset="-127"/>
+              </a:rPr>
+              <a:t>;</a:t>
+            </a:r>
+          </a:p>
+          <a:p>
+            <a:pPr marL="0" marR="0" lvl="0" indent="0" algn="l" defTabSz="914400" rtl="0" eaLnBrk="0" fontAlgn="base" latinLnBrk="0" hangingPunct="0">
+              <a:lnSpc>
+                <a:spcPct val="100000"/>
+              </a:lnSpc>
+              <a:spcBef>
+                <a:spcPct val="0"/>
+              </a:spcBef>
+              <a:spcAft>
+                <a:spcPct val="0"/>
+              </a:spcAft>
+              <a:buClrTx/>
+              <a:buSzTx/>
+              <a:buFontTx/>
+              <a:buNone/>
+              <a:tabLst/>
+            </a:pPr>
+            <a:r>
+              <a:rPr kumimoji="1" lang="en-US" altLang="ko-KR" sz="1600" b="1" strike="noStrike" cap="none" normalizeH="0" baseline="0" dirty="0" smtClean="0">
+                <a:ln>
+                  <a:noFill/>
+                </a:ln>
+                <a:solidFill>
+                  <a:srgbClr val="A71D5D"/>
+                </a:solidFill>
+                <a:effectLst/>
+                <a:latin typeface="Consolas" pitchFamily="49" charset="0"/>
+                <a:ea typeface="굴림" pitchFamily="50" charset="-127"/>
+                <a:cs typeface="굴림" pitchFamily="50" charset="-127"/>
+              </a:rPr>
+              <a:t>		</a:t>
+            </a:r>
+            <a:r>
+              <a:rPr kumimoji="1" lang="ko-KR" altLang="ko-KR" sz="1600" b="1" strike="noStrike" cap="none" normalizeH="0" baseline="0" dirty="0" smtClean="0">
+                <a:ln>
+                  <a:noFill/>
+                </a:ln>
+                <a:solidFill>
+                  <a:srgbClr val="A71D5D"/>
+                </a:solidFill>
+                <a:effectLst/>
+                <a:latin typeface="Consolas" pitchFamily="49" charset="0"/>
+                <a:ea typeface="굴림" pitchFamily="50" charset="-127"/>
+                <a:cs typeface="굴림" pitchFamily="50" charset="-127"/>
+              </a:rPr>
+              <a:t>break</a:t>
+            </a:r>
+            <a:r>
+              <a:rPr kumimoji="1" lang="ko-KR" altLang="ko-KR" sz="1600" b="1" strike="noStrike" cap="none" normalizeH="0" baseline="0" dirty="0" smtClean="0">
+                <a:ln>
+                  <a:noFill/>
+                </a:ln>
+                <a:solidFill>
+                  <a:srgbClr val="010101"/>
+                </a:solidFill>
+                <a:effectLst/>
+                <a:latin typeface="Consolas" pitchFamily="49" charset="0"/>
+                <a:ea typeface="굴림" pitchFamily="50" charset="-127"/>
+                <a:cs typeface="굴림" pitchFamily="50" charset="-127"/>
+              </a:rPr>
+              <a:t>;</a:t>
+            </a:r>
+          </a:p>
+          <a:p>
+            <a:pPr marL="0" marR="0" lvl="0" indent="0" algn="l" defTabSz="914400" rtl="0" eaLnBrk="0" fontAlgn="base" latinLnBrk="0" hangingPunct="0">
+              <a:lnSpc>
+                <a:spcPct val="100000"/>
+              </a:lnSpc>
+              <a:spcBef>
+                <a:spcPct val="0"/>
+              </a:spcBef>
+              <a:spcAft>
+                <a:spcPct val="0"/>
+              </a:spcAft>
+              <a:buClrTx/>
+              <a:buSzTx/>
+              <a:buFontTx/>
+              <a:buNone/>
+              <a:tabLst/>
+            </a:pPr>
+            <a:r>
+              <a:rPr kumimoji="1" lang="en-US" altLang="ko-KR" sz="1600" b="1" strike="noStrike" cap="none" normalizeH="0" baseline="0" dirty="0" smtClean="0">
+                <a:ln>
+                  <a:noFill/>
+                </a:ln>
+                <a:solidFill>
+                  <a:srgbClr val="A71D5D"/>
+                </a:solidFill>
+                <a:effectLst/>
+                <a:latin typeface="Consolas" pitchFamily="49" charset="0"/>
+                <a:ea typeface="굴림" pitchFamily="50" charset="-127"/>
+                <a:cs typeface="굴림" pitchFamily="50" charset="-127"/>
+              </a:rPr>
+              <a:t>	</a:t>
+            </a:r>
+            <a:r>
+              <a:rPr kumimoji="1" lang="ko-KR" altLang="ko-KR" sz="1600" b="1" strike="noStrike" cap="none" normalizeH="0" baseline="0" dirty="0" smtClean="0">
+                <a:ln>
+                  <a:noFill/>
+                </a:ln>
+                <a:solidFill>
+                  <a:srgbClr val="A71D5D"/>
+                </a:solidFill>
+                <a:effectLst/>
+                <a:latin typeface="Consolas" pitchFamily="49" charset="0"/>
+                <a:ea typeface="굴림" pitchFamily="50" charset="-127"/>
+                <a:cs typeface="굴림" pitchFamily="50" charset="-127"/>
+              </a:rPr>
+              <a:t>default</a:t>
+            </a:r>
+            <a:r>
+              <a:rPr kumimoji="1" lang="ko-KR" altLang="ko-KR" sz="1600" b="1" strike="noStrike" cap="none" normalizeH="0" baseline="0" dirty="0" smtClean="0">
+                <a:ln>
+                  <a:noFill/>
+                </a:ln>
+                <a:solidFill>
+                  <a:srgbClr val="010101"/>
+                </a:solidFill>
+                <a:effectLst/>
+                <a:latin typeface="Consolas" pitchFamily="49" charset="0"/>
+                <a:ea typeface="굴림" pitchFamily="50" charset="-127"/>
+                <a:cs typeface="굴림" pitchFamily="50" charset="-127"/>
+              </a:rPr>
+              <a:t>:</a:t>
+            </a:r>
+          </a:p>
+          <a:p>
+            <a:pPr marL="0" marR="0" lvl="0" indent="0" algn="l" defTabSz="914400" rtl="0" eaLnBrk="0" fontAlgn="base" latinLnBrk="0" hangingPunct="0">
+              <a:lnSpc>
+                <a:spcPct val="100000"/>
+              </a:lnSpc>
+              <a:spcBef>
+                <a:spcPct val="0"/>
+              </a:spcBef>
+              <a:spcAft>
+                <a:spcPct val="0"/>
+              </a:spcAft>
+              <a:buClrTx/>
+              <a:buSzTx/>
+              <a:buFontTx/>
+              <a:buNone/>
+              <a:tabLst/>
+            </a:pPr>
+            <a:r>
+              <a:rPr kumimoji="1" lang="en-US" altLang="ko-KR" sz="1600" b="1" strike="noStrike" cap="none" normalizeH="0" baseline="0" dirty="0" smtClean="0">
+                <a:ln>
+                  <a:noFill/>
+                </a:ln>
+                <a:solidFill>
+                  <a:srgbClr val="A71D5D"/>
+                </a:solidFill>
+                <a:effectLst/>
+                <a:latin typeface="Consolas" pitchFamily="49" charset="0"/>
+                <a:ea typeface="굴림" pitchFamily="50" charset="-127"/>
+                <a:cs typeface="굴림" pitchFamily="50" charset="-127"/>
+              </a:rPr>
+              <a:t>		</a:t>
+            </a:r>
+            <a:r>
+              <a:rPr kumimoji="1" lang="ko-KR" altLang="ko-KR" sz="1600" b="1" strike="noStrike" cap="none" normalizeH="0" baseline="0" dirty="0" smtClean="0">
+                <a:ln>
+                  <a:noFill/>
+                </a:ln>
+                <a:solidFill>
+                  <a:srgbClr val="A71D5D"/>
+                </a:solidFill>
+                <a:effectLst/>
+                <a:latin typeface="Consolas" pitchFamily="49" charset="0"/>
+                <a:ea typeface="굴림" pitchFamily="50" charset="-127"/>
+                <a:cs typeface="굴림" pitchFamily="50" charset="-127"/>
+              </a:rPr>
+              <a:t>break</a:t>
+            </a:r>
+            <a:r>
+              <a:rPr kumimoji="1" lang="ko-KR" altLang="ko-KR" sz="1600" b="1" strike="noStrike" cap="none" normalizeH="0" baseline="0" dirty="0" smtClean="0">
+                <a:ln>
+                  <a:noFill/>
+                </a:ln>
+                <a:solidFill>
+                  <a:srgbClr val="010101"/>
+                </a:solidFill>
+                <a:effectLst/>
+                <a:latin typeface="Consolas" pitchFamily="49" charset="0"/>
+                <a:ea typeface="굴림" pitchFamily="50" charset="-127"/>
+                <a:cs typeface="굴림" pitchFamily="50" charset="-127"/>
+              </a:rPr>
+              <a:t>;</a:t>
+            </a:r>
+          </a:p>
+          <a:p>
+            <a:pPr marL="0" marR="0" lvl="0" indent="0" algn="l" defTabSz="914400" rtl="0" eaLnBrk="0" fontAlgn="base" latinLnBrk="0" hangingPunct="0">
+              <a:lnSpc>
+                <a:spcPct val="100000"/>
+              </a:lnSpc>
+              <a:spcBef>
+                <a:spcPct val="0"/>
+              </a:spcBef>
+              <a:spcAft>
+                <a:spcPct val="0"/>
+              </a:spcAft>
+              <a:buClrTx/>
+              <a:buSzTx/>
+              <a:buFontTx/>
+              <a:buNone/>
+              <a:tabLst/>
+            </a:pPr>
+            <a:r>
+              <a:rPr kumimoji="1" lang="en-US" altLang="ko-KR" sz="1600" b="1" strike="noStrike" cap="none" normalizeH="0" baseline="0" dirty="0" smtClean="0">
+                <a:ln>
+                  <a:noFill/>
+                </a:ln>
+                <a:solidFill>
+                  <a:srgbClr val="010101"/>
+                </a:solidFill>
+                <a:effectLst/>
+                <a:latin typeface="Consolas" pitchFamily="49" charset="0"/>
+                <a:ea typeface="굴림" pitchFamily="50" charset="-127"/>
+                <a:cs typeface="굴림" pitchFamily="50" charset="-127"/>
+              </a:rPr>
+              <a:t>	</a:t>
+            </a:r>
+            <a:r>
+              <a:rPr kumimoji="1" lang="ko-KR" altLang="ko-KR" sz="1600" b="1" strike="noStrike" cap="none" normalizeH="0" baseline="0" dirty="0" smtClean="0">
+                <a:ln>
+                  <a:noFill/>
+                </a:ln>
+                <a:solidFill>
+                  <a:srgbClr val="010101"/>
+                </a:solidFill>
+                <a:effectLst/>
+                <a:latin typeface="Consolas" pitchFamily="49" charset="0"/>
+                <a:ea typeface="굴림" pitchFamily="50" charset="-127"/>
+                <a:cs typeface="굴림" pitchFamily="50" charset="-127"/>
+              </a:rPr>
+              <a:t>}</a:t>
+            </a:r>
+          </a:p>
+          <a:p>
+            <a:pPr marL="0" marR="0" lvl="0" indent="0" algn="l" defTabSz="914400" rtl="0" eaLnBrk="0" fontAlgn="base" latinLnBrk="0" hangingPunct="0">
+              <a:lnSpc>
+                <a:spcPct val="100000"/>
+              </a:lnSpc>
+              <a:spcBef>
+                <a:spcPct val="0"/>
+              </a:spcBef>
+              <a:spcAft>
+                <a:spcPct val="0"/>
+              </a:spcAft>
+              <a:buClrTx/>
+              <a:buSzTx/>
+              <a:buFontTx/>
+              <a:buNone/>
+              <a:tabLst/>
+            </a:pPr>
+            <a:r>
+              <a:rPr kumimoji="1" lang="ko-KR" altLang="ko-KR" sz="1600" b="1" strike="noStrike" cap="none" normalizeH="0" baseline="0" dirty="0" smtClean="0">
+                <a:ln>
+                  <a:noFill/>
+                </a:ln>
+                <a:solidFill>
+                  <a:srgbClr val="010101"/>
+                </a:solidFill>
+                <a:effectLst/>
+                <a:latin typeface="Consolas" pitchFamily="49" charset="0"/>
+                <a:ea typeface="굴림" pitchFamily="50" charset="-127"/>
+                <a:cs typeface="굴림" pitchFamily="50" charset="-127"/>
+              </a:rPr>
+              <a:t>}</a:t>
+            </a:r>
+            <a:endParaRPr kumimoji="1" lang="ko-KR" altLang="ko-KR" sz="4000" b="1" strike="noStrike" cap="none" normalizeH="0" baseline="0" dirty="0" smtClean="0">
+              <a:ln>
+                <a:noFill/>
+              </a:ln>
+              <a:solidFill>
+                <a:schemeClr val="tx1"/>
+              </a:solidFill>
+              <a:effectLst/>
+              <a:latin typeface="굴림" pitchFamily="50" charset="-127"/>
+              <a:ea typeface="굴림" pitchFamily="50" charset="-127"/>
+              <a:cs typeface="굴림" pitchFamily="50" charset="-127"/>
+            </a:endParaRPr>
+          </a:p>
+        </p:txBody>
+      </p:sp>
+    </p:spTree>
+    <p:extLst>
+      <p:ext uri="{BB962C8B-B14F-4D97-AF65-F5344CB8AC3E}">
+        <p14:creationId xmlns:p14="http://schemas.microsoft.com/office/powerpoint/2010/main" val="3431835834"/>
+      </p:ext>
+    </p:extLst>
+  </p:cSld>
+  <p:clrMapOvr>
+    <a:masterClrMapping/>
+  </p:clrMapOvr>
+  <mc:AlternateContent xmlns:mc="http://schemas.openxmlformats.org/markup-compatibility/2006" xmlns:p14="http://schemas.microsoft.com/office/powerpoint/2010/main">
+    <mc:Choice Requires="p14">
+      <p:transition spd="med" p14:dur="700">
+        <p:fade/>
+      </p:transition>
+    </mc:Choice>
+    <mc:Fallback xmlns="">
+      <p:transition spd="med">
+        <p:fade/>
+      </p:transition>
+    </mc:Fallback>
+  </mc:AlternateContent>
+  <p:timing>
+    <p:tnLst>
+      <p:par>
+        <p:cTn id="1" dur="indefinite" restart="never" nodeType="tmRoot"/>
+      </p:par>
+    </p:tnLst>
+  </p:timing>
+</p:sld>
+</file>
+
+<file path=ppt/slides/slide11.xml><?xml version="1.0" encoding="utf-8"?>
+<p:sld xmlns:a="http://schemas.openxmlformats.org/drawingml/2006/main" xmlns:r="http://schemas.openxmlformats.org/officeDocument/2006/relationships" xmlns:p="http://schemas.openxmlformats.org/presentationml/2006/main">
+  <p:cSld>
     <p:bg>
       <p:bgPr>
         <a:solidFill>
@@ -8591,10 +10561,10 @@
                 <a:latin typeface="HY신명조" panose="02030600000101010101" pitchFamily="18" charset="-127"/>
                 <a:ea typeface="HY신명조" panose="02030600000101010101" pitchFamily="18" charset="-127"/>
               </a:rPr>
-              <a:t>는 변수 선언이 아니라 함수호출로 인식해 </a:t>
-            </a:r>
-            <a:r>
-              <a:rPr lang="en-US" altLang="ko-KR" sz="1100" dirty="0" smtClean="0">
+              <a:t>는 변수 선언이 아니라 </a:t>
+            </a:r>
+            <a:r>
+              <a:rPr lang="ko-KR" altLang="en-US" sz="1100" dirty="0" smtClean="0">
                 <a:ln>
                   <a:solidFill>
                     <a:schemeClr val="tx1">
@@ -8605,7 +10575,7 @@
                 <a:latin typeface="HY신명조" panose="02030600000101010101" pitchFamily="18" charset="-127"/>
                 <a:ea typeface="HY신명조" panose="02030600000101010101" pitchFamily="18" charset="-127"/>
               </a:rPr>
-              <a:t>b</a:t>
+              <a:t>함수로 </a:t>
             </a:r>
             <a:r>
               <a:rPr lang="ko-KR" altLang="en-US" sz="1100" dirty="0" smtClean="0">
@@ -8619,7 +10589,7 @@
                 <a:latin typeface="HY신명조" panose="02030600000101010101" pitchFamily="18" charset="-127"/>
                 <a:ea typeface="HY신명조" panose="02030600000101010101" pitchFamily="18" charset="-127"/>
               </a:rPr>
-              <a:t>객체를 사용할 수 없다</a:t>
+              <a:t>인식해 </a:t>
             </a:r>
             <a:r>
               <a:rPr lang="en-US" altLang="ko-KR" sz="1100" dirty="0" smtClean="0">
@@ -8633,19 +10603,36 @@
                 <a:latin typeface="HY신명조" panose="02030600000101010101" pitchFamily="18" charset="-127"/>
                 <a:ea typeface="HY신명조" panose="02030600000101010101" pitchFamily="18" charset="-127"/>
               </a:rPr>
+              <a:t>b</a:t>
+            </a:r>
+            <a:r>
+              <a:rPr lang="ko-KR" altLang="en-US" sz="1100" dirty="0" smtClean="0">
+                <a:ln>
+                  <a:solidFill>
+                    <a:schemeClr val="tx1">
+                      <a:alpha val="30000"/>
+                    </a:schemeClr>
+                  </a:solidFill>
+                </a:ln>
+                <a:latin typeface="HY신명조" panose="02030600000101010101" pitchFamily="18" charset="-127"/>
+                <a:ea typeface="HY신명조" panose="02030600000101010101" pitchFamily="18" charset="-127"/>
+              </a:rPr>
+              <a:t>객체를 사용할 수 없다</a:t>
+            </a:r>
+            <a:r>
+              <a:rPr lang="en-US" altLang="ko-KR" sz="1100" dirty="0" smtClean="0">
+                <a:ln>
+                  <a:solidFill>
+                    <a:schemeClr val="tx1">
+                      <a:alpha val="30000"/>
+                    </a:schemeClr>
+                  </a:solidFill>
+                </a:ln>
+                <a:latin typeface="HY신명조" panose="02030600000101010101" pitchFamily="18" charset="-127"/>
+                <a:ea typeface="HY신명조" panose="02030600000101010101" pitchFamily="18" charset="-127"/>
+              </a:rPr>
               <a:t>.</a:t>
             </a:r>
-            <a:endParaRPr lang="en-US" altLang="ko-KR" sz="1100" dirty="0" smtClean="0">
-              <a:ln>
-                <a:solidFill>
-                  <a:schemeClr val="tx1">
-                    <a:alpha val="30000"/>
-                  </a:schemeClr>
-                </a:solidFill>
-              </a:ln>
-              <a:latin typeface="HY신명조" panose="02030600000101010101" pitchFamily="18" charset="-127"/>
-              <a:ea typeface="HY신명조" panose="02030600000101010101" pitchFamily="18" charset="-127"/>
-            </a:endParaRPr>
           </a:p>
           <a:p>
             <a:pPr marL="914400" lvl="1" indent="-457200">
